--- a/chapter_1/pptx/2_practice.pptx
+++ b/chapter_1/pptx/2_practice.pptx
@@ -7,25 +7,24 @@
     <p:sldMasterId id="2147483664" r:id="rId3"/>
   </p:sldMasterIdLst>
   <p:notesMasterIdLst>
-    <p:notesMasterId r:id="rId20"/>
+    <p:notesMasterId r:id="rId19"/>
   </p:notesMasterIdLst>
   <p:sldIdLst>
     <p:sldId id="258" r:id="rId4"/>
     <p:sldId id="267" r:id="rId5"/>
     <p:sldId id="322" r:id="rId6"/>
     <p:sldId id="320" r:id="rId7"/>
-    <p:sldId id="323" r:id="rId8"/>
-    <p:sldId id="336" r:id="rId9"/>
-    <p:sldId id="324" r:id="rId10"/>
-    <p:sldId id="332" r:id="rId11"/>
-    <p:sldId id="340" r:id="rId12"/>
-    <p:sldId id="339" r:id="rId13"/>
-    <p:sldId id="319" r:id="rId14"/>
-    <p:sldId id="327" r:id="rId15"/>
-    <p:sldId id="328" r:id="rId16"/>
+    <p:sldId id="345" r:id="rId8"/>
+    <p:sldId id="323" r:id="rId9"/>
+    <p:sldId id="336" r:id="rId10"/>
+    <p:sldId id="341" r:id="rId11"/>
+    <p:sldId id="342" r:id="rId12"/>
+    <p:sldId id="343" r:id="rId13"/>
+    <p:sldId id="344" r:id="rId14"/>
+    <p:sldId id="319" r:id="rId15"/>
+    <p:sldId id="327" r:id="rId16"/>
     <p:sldId id="329" r:id="rId17"/>
     <p:sldId id="331" r:id="rId18"/>
-    <p:sldId id="330" r:id="rId19"/>
   </p:sldIdLst>
   <p:sldSz cx="18288000" cy="10285413"/>
   <p:notesSz cx="6858000" cy="9144000"/>
@@ -225,7 +224,7 @@
           <a:p>
             <a:fld id="{9325ABCC-732D-4DFB-BF35-D5B0D3F49F74}" type="datetimeFigureOut">
               <a:rPr kumimoji="1" lang="ja-JP" altLang="en-US" smtClean="0"/>
-              <a:t>2020/5/29</a:t>
+              <a:t>2020/5/31</a:t>
             </a:fld>
             <a:endParaRPr kumimoji="1" lang="ja-JP" altLang="en-US"/>
           </a:p>
@@ -604,7 +603,7 @@
           <a:p>
             <a:r>
               <a:rPr kumimoji="1" lang="en-US" altLang="ja-JP"/>
-              <a:t>©︎Takato Matsumoto, 2019</a:t>
+              <a:t>@Takato Matsumoto, 2020</a:t>
             </a:r>
             <a:endParaRPr kumimoji="1" lang="ja-JP" altLang="en-US" dirty="0"/>
           </a:p>
@@ -703,7 +702,7 @@
           <a:p>
             <a:r>
               <a:rPr kumimoji="1" lang="en-US" altLang="ja-JP"/>
-              <a:t>©︎Takato Matsumoto, 2019</a:t>
+              <a:t>@Takato Matsumoto, 2020</a:t>
             </a:r>
             <a:endParaRPr kumimoji="1" lang="ja-JP" altLang="en-US" dirty="0"/>
           </a:p>
@@ -1177,7 +1176,7 @@
           <a:p>
             <a:r>
               <a:rPr kumimoji="1" lang="en-US" altLang="ja-JP"/>
-              <a:t>©︎Takato Matsumoto, 2019</a:t>
+              <a:t>@Takato Matsumoto, 2020</a:t>
             </a:r>
             <a:endParaRPr kumimoji="1" lang="ja-JP" altLang="en-US" dirty="0"/>
           </a:p>
@@ -1776,7 +1775,7 @@
           <a:p>
             <a:r>
               <a:rPr kumimoji="1" lang="en-US" altLang="ja-JP"/>
-              <a:t>©︎Takato Matsumoto, 2019</a:t>
+              <a:t>@Takato Matsumoto, 2020</a:t>
             </a:r>
             <a:endParaRPr kumimoji="1" lang="ja-JP" altLang="en-US" dirty="0"/>
           </a:p>
@@ -2500,7 +2499,7 @@
           <a:p>
             <a:r>
               <a:rPr kumimoji="1" lang="en-US" altLang="ja-JP"/>
-              <a:t>©︎Takato Matsumoto, 2019</a:t>
+              <a:t>@Takato Matsumoto, 2020</a:t>
             </a:r>
             <a:endParaRPr kumimoji="1" lang="ja-JP" altLang="en-US" dirty="0"/>
           </a:p>
@@ -2701,7 +2700,7 @@
           <a:p>
             <a:r>
               <a:rPr kumimoji="1" lang="en-US" altLang="ja-JP"/>
-              <a:t>©︎Takato Matsumoto, 2019</a:t>
+              <a:t>@Takato Matsumoto, 2020</a:t>
             </a:r>
             <a:endParaRPr kumimoji="1" lang="ja-JP" altLang="en-US" dirty="0"/>
           </a:p>
@@ -2943,7 +2942,7 @@
           <a:p>
             <a:r>
               <a:rPr kumimoji="1" lang="en-US" altLang="ja-JP"/>
-              <a:t>©︎Takato Matsumoto, 2019</a:t>
+              <a:t>@Takato Matsumoto, 2020</a:t>
             </a:r>
             <a:endParaRPr kumimoji="1" lang="ja-JP" altLang="en-US" dirty="0"/>
           </a:p>
@@ -3328,7 +3327,7 @@
           <a:p>
             <a:r>
               <a:rPr kumimoji="1" lang="en-US" altLang="ja-JP"/>
-              <a:t>©︎Takato Matsumoto, 2019</a:t>
+              <a:t>@Takato Matsumoto, 2020</a:t>
             </a:r>
             <a:endParaRPr kumimoji="1" lang="ja-JP" altLang="en-US" dirty="0"/>
           </a:p>
@@ -3601,7 +3600,7 @@
           <a:p>
             <a:r>
               <a:rPr kumimoji="1" lang="en-US" altLang="ja-JP"/>
-              <a:t>©︎Takato Matsumoto, 2019</a:t>
+              <a:t>@Takato Matsumoto, 2020</a:t>
             </a:r>
             <a:endParaRPr kumimoji="1" lang="ja-JP" altLang="en-US" dirty="0"/>
           </a:p>
@@ -3748,7 +3747,7 @@
           <a:p>
             <a:r>
               <a:rPr kumimoji="1" lang="en-US" altLang="ja-JP"/>
-              <a:t>©︎Takato Matsumoto, 2019</a:t>
+              <a:t>@Takato Matsumoto, 2020</a:t>
             </a:r>
             <a:endParaRPr kumimoji="1" lang="ja-JP" altLang="en-US" dirty="0"/>
           </a:p>
@@ -4058,7 +4057,7 @@
           <a:p>
             <a:r>
               <a:rPr kumimoji="1" lang="en-US" altLang="ja-JP"/>
-              <a:t>©︎Takato Matsumoto, 2019</a:t>
+              <a:t>@Takato Matsumoto, 2020</a:t>
             </a:r>
             <a:endParaRPr kumimoji="1" lang="ja-JP" altLang="en-US" dirty="0"/>
           </a:p>
@@ -4319,7 +4318,7 @@
           <a:p>
             <a:r>
               <a:rPr kumimoji="1" lang="en-US" altLang="ja-JP"/>
-              <a:t>©︎Takato Matsumoto, 2019</a:t>
+              <a:t>@Takato Matsumoto, 2020</a:t>
             </a:r>
             <a:endParaRPr kumimoji="1" lang="ja-JP" altLang="en-US" dirty="0"/>
           </a:p>
@@ -4472,7 +4471,7 @@
           <a:p>
             <a:r>
               <a:rPr kumimoji="1" lang="en-US" altLang="ja-JP"/>
-              <a:t>©︎Takato Matsumoto, 2019</a:t>
+              <a:t>@Takato Matsumoto, 2020</a:t>
             </a:r>
             <a:endParaRPr kumimoji="1" lang="ja-JP" altLang="en-US" dirty="0"/>
           </a:p>
@@ -4625,7 +4624,7 @@
           <a:p>
             <a:r>
               <a:rPr kumimoji="1" lang="en-US" altLang="ja-JP"/>
-              <a:t>©︎Takato Matsumoto, 2019</a:t>
+              <a:t>@Takato Matsumoto, 2020</a:t>
             </a:r>
             <a:endParaRPr kumimoji="1" lang="ja-JP" altLang="en-US" dirty="0"/>
           </a:p>
@@ -4748,7 +4747,7 @@
           <a:p>
             <a:r>
               <a:rPr kumimoji="1" lang="en-US" altLang="ja-JP"/>
-              <a:t>©︎Takato Matsumoto, 2019</a:t>
+              <a:t>@Takato Matsumoto, 2020</a:t>
             </a:r>
             <a:endParaRPr kumimoji="1" lang="ja-JP" altLang="en-US" dirty="0"/>
           </a:p>
@@ -4994,7 +4993,7 @@
           <a:p>
             <a:r>
               <a:rPr kumimoji="1" lang="en-US" altLang="ja-JP"/>
-              <a:t>©︎Takato Matsumoto, 2019</a:t>
+              <a:t>@Takato Matsumoto, 2020</a:t>
             </a:r>
             <a:endParaRPr kumimoji="1" lang="ja-JP" altLang="en-US" dirty="0"/>
           </a:p>
@@ -6267,7 +6266,7 @@
           <a:p>
             <a:r>
               <a:rPr kumimoji="1" lang="en-US" altLang="ja-JP"/>
-              <a:t>©︎Takato Matsumoto, 2019</a:t>
+              <a:t>@Takato Matsumoto, 2020</a:t>
             </a:r>
             <a:endParaRPr kumimoji="1" lang="ja-JP" altLang="en-US" dirty="0"/>
           </a:p>
@@ -8107,7 +8106,7 @@
           <a:p>
             <a:r>
               <a:rPr kumimoji="1" lang="en-US" altLang="ja-JP"/>
-              <a:t>©︎Takato Matsumoto, 2019</a:t>
+              <a:t>@Takato Matsumoto, 2020</a:t>
             </a:r>
             <a:endParaRPr kumimoji="1" lang="ja-JP" altLang="en-US" dirty="0"/>
           </a:p>
@@ -8531,7 +8530,7 @@
           <a:p>
             <a:r>
               <a:rPr kumimoji="1" lang="en-US" altLang="ja-JP"/>
-              <a:t>©︎Takato Matsumoto, 2019</a:t>
+              <a:t>@Takato Matsumoto, 2020</a:t>
             </a:r>
             <a:endParaRPr kumimoji="1" lang="ja-JP" altLang="en-US" dirty="0"/>
           </a:p>
@@ -8806,7 +8805,7 @@
           <a:p>
             <a:r>
               <a:rPr kumimoji="1" lang="en-US" altLang="ja-JP"/>
-              <a:t>©︎Takato Matsumoto, 2019</a:t>
+              <a:t>@Takato Matsumoto, 2020</a:t>
             </a:r>
             <a:endParaRPr kumimoji="1" lang="ja-JP" altLang="en-US" dirty="0"/>
           </a:p>
@@ -8981,7 +8980,7 @@
           <a:p>
             <a:r>
               <a:rPr kumimoji="1" lang="en-US" altLang="ja-JP"/>
-              <a:t>©︎Takato Matsumoto, 2019</a:t>
+              <a:t>@Takato Matsumoto, 2020</a:t>
             </a:r>
             <a:endParaRPr kumimoji="1" lang="ja-JP" altLang="en-US" dirty="0"/>
           </a:p>
@@ -9212,7 +9211,7 @@
           <a:p>
             <a:r>
               <a:rPr kumimoji="1" lang="en-US" altLang="ja-JP"/>
-              <a:t>©︎Takato Matsumoto, 2019</a:t>
+              <a:t>@Takato Matsumoto, 2020</a:t>
             </a:r>
             <a:endParaRPr kumimoji="1" lang="ja-JP" altLang="en-US" dirty="0"/>
           </a:p>
@@ -9443,7 +9442,7 @@
           <a:p>
             <a:r>
               <a:rPr kumimoji="1" lang="en-US" altLang="ja-JP"/>
-              <a:t>©︎Takato Matsumoto, 2019</a:t>
+              <a:t>@Takato Matsumoto, 2020</a:t>
             </a:r>
             <a:endParaRPr kumimoji="1" lang="ja-JP" altLang="en-US" dirty="0"/>
           </a:p>
@@ -10031,7 +10030,7 @@
           <a:p>
             <a:r>
               <a:rPr kumimoji="1" lang="en-US" altLang="ja-JP"/>
-              <a:t>©︎Takato Matsumoto, 2019</a:t>
+              <a:t>@Takato Matsumoto, 2020</a:t>
             </a:r>
             <a:endParaRPr kumimoji="1" lang="ja-JP" altLang="en-US" dirty="0"/>
           </a:p>
@@ -10597,7 +10596,7 @@
           <a:p>
             <a:r>
               <a:rPr kumimoji="1" lang="en-US" altLang="ja-JP"/>
-              <a:t>©︎Takato Matsumoto, 2019</a:t>
+              <a:t>@Takato Matsumoto, 2020</a:t>
             </a:r>
             <a:endParaRPr kumimoji="1" lang="ja-JP" altLang="en-US" dirty="0"/>
           </a:p>
@@ -11480,11 +11479,11 @@
             </a:r>
             <a:r>
               <a:rPr lang="en-US" altLang="ja-JP" dirty="0"/>
-              <a:t> | price</a:t>
+              <a:t> | </a:t>
             </a:r>
             <a:r>
               <a:rPr lang="ja-JP" altLang="en-US"/>
-              <a:t>の予測</a:t>
+              <a:t>線形回帰モデルの作成</a:t>
             </a:r>
             <a:endParaRPr kumimoji="1" lang="ja-JP" altLang="en-US" dirty="0"/>
           </a:p>
@@ -11520,69 +11519,16 @@
           <a:p>
             <a:r>
               <a:rPr lang="ja-JP" altLang="en-US" sz="4000"/>
-              <a:t>線形回帰モデルに対して</a:t>
-            </a:r>
-            <a:br>
-              <a:rPr lang="en-US" altLang="ja-JP" sz="4000" dirty="0"/>
-            </a:br>
-            <a:r>
-              <a:rPr lang="en-US" altLang="ja-JP" sz="4000" dirty="0"/>
-              <a:t>Test data</a:t>
-            </a:r>
-            <a:r>
-              <a:rPr lang="ja-JP" altLang="en-US" sz="4000"/>
-              <a:t>の</a:t>
-            </a:r>
-            <a:r>
-              <a:rPr lang="en-US" altLang="ja-JP" sz="4000" dirty="0"/>
-              <a:t>area</a:t>
-            </a:r>
-            <a:r>
-              <a:rPr lang="ja-JP" altLang="en-US" sz="4000"/>
-              <a:t>を代入して</a:t>
-            </a:r>
-            <a:r>
-              <a:rPr lang="en-US" altLang="ja-JP" sz="4000" dirty="0"/>
-              <a:t>price</a:t>
-            </a:r>
-            <a:r>
-              <a:rPr lang="ja-JP" altLang="en-US" sz="4000"/>
-              <a:t>を予測します</a:t>
-            </a:r>
+              <a:t>求まった直線は以下の式で表されます</a:t>
+            </a:r>
+            <a:endParaRPr lang="en-US" altLang="ja-JP" sz="3200" dirty="0"/>
+          </a:p>
+          <a:p>
+            <a:pPr lvl="1"/>
             <a:endParaRPr lang="en-US" altLang="ja" sz="3200" dirty="0"/>
           </a:p>
           <a:p>
             <a:endParaRPr lang="en-US" altLang="ja-JP" sz="4000" dirty="0"/>
-          </a:p>
-        </p:txBody>
-      </p:sp>
-      <p:sp>
-        <p:nvSpPr>
-          <p:cNvPr id="13" name="Slide Number Placeholder 12">
-            <a:extLst>
-              <a:ext uri="{FF2B5EF4-FFF2-40B4-BE49-F238E27FC236}">
-                <a16:creationId xmlns:a16="http://schemas.microsoft.com/office/drawing/2014/main" id="{ACBC7515-E64F-8F4C-B7BA-458E3BC7E0CA}"/>
-              </a:ext>
-            </a:extLst>
-          </p:cNvPr>
-          <p:cNvSpPr>
-            <a:spLocks noGrp="1"/>
-          </p:cNvSpPr>
-          <p:nvPr>
-            <p:ph type="sldNum" sz="quarter" idx="10"/>
-          </p:nvPr>
-        </p:nvSpPr>
-        <p:spPr/>
-        <p:txBody>
-          <a:bodyPr/>
-          <a:lstStyle/>
-          <a:p>
-            <a:fld id="{D28C7C6D-0F52-4FBA-8358-35C6083C2133}" type="slidenum">
-              <a:rPr kumimoji="1" lang="ja-JP" altLang="en-US" smtClean="0"/>
-              <a:pPr/>
-              <a:t>10</a:t>
-            </a:fld>
-            <a:endParaRPr kumimoji="1" lang="ja-JP" altLang="en-US"/>
           </a:p>
         </p:txBody>
       </p:sp>
@@ -11613,16 +11559,1266 @@
           <a:lstStyle/>
           <a:p>
             <a:r>
-              <a:rPr kumimoji="1" lang="en-US" altLang="ja-JP" dirty="0"/>
-              <a:t>©︎</a:t>
-            </a:r>
-            <a:r>
-              <a:rPr kumimoji="1" lang="en-US" altLang="ja-JP" dirty="0" err="1"/>
-              <a:t>Takato</a:t>
-            </a:r>
-            <a:r>
-              <a:rPr kumimoji="1" lang="en-US" altLang="ja-JP" dirty="0"/>
-              <a:t> Matsumoto, 2019</a:t>
+              <a:rPr kumimoji="1" lang="en-US" altLang="ja-JP"/>
+              <a:t>@Takato Matsumoto, 2020</a:t>
+            </a:r>
+            <a:endParaRPr kumimoji="1" lang="ja-JP" altLang="en-US" dirty="0"/>
+          </a:p>
+        </p:txBody>
+      </p:sp>
+      <p:grpSp>
+        <p:nvGrpSpPr>
+          <p:cNvPr id="52" name="Group 51">
+            <a:extLst>
+              <a:ext uri="{FF2B5EF4-FFF2-40B4-BE49-F238E27FC236}">
+                <a16:creationId xmlns:a16="http://schemas.microsoft.com/office/drawing/2014/main" id="{09B427DE-EF69-E845-804E-A7A968EC9E3E}"/>
+              </a:ext>
+            </a:extLst>
+          </p:cNvPr>
+          <p:cNvGrpSpPr/>
+          <p:nvPr/>
+        </p:nvGrpSpPr>
+        <p:grpSpPr>
+          <a:xfrm>
+            <a:off x="1670784" y="4829549"/>
+            <a:ext cx="6338337" cy="5325806"/>
+            <a:chOff x="1670784" y="4829549"/>
+            <a:chExt cx="6338337" cy="5325806"/>
+          </a:xfrm>
+        </p:grpSpPr>
+        <p:grpSp>
+          <p:nvGrpSpPr>
+            <p:cNvPr id="36" name="Group 35">
+              <a:extLst>
+                <a:ext uri="{FF2B5EF4-FFF2-40B4-BE49-F238E27FC236}">
+                  <a16:creationId xmlns:a16="http://schemas.microsoft.com/office/drawing/2014/main" id="{7A63EB50-C4A4-FC41-838C-4C8867B9C50C}"/>
+                </a:ext>
+              </a:extLst>
+            </p:cNvPr>
+            <p:cNvGrpSpPr/>
+            <p:nvPr/>
+          </p:nvGrpSpPr>
+          <p:grpSpPr>
+            <a:xfrm>
+              <a:off x="1670784" y="4829549"/>
+              <a:ext cx="6338337" cy="5325806"/>
+              <a:chOff x="537248" y="4220307"/>
+              <a:chExt cx="6338337" cy="5325806"/>
+            </a:xfrm>
+          </p:grpSpPr>
+          <p:grpSp>
+            <p:nvGrpSpPr>
+              <p:cNvPr id="31" name="Group 30">
+                <a:extLst>
+                  <a:ext uri="{FF2B5EF4-FFF2-40B4-BE49-F238E27FC236}">
+                    <a16:creationId xmlns:a16="http://schemas.microsoft.com/office/drawing/2014/main" id="{9183EBC9-67BD-D444-B097-1ACFA472D275}"/>
+                  </a:ext>
+                </a:extLst>
+              </p:cNvPr>
+              <p:cNvGrpSpPr/>
+              <p:nvPr/>
+            </p:nvGrpSpPr>
+            <p:grpSpPr>
+              <a:xfrm>
+                <a:off x="1653571" y="4220307"/>
+                <a:ext cx="5222014" cy="4527445"/>
+                <a:chOff x="4660540" y="3763107"/>
+                <a:chExt cx="5222014" cy="4527445"/>
+              </a:xfrm>
+            </p:grpSpPr>
+            <p:grpSp>
+              <p:nvGrpSpPr>
+                <p:cNvPr id="6" name="Group 5">
+                  <a:extLst>
+                    <a:ext uri="{FF2B5EF4-FFF2-40B4-BE49-F238E27FC236}">
+                      <a16:creationId xmlns:a16="http://schemas.microsoft.com/office/drawing/2014/main" id="{6054E02C-CA2C-334D-A596-B250D0CEE9B2}"/>
+                    </a:ext>
+                  </a:extLst>
+                </p:cNvPr>
+                <p:cNvGrpSpPr/>
+                <p:nvPr/>
+              </p:nvGrpSpPr>
+              <p:grpSpPr>
+                <a:xfrm>
+                  <a:off x="4660540" y="3763107"/>
+                  <a:ext cx="5222014" cy="4527445"/>
+                  <a:chOff x="4519863" y="3165421"/>
+                  <a:chExt cx="3793958" cy="3148358"/>
+                </a:xfrm>
+              </p:grpSpPr>
+              <p:cxnSp>
+                <p:nvCxnSpPr>
+                  <p:cNvPr id="4" name="Straight Connector 3">
+                    <a:extLst>
+                      <a:ext uri="{FF2B5EF4-FFF2-40B4-BE49-F238E27FC236}">
+                        <a16:creationId xmlns:a16="http://schemas.microsoft.com/office/drawing/2014/main" id="{1855AD81-BA6E-9B4C-BF67-C0F85945690F}"/>
+                      </a:ext>
+                    </a:extLst>
+                  </p:cNvPr>
+                  <p:cNvCxnSpPr>
+                    <a:cxnSpLocks/>
+                  </p:cNvCxnSpPr>
+                  <p:nvPr/>
+                </p:nvCxnSpPr>
+                <p:spPr>
+                  <a:xfrm>
+                    <a:off x="4519863" y="3165421"/>
+                    <a:ext cx="0" cy="3148358"/>
+                  </a:xfrm>
+                  <a:prstGeom prst="line">
+                    <a:avLst/>
+                  </a:prstGeom>
+                  <a:ln w="38100"/>
+                </p:spPr>
+                <p:style>
+                  <a:lnRef idx="1">
+                    <a:schemeClr val="dk1"/>
+                  </a:lnRef>
+                  <a:fillRef idx="0">
+                    <a:schemeClr val="dk1"/>
+                  </a:fillRef>
+                  <a:effectRef idx="0">
+                    <a:schemeClr val="dk1"/>
+                  </a:effectRef>
+                  <a:fontRef idx="minor">
+                    <a:schemeClr val="tx1"/>
+                  </a:fontRef>
+                </p:style>
+              </p:cxnSp>
+              <p:cxnSp>
+                <p:nvCxnSpPr>
+                  <p:cNvPr id="20" name="Straight Connector 19">
+                    <a:extLst>
+                      <a:ext uri="{FF2B5EF4-FFF2-40B4-BE49-F238E27FC236}">
+                        <a16:creationId xmlns:a16="http://schemas.microsoft.com/office/drawing/2014/main" id="{74F98A50-8621-364A-A834-BD0D082A2633}"/>
+                      </a:ext>
+                    </a:extLst>
+                  </p:cNvPr>
+                  <p:cNvCxnSpPr>
+                    <a:cxnSpLocks/>
+                  </p:cNvCxnSpPr>
+                  <p:nvPr/>
+                </p:nvCxnSpPr>
+                <p:spPr>
+                  <a:xfrm flipH="1">
+                    <a:off x="4519863" y="6313779"/>
+                    <a:ext cx="3793958" cy="0"/>
+                  </a:xfrm>
+                  <a:prstGeom prst="line">
+                    <a:avLst/>
+                  </a:prstGeom>
+                  <a:ln w="38100"/>
+                </p:spPr>
+                <p:style>
+                  <a:lnRef idx="1">
+                    <a:schemeClr val="dk1"/>
+                  </a:lnRef>
+                  <a:fillRef idx="0">
+                    <a:schemeClr val="dk1"/>
+                  </a:fillRef>
+                  <a:effectRef idx="0">
+                    <a:schemeClr val="dk1"/>
+                  </a:effectRef>
+                  <a:fontRef idx="minor">
+                    <a:schemeClr val="tx1"/>
+                  </a:fontRef>
+                </p:style>
+              </p:cxnSp>
+            </p:grpSp>
+            <p:sp>
+              <p:nvSpPr>
+                <p:cNvPr id="21" name="Oval 20">
+                  <a:extLst>
+                    <a:ext uri="{FF2B5EF4-FFF2-40B4-BE49-F238E27FC236}">
+                      <a16:creationId xmlns:a16="http://schemas.microsoft.com/office/drawing/2014/main" id="{F1D72D8C-2A5A-9546-B826-741CC7735EE2}"/>
+                    </a:ext>
+                  </a:extLst>
+                </p:cNvPr>
+                <p:cNvSpPr/>
+                <p:nvPr/>
+              </p:nvSpPr>
+              <p:spPr>
+                <a:xfrm>
+                  <a:off x="6238648" y="5298864"/>
+                  <a:ext cx="316523" cy="316523"/>
+                </a:xfrm>
+                <a:prstGeom prst="ellipse">
+                  <a:avLst/>
+                </a:prstGeom>
+                <a:solidFill>
+                  <a:schemeClr val="tx1"/>
+                </a:solidFill>
+                <a:ln>
+                  <a:noFill/>
+                </a:ln>
+              </p:spPr>
+              <p:style>
+                <a:lnRef idx="2">
+                  <a:schemeClr val="accent1">
+                    <a:shade val="50000"/>
+                  </a:schemeClr>
+                </a:lnRef>
+                <a:fillRef idx="1">
+                  <a:schemeClr val="accent1"/>
+                </a:fillRef>
+                <a:effectRef idx="0">
+                  <a:schemeClr val="accent1"/>
+                </a:effectRef>
+                <a:fontRef idx="minor">
+                  <a:schemeClr val="lt1"/>
+                </a:fontRef>
+              </p:style>
+              <p:txBody>
+                <a:bodyPr rtlCol="0" anchor="ctr"/>
+                <a:lstStyle/>
+                <a:p>
+                  <a:pPr algn="ctr"/>
+                  <a:endParaRPr kumimoji="1" lang="en-JP"/>
+                </a:p>
+              </p:txBody>
+            </p:sp>
+            <p:sp>
+              <p:nvSpPr>
+                <p:cNvPr id="23" name="Oval 22">
+                  <a:extLst>
+                    <a:ext uri="{FF2B5EF4-FFF2-40B4-BE49-F238E27FC236}">
+                      <a16:creationId xmlns:a16="http://schemas.microsoft.com/office/drawing/2014/main" id="{4F9DB311-0FB9-7B49-9BC9-3FA0AE3BE67A}"/>
+                    </a:ext>
+                  </a:extLst>
+                </p:cNvPr>
+                <p:cNvSpPr/>
+                <p:nvPr/>
+              </p:nvSpPr>
+              <p:spPr>
+                <a:xfrm>
+                  <a:off x="8813281" y="5334795"/>
+                  <a:ext cx="316523" cy="316523"/>
+                </a:xfrm>
+                <a:prstGeom prst="ellipse">
+                  <a:avLst/>
+                </a:prstGeom>
+                <a:solidFill>
+                  <a:schemeClr val="tx1"/>
+                </a:solidFill>
+                <a:ln>
+                  <a:noFill/>
+                </a:ln>
+              </p:spPr>
+              <p:style>
+                <a:lnRef idx="2">
+                  <a:schemeClr val="accent1">
+                    <a:shade val="50000"/>
+                  </a:schemeClr>
+                </a:lnRef>
+                <a:fillRef idx="1">
+                  <a:schemeClr val="accent1"/>
+                </a:fillRef>
+                <a:effectRef idx="0">
+                  <a:schemeClr val="accent1"/>
+                </a:effectRef>
+                <a:fontRef idx="minor">
+                  <a:schemeClr val="lt1"/>
+                </a:fontRef>
+              </p:style>
+              <p:txBody>
+                <a:bodyPr rtlCol="0" anchor="ctr"/>
+                <a:lstStyle/>
+                <a:p>
+                  <a:pPr algn="ctr"/>
+                  <a:endParaRPr kumimoji="1" lang="en-JP"/>
+                </a:p>
+              </p:txBody>
+            </p:sp>
+            <p:cxnSp>
+              <p:nvCxnSpPr>
+                <p:cNvPr id="24" name="Straight Connector 23">
+                  <a:extLst>
+                    <a:ext uri="{FF2B5EF4-FFF2-40B4-BE49-F238E27FC236}">
+                      <a16:creationId xmlns:a16="http://schemas.microsoft.com/office/drawing/2014/main" id="{0A1706CA-117A-2146-9EDE-D2C6D17D8650}"/>
+                    </a:ext>
+                  </a:extLst>
+                </p:cNvPr>
+                <p:cNvCxnSpPr>
+                  <a:cxnSpLocks/>
+                </p:cNvCxnSpPr>
+                <p:nvPr/>
+              </p:nvCxnSpPr>
+              <p:spPr>
+                <a:xfrm flipH="1">
+                  <a:off x="4660541" y="4385137"/>
+                  <a:ext cx="5159392" cy="3492771"/>
+                </a:xfrm>
+                <a:prstGeom prst="line">
+                  <a:avLst/>
+                </a:prstGeom>
+                <a:ln w="38100">
+                  <a:solidFill>
+                    <a:schemeClr val="accent1"/>
+                  </a:solidFill>
+                </a:ln>
+              </p:spPr>
+              <p:style>
+                <a:lnRef idx="1">
+                  <a:schemeClr val="dk1"/>
+                </a:lnRef>
+                <a:fillRef idx="0">
+                  <a:schemeClr val="dk1"/>
+                </a:fillRef>
+                <a:effectRef idx="0">
+                  <a:schemeClr val="dk1"/>
+                </a:effectRef>
+                <a:fontRef idx="minor">
+                  <a:schemeClr val="tx1"/>
+                </a:fontRef>
+              </p:style>
+            </p:cxnSp>
+            <p:sp>
+              <p:nvSpPr>
+                <p:cNvPr id="27" name="Oval 26">
+                  <a:extLst>
+                    <a:ext uri="{FF2B5EF4-FFF2-40B4-BE49-F238E27FC236}">
+                      <a16:creationId xmlns:a16="http://schemas.microsoft.com/office/drawing/2014/main" id="{95329488-08E3-CA4B-B4CE-27B32B29A301}"/>
+                    </a:ext>
+                  </a:extLst>
+                </p:cNvPr>
+                <p:cNvSpPr/>
+                <p:nvPr/>
+              </p:nvSpPr>
+              <p:spPr>
+                <a:xfrm>
+                  <a:off x="7569161" y="6747052"/>
+                  <a:ext cx="316523" cy="316523"/>
+                </a:xfrm>
+                <a:prstGeom prst="ellipse">
+                  <a:avLst/>
+                </a:prstGeom>
+                <a:solidFill>
+                  <a:schemeClr val="tx1"/>
+                </a:solidFill>
+                <a:ln>
+                  <a:noFill/>
+                </a:ln>
+              </p:spPr>
+              <p:style>
+                <a:lnRef idx="2">
+                  <a:schemeClr val="accent1">
+                    <a:shade val="50000"/>
+                  </a:schemeClr>
+                </a:lnRef>
+                <a:fillRef idx="1">
+                  <a:schemeClr val="accent1"/>
+                </a:fillRef>
+                <a:effectRef idx="0">
+                  <a:schemeClr val="accent1"/>
+                </a:effectRef>
+                <a:fontRef idx="minor">
+                  <a:schemeClr val="lt1"/>
+                </a:fontRef>
+              </p:style>
+              <p:txBody>
+                <a:bodyPr rtlCol="0" anchor="ctr"/>
+                <a:lstStyle/>
+                <a:p>
+                  <a:pPr algn="ctr"/>
+                  <a:endParaRPr kumimoji="1" lang="en-JP"/>
+                </a:p>
+              </p:txBody>
+            </p:sp>
+            <p:sp>
+              <p:nvSpPr>
+                <p:cNvPr id="28" name="Oval 27">
+                  <a:extLst>
+                    <a:ext uri="{FF2B5EF4-FFF2-40B4-BE49-F238E27FC236}">
+                      <a16:creationId xmlns:a16="http://schemas.microsoft.com/office/drawing/2014/main" id="{0A5F99B2-6F48-7D4B-8560-A68B00BB046E}"/>
+                    </a:ext>
+                  </a:extLst>
+                </p:cNvPr>
+                <p:cNvSpPr/>
+                <p:nvPr/>
+              </p:nvSpPr>
+              <p:spPr>
+                <a:xfrm>
+                  <a:off x="5148359" y="6733543"/>
+                  <a:ext cx="316523" cy="316523"/>
+                </a:xfrm>
+                <a:prstGeom prst="ellipse">
+                  <a:avLst/>
+                </a:prstGeom>
+                <a:solidFill>
+                  <a:schemeClr val="tx1"/>
+                </a:solidFill>
+                <a:ln>
+                  <a:noFill/>
+                </a:ln>
+              </p:spPr>
+              <p:style>
+                <a:lnRef idx="2">
+                  <a:schemeClr val="accent1">
+                    <a:shade val="50000"/>
+                  </a:schemeClr>
+                </a:lnRef>
+                <a:fillRef idx="1">
+                  <a:schemeClr val="accent1"/>
+                </a:fillRef>
+                <a:effectRef idx="0">
+                  <a:schemeClr val="accent1"/>
+                </a:effectRef>
+                <a:fontRef idx="minor">
+                  <a:schemeClr val="lt1"/>
+                </a:fontRef>
+              </p:style>
+              <p:txBody>
+                <a:bodyPr rtlCol="0" anchor="ctr"/>
+                <a:lstStyle/>
+                <a:p>
+                  <a:pPr algn="ctr"/>
+                  <a:endParaRPr kumimoji="1" lang="en-JP"/>
+                </a:p>
+              </p:txBody>
+            </p:sp>
+          </p:grpSp>
+          <mc:AlternateContent xmlns:mc="http://schemas.openxmlformats.org/markup-compatibility/2006" xmlns:a14="http://schemas.microsoft.com/office/drawing/2010/main">
+            <mc:Choice Requires="a14">
+              <p:sp>
+                <p:nvSpPr>
+                  <p:cNvPr id="34" name="Rectangle 33">
+                    <a:extLst>
+                      <a:ext uri="{FF2B5EF4-FFF2-40B4-BE49-F238E27FC236}">
+                        <a16:creationId xmlns:a16="http://schemas.microsoft.com/office/drawing/2014/main" id="{58450E7A-7CD9-A449-86DF-6E6DD5066F52}"/>
+                      </a:ext>
+                    </a:extLst>
+                  </p:cNvPr>
+                  <p:cNvSpPr/>
+                  <p:nvPr/>
+                </p:nvSpPr>
+                <p:spPr>
+                  <a:xfrm>
+                    <a:off x="537248" y="5914325"/>
+                    <a:ext cx="921342" cy="1015663"/>
+                  </a:xfrm>
+                  <a:prstGeom prst="rect">
+                    <a:avLst/>
+                  </a:prstGeom>
+                </p:spPr>
+                <p:txBody>
+                  <a:bodyPr wrap="none">
+                    <a:spAutoFit/>
+                  </a:bodyPr>
+                  <a:lstStyle/>
+                  <a:p>
+                    <a:pPr/>
+                    <a14:m>
+                      <m:oMathPara xmlns:m="http://schemas.openxmlformats.org/officeDocument/2006/math">
+                        <m:oMathParaPr>
+                          <m:jc m:val="centerGroup"/>
+                        </m:oMathParaPr>
+                        <m:oMath xmlns:m="http://schemas.openxmlformats.org/officeDocument/2006/math">
+                          <m:r>
+                            <a:rPr lang="en-US" sz="4000" b="0" i="1" smtClean="0">
+                              <a:latin typeface="Cambria Math" panose="02040503050406030204" pitchFamily="18" charset="0"/>
+                            </a:rPr>
+                            <m:t>𝑦</m:t>
+                          </m:r>
+                        </m:oMath>
+                      </m:oMathPara>
+                    </a14:m>
+                    <a:endParaRPr lang="en-US" sz="4000" b="0" dirty="0"/>
+                  </a:p>
+                  <a:p>
+                    <a:r>
+                      <a:rPr lang="en-US" sz="2000" dirty="0"/>
+                      <a:t>(p</a:t>
+                    </a:r>
+                    <a:r>
+                      <a:rPr lang="en-JP" sz="2000" dirty="0"/>
+                      <a:t>rice)</a:t>
+                    </a:r>
+                    <a:endParaRPr lang="en-JP" sz="4000" dirty="0"/>
+                  </a:p>
+                </p:txBody>
+              </p:sp>
+            </mc:Choice>
+            <mc:Fallback xmlns="">
+              <p:sp>
+                <p:nvSpPr>
+                  <p:cNvPr id="34" name="Rectangle 33">
+                    <a:extLst>
+                      <a:ext uri="{FF2B5EF4-FFF2-40B4-BE49-F238E27FC236}">
+                        <a16:creationId xmlns:a16="http://schemas.microsoft.com/office/drawing/2014/main" id="{58450E7A-7CD9-A449-86DF-6E6DD5066F52}"/>
+                      </a:ext>
+                    </a:extLst>
+                  </p:cNvPr>
+                  <p:cNvSpPr>
+                    <a:spLocks noRot="1" noChangeAspect="1" noMove="1" noResize="1" noEditPoints="1" noAdjustHandles="1" noChangeArrowheads="1" noChangeShapeType="1" noTextEdit="1"/>
+                  </p:cNvSpPr>
+                  <p:nvPr/>
+                </p:nvSpPr>
+                <p:spPr>
+                  <a:xfrm>
+                    <a:off x="537248" y="5914325"/>
+                    <a:ext cx="921342" cy="1015663"/>
+                  </a:xfrm>
+                  <a:prstGeom prst="rect">
+                    <a:avLst/>
+                  </a:prstGeom>
+                  <a:blipFill>
+                    <a:blip r:embed="rId2"/>
+                    <a:stretch>
+                      <a:fillRect l="-8333" r="-5556" b="-8642"/>
+                    </a:stretch>
+                  </a:blipFill>
+                </p:spPr>
+                <p:txBody>
+                  <a:bodyPr/>
+                  <a:lstStyle/>
+                  <a:p>
+                    <a:r>
+                      <a:rPr lang="en-JP">
+                        <a:noFill/>
+                      </a:rPr>
+                      <a:t> </a:t>
+                    </a:r>
+                  </a:p>
+                </p:txBody>
+              </p:sp>
+            </mc:Fallback>
+          </mc:AlternateContent>
+          <mc:AlternateContent xmlns:mc="http://schemas.openxmlformats.org/markup-compatibility/2006" xmlns:a14="http://schemas.microsoft.com/office/drawing/2010/main">
+            <mc:Choice Requires="a14">
+              <p:sp>
+                <p:nvSpPr>
+                  <p:cNvPr id="35" name="Rectangle 34">
+                    <a:extLst>
+                      <a:ext uri="{FF2B5EF4-FFF2-40B4-BE49-F238E27FC236}">
+                        <a16:creationId xmlns:a16="http://schemas.microsoft.com/office/drawing/2014/main" id="{84C694CA-2E4E-C447-BFDB-6BCE9E72EDC5}"/>
+                      </a:ext>
+                    </a:extLst>
+                  </p:cNvPr>
+                  <p:cNvSpPr/>
+                  <p:nvPr/>
+                </p:nvSpPr>
+                <p:spPr>
+                  <a:xfrm>
+                    <a:off x="3956449" y="8852397"/>
+                    <a:ext cx="1083695" cy="693716"/>
+                  </a:xfrm>
+                  <a:prstGeom prst="rect">
+                    <a:avLst/>
+                  </a:prstGeom>
+                </p:spPr>
+                <p:txBody>
+                  <a:bodyPr wrap="none">
+                    <a:spAutoFit/>
+                  </a:bodyPr>
+                  <a:lstStyle/>
+                  <a:p>
+                    <a14:m>
+                      <m:oMath xmlns:m="http://schemas.openxmlformats.org/officeDocument/2006/math">
+                        <m:r>
+                          <a:rPr lang="en-US" sz="4000" i="1" smtClean="0">
+                            <a:latin typeface="Cambria Math" panose="02040503050406030204" pitchFamily="18" charset="0"/>
+                          </a:rPr>
+                          <m:t>𝑥</m:t>
+                        </m:r>
+                      </m:oMath>
+                    </a14:m>
+                    <a:r>
+                      <a:rPr lang="en-JP" dirty="0"/>
+                      <a:t>(area)</a:t>
+                    </a:r>
+                  </a:p>
+                </p:txBody>
+              </p:sp>
+            </mc:Choice>
+            <mc:Fallback xmlns="">
+              <p:sp>
+                <p:nvSpPr>
+                  <p:cNvPr id="35" name="Rectangle 34">
+                    <a:extLst>
+                      <a:ext uri="{FF2B5EF4-FFF2-40B4-BE49-F238E27FC236}">
+                        <a16:creationId xmlns:a16="http://schemas.microsoft.com/office/drawing/2014/main" id="{84C694CA-2E4E-C447-BFDB-6BCE9E72EDC5}"/>
+                      </a:ext>
+                    </a:extLst>
+                  </p:cNvPr>
+                  <p:cNvSpPr>
+                    <a:spLocks noRot="1" noChangeAspect="1" noMove="1" noResize="1" noEditPoints="1" noAdjustHandles="1" noChangeArrowheads="1" noChangeShapeType="1" noTextEdit="1"/>
+                  </p:cNvSpPr>
+                  <p:nvPr/>
+                </p:nvSpPr>
+                <p:spPr>
+                  <a:xfrm>
+                    <a:off x="3956449" y="8852397"/>
+                    <a:ext cx="1083695" cy="693716"/>
+                  </a:xfrm>
+                  <a:prstGeom prst="rect">
+                    <a:avLst/>
+                  </a:prstGeom>
+                  <a:blipFill>
+                    <a:blip r:embed="rId3"/>
+                    <a:stretch>
+                      <a:fillRect l="-2326" r="-4651" b="-5357"/>
+                    </a:stretch>
+                  </a:blipFill>
+                </p:spPr>
+                <p:txBody>
+                  <a:bodyPr/>
+                  <a:lstStyle/>
+                  <a:p>
+                    <a:r>
+                      <a:rPr lang="en-JP">
+                        <a:noFill/>
+                      </a:rPr>
+                      <a:t> </a:t>
+                    </a:r>
+                  </a:p>
+                </p:txBody>
+              </p:sp>
+            </mc:Fallback>
+          </mc:AlternateContent>
+        </p:grpSp>
+        <p:cxnSp>
+          <p:nvCxnSpPr>
+            <p:cNvPr id="41" name="Straight Connector 40">
+              <a:extLst>
+                <a:ext uri="{FF2B5EF4-FFF2-40B4-BE49-F238E27FC236}">
+                  <a16:creationId xmlns:a16="http://schemas.microsoft.com/office/drawing/2014/main" id="{DED5B12D-2365-454A-8BE9-D7F3FF4E11F4}"/>
+                </a:ext>
+              </a:extLst>
+            </p:cNvPr>
+            <p:cNvCxnSpPr>
+              <a:cxnSpLocks/>
+            </p:cNvCxnSpPr>
+            <p:nvPr/>
+          </p:nvCxnSpPr>
+          <p:spPr>
+            <a:xfrm>
+              <a:off x="4495861" y="6681829"/>
+              <a:ext cx="0" cy="1118156"/>
+            </a:xfrm>
+            <a:prstGeom prst="line">
+              <a:avLst/>
+            </a:prstGeom>
+            <a:ln w="38100">
+              <a:solidFill>
+                <a:schemeClr val="tx2"/>
+              </a:solidFill>
+              <a:prstDash val="sysDash"/>
+            </a:ln>
+          </p:spPr>
+          <p:style>
+            <a:lnRef idx="1">
+              <a:schemeClr val="dk1"/>
+            </a:lnRef>
+            <a:fillRef idx="0">
+              <a:schemeClr val="dk1"/>
+            </a:fillRef>
+            <a:effectRef idx="0">
+              <a:schemeClr val="dk1"/>
+            </a:effectRef>
+            <a:fontRef idx="minor">
+              <a:schemeClr val="tx1"/>
+            </a:fontRef>
+          </p:style>
+        </p:cxnSp>
+        <p:cxnSp>
+          <p:nvCxnSpPr>
+            <p:cNvPr id="43" name="Straight Connector 42">
+              <a:extLst>
+                <a:ext uri="{FF2B5EF4-FFF2-40B4-BE49-F238E27FC236}">
+                  <a16:creationId xmlns:a16="http://schemas.microsoft.com/office/drawing/2014/main" id="{940F97CF-AC84-2148-AFA0-46539312B307}"/>
+                </a:ext>
+              </a:extLst>
+            </p:cNvPr>
+            <p:cNvCxnSpPr>
+              <a:cxnSpLocks/>
+            </p:cNvCxnSpPr>
+            <p:nvPr/>
+          </p:nvCxnSpPr>
+          <p:spPr>
+            <a:xfrm>
+              <a:off x="5853989" y="6933969"/>
+              <a:ext cx="0" cy="879525"/>
+            </a:xfrm>
+            <a:prstGeom prst="line">
+              <a:avLst/>
+            </a:prstGeom>
+            <a:ln w="38100">
+              <a:solidFill>
+                <a:schemeClr val="tx2"/>
+              </a:solidFill>
+              <a:prstDash val="sysDash"/>
+            </a:ln>
+          </p:spPr>
+          <p:style>
+            <a:lnRef idx="1">
+              <a:schemeClr val="dk1"/>
+            </a:lnRef>
+            <a:fillRef idx="0">
+              <a:schemeClr val="dk1"/>
+            </a:fillRef>
+            <a:effectRef idx="0">
+              <a:schemeClr val="dk1"/>
+            </a:effectRef>
+            <a:fontRef idx="minor">
+              <a:schemeClr val="tx1"/>
+            </a:fontRef>
+          </p:style>
+        </p:cxnSp>
+        <p:cxnSp>
+          <p:nvCxnSpPr>
+            <p:cNvPr id="45" name="Straight Connector 44">
+              <a:extLst>
+                <a:ext uri="{FF2B5EF4-FFF2-40B4-BE49-F238E27FC236}">
+                  <a16:creationId xmlns:a16="http://schemas.microsoft.com/office/drawing/2014/main" id="{A81EBCC5-A6C2-6E4A-B2C1-A2B95DB20714}"/>
+                </a:ext>
+              </a:extLst>
+            </p:cNvPr>
+            <p:cNvCxnSpPr>
+              <a:cxnSpLocks/>
+              <a:endCxn id="23" idx="0"/>
+            </p:cNvCxnSpPr>
+            <p:nvPr/>
+          </p:nvCxnSpPr>
+          <p:spPr>
+            <a:xfrm>
+              <a:off x="7093243" y="6054444"/>
+              <a:ext cx="4867" cy="346793"/>
+            </a:xfrm>
+            <a:prstGeom prst="line">
+              <a:avLst/>
+            </a:prstGeom>
+            <a:ln w="38100">
+              <a:solidFill>
+                <a:schemeClr val="tx2"/>
+              </a:solidFill>
+              <a:prstDash val="sysDash"/>
+            </a:ln>
+          </p:spPr>
+          <p:style>
+            <a:lnRef idx="1">
+              <a:schemeClr val="dk1"/>
+            </a:lnRef>
+            <a:fillRef idx="0">
+              <a:schemeClr val="dk1"/>
+            </a:fillRef>
+            <a:effectRef idx="0">
+              <a:schemeClr val="dk1"/>
+            </a:effectRef>
+            <a:fontRef idx="minor">
+              <a:schemeClr val="tx1"/>
+            </a:fontRef>
+          </p:style>
+        </p:cxnSp>
+        <p:cxnSp>
+          <p:nvCxnSpPr>
+            <p:cNvPr id="47" name="Straight Connector 46">
+              <a:extLst>
+                <a:ext uri="{FF2B5EF4-FFF2-40B4-BE49-F238E27FC236}">
+                  <a16:creationId xmlns:a16="http://schemas.microsoft.com/office/drawing/2014/main" id="{2A286940-9A96-DF46-9AA3-67B886FDD028}"/>
+                </a:ext>
+              </a:extLst>
+            </p:cNvPr>
+            <p:cNvCxnSpPr>
+              <a:cxnSpLocks/>
+            </p:cNvCxnSpPr>
+            <p:nvPr/>
+          </p:nvCxnSpPr>
+          <p:spPr>
+            <a:xfrm>
+              <a:off x="3444363" y="8116508"/>
+              <a:ext cx="0" cy="404440"/>
+            </a:xfrm>
+            <a:prstGeom prst="line">
+              <a:avLst/>
+            </a:prstGeom>
+            <a:ln w="38100">
+              <a:solidFill>
+                <a:schemeClr val="tx2"/>
+              </a:solidFill>
+              <a:prstDash val="sysDash"/>
+            </a:ln>
+          </p:spPr>
+          <p:style>
+            <a:lnRef idx="1">
+              <a:schemeClr val="dk1"/>
+            </a:lnRef>
+            <a:fillRef idx="0">
+              <a:schemeClr val="dk1"/>
+            </a:fillRef>
+            <a:effectRef idx="0">
+              <a:schemeClr val="dk1"/>
+            </a:effectRef>
+            <a:fontRef idx="minor">
+              <a:schemeClr val="tx1"/>
+            </a:fontRef>
+          </p:style>
+        </p:cxnSp>
+      </p:grpSp>
+      <mc:AlternateContent xmlns:mc="http://schemas.openxmlformats.org/markup-compatibility/2006" xmlns:a14="http://schemas.microsoft.com/office/drawing/2010/main">
+        <mc:Choice Requires="a14">
+          <p:sp>
+            <p:nvSpPr>
+              <p:cNvPr id="25" name="TextBox 24">
+                <a:extLst>
+                  <a:ext uri="{FF2B5EF4-FFF2-40B4-BE49-F238E27FC236}">
+                    <a16:creationId xmlns:a16="http://schemas.microsoft.com/office/drawing/2014/main" id="{92DFA51D-29CF-8A46-A478-D5075A242D1E}"/>
+                  </a:ext>
+                </a:extLst>
+              </p:cNvPr>
+              <p:cNvSpPr txBox="1"/>
+              <p:nvPr/>
+            </p:nvSpPr>
+            <p:spPr>
+              <a:xfrm>
+                <a:off x="7429746" y="7520363"/>
+                <a:ext cx="11660359" cy="434286"/>
+              </a:xfrm>
+              <a:prstGeom prst="rect">
+                <a:avLst/>
+              </a:prstGeom>
+              <a:noFill/>
+            </p:spPr>
+            <p:txBody>
+              <a:bodyPr wrap="square" lIns="0" tIns="0" rIns="0" bIns="0" rtlCol="0">
+                <a:spAutoFit/>
+              </a:bodyPr>
+              <a:lstStyle/>
+              <a:p>
+                <a:pPr/>
+                <a14:m>
+                  <m:oMathPara xmlns:m="http://schemas.openxmlformats.org/officeDocument/2006/math">
+                    <m:oMathParaPr>
+                      <m:jc m:val="centerGroup"/>
+                    </m:oMathParaPr>
+                    <m:oMath xmlns:m="http://schemas.openxmlformats.org/officeDocument/2006/math">
+                      <m:r>
+                        <m:rPr>
+                          <m:nor/>
+                        </m:rPr>
+                        <a:rPr lang="en-US" sz="2800" dirty="0" smtClean="0"/>
+                        <m:t>目的変数</m:t>
+                      </m:r>
+                      <m:r>
+                        <a:rPr lang="en-US" sz="2800" b="0" i="1" smtClean="0">
+                          <a:latin typeface="Cambria Math" panose="02040503050406030204" pitchFamily="18" charset="0"/>
+                        </a:rPr>
+                        <m:t>= </m:t>
+                      </m:r>
+                      <m:r>
+                        <a:rPr lang="en-US" sz="2800" i="1" smtClean="0">
+                          <a:latin typeface="Cambria Math" panose="02040503050406030204" pitchFamily="18" charset="0"/>
+                        </a:rPr>
+                        <m:t>係数</m:t>
+                      </m:r>
+                      <m:r>
+                        <a:rPr lang="en-US" sz="2800" b="0" i="1" smtClean="0">
+                          <a:latin typeface="Cambria Math" panose="02040503050406030204" pitchFamily="18" charset="0"/>
+                        </a:rPr>
+                        <m:t>  </m:t>
+                      </m:r>
+                      <m:r>
+                        <a:rPr lang="en-US" sz="2800" i="1">
+                          <a:latin typeface="Cambria Math" panose="02040503050406030204" pitchFamily="18" charset="0"/>
+                        </a:rPr>
+                        <m:t>×</m:t>
+                      </m:r>
+                      <m:r>
+                        <a:rPr lang="en-US" sz="2800" b="0" i="1" smtClean="0">
+                          <a:latin typeface="Cambria Math" panose="02040503050406030204" pitchFamily="18" charset="0"/>
+                        </a:rPr>
+                        <m:t>  </m:t>
+                      </m:r>
+                      <m:r>
+                        <a:rPr lang="en-US" sz="2800" i="1">
+                          <a:latin typeface="Cambria Math" panose="02040503050406030204" pitchFamily="18" charset="0"/>
+                        </a:rPr>
+                        <m:t>説明変数</m:t>
+                      </m:r>
+                      <m:r>
+                        <a:rPr lang="en-US" sz="2800" i="1">
+                          <a:latin typeface="Cambria Math" panose="02040503050406030204" pitchFamily="18" charset="0"/>
+                        </a:rPr>
+                        <m:t>+</m:t>
+                      </m:r>
+                      <m:r>
+                        <a:rPr lang="en-US" sz="2800" i="1">
+                          <a:latin typeface="Cambria Math" panose="02040503050406030204" pitchFamily="18" charset="0"/>
+                        </a:rPr>
+                        <m:t>切片</m:t>
+                      </m:r>
+                    </m:oMath>
+                  </m:oMathPara>
+                </a14:m>
+                <a:endParaRPr lang="en-US" sz="2800" b="1" dirty="0"/>
+              </a:p>
+            </p:txBody>
+          </p:sp>
+        </mc:Choice>
+        <mc:Fallback xmlns="">
+          <p:sp>
+            <p:nvSpPr>
+              <p:cNvPr id="25" name="TextBox 24">
+                <a:extLst>
+                  <a:ext uri="{FF2B5EF4-FFF2-40B4-BE49-F238E27FC236}">
+                    <a16:creationId xmlns:a16="http://schemas.microsoft.com/office/drawing/2014/main" id="{92DFA51D-29CF-8A46-A478-D5075A242D1E}"/>
+                  </a:ext>
+                </a:extLst>
+              </p:cNvPr>
+              <p:cNvSpPr txBox="1">
+                <a:spLocks noRot="1" noChangeAspect="1" noMove="1" noResize="1" noEditPoints="1" noAdjustHandles="1" noChangeArrowheads="1" noChangeShapeType="1" noTextEdit="1"/>
+              </p:cNvSpPr>
+              <p:nvPr/>
+            </p:nvSpPr>
+            <p:spPr>
+              <a:xfrm>
+                <a:off x="7429746" y="7520363"/>
+                <a:ext cx="11660359" cy="434286"/>
+              </a:xfrm>
+              <a:prstGeom prst="rect">
+                <a:avLst/>
+              </a:prstGeom>
+              <a:blipFill>
+                <a:blip r:embed="rId4"/>
+                <a:stretch>
+                  <a:fillRect t="-11429" b="-34286"/>
+                </a:stretch>
+              </a:blipFill>
+            </p:spPr>
+            <p:txBody>
+              <a:bodyPr/>
+              <a:lstStyle/>
+              <a:p>
+                <a:r>
+                  <a:rPr lang="en-JP">
+                    <a:noFill/>
+                  </a:rPr>
+                  <a:t> </a:t>
+                </a:r>
+              </a:p>
+            </p:txBody>
+          </p:sp>
+        </mc:Fallback>
+      </mc:AlternateContent>
+      <mc:AlternateContent xmlns:mc="http://schemas.openxmlformats.org/markup-compatibility/2006" xmlns:a14="http://schemas.microsoft.com/office/drawing/2010/main">
+        <mc:Choice Requires="a14">
+          <p:sp>
+            <p:nvSpPr>
+              <p:cNvPr id="26" name="TextBox 25">
+                <a:extLst>
+                  <a:ext uri="{FF2B5EF4-FFF2-40B4-BE49-F238E27FC236}">
+                    <a16:creationId xmlns:a16="http://schemas.microsoft.com/office/drawing/2014/main" id="{6815D282-932C-4446-B35E-C20D319AD8B9}"/>
+                  </a:ext>
+                </a:extLst>
+              </p:cNvPr>
+              <p:cNvSpPr txBox="1"/>
+              <p:nvPr/>
+            </p:nvSpPr>
+            <p:spPr>
+              <a:xfrm>
+                <a:off x="9566505" y="5910815"/>
+                <a:ext cx="6841408" cy="830997"/>
+              </a:xfrm>
+              <a:prstGeom prst="rect">
+                <a:avLst/>
+              </a:prstGeom>
+              <a:noFill/>
+            </p:spPr>
+            <p:txBody>
+              <a:bodyPr wrap="square" lIns="0" tIns="0" rIns="0" bIns="0" rtlCol="0">
+                <a:spAutoFit/>
+              </a:bodyPr>
+              <a:lstStyle/>
+              <a:p>
+                <a:pPr/>
+                <a14:m>
+                  <m:oMathPara xmlns:m="http://schemas.openxmlformats.org/officeDocument/2006/math">
+                    <m:oMathParaPr>
+                      <m:jc m:val="centerGroup"/>
+                    </m:oMathParaPr>
+                    <m:oMath xmlns:m="http://schemas.openxmlformats.org/officeDocument/2006/math">
+                      <m:r>
+                        <a:rPr lang="en-US" sz="5400" b="0" i="1" smtClean="0">
+                          <a:latin typeface="Cambria Math" panose="02040503050406030204" pitchFamily="18" charset="0"/>
+                        </a:rPr>
+                        <m:t>𝑦</m:t>
+                      </m:r>
+                      <m:r>
+                        <a:rPr lang="en-US" sz="5400" b="0" i="1" smtClean="0">
+                          <a:latin typeface="Cambria Math" panose="02040503050406030204" pitchFamily="18" charset="0"/>
+                        </a:rPr>
+                        <m:t>=</m:t>
+                      </m:r>
+                      <m:r>
+                        <a:rPr lang="en-US" sz="5400" b="0" i="1" smtClean="0">
+                          <a:solidFill>
+                            <a:schemeClr val="accent2"/>
+                          </a:solidFill>
+                          <a:latin typeface="Cambria Math" panose="02040503050406030204" pitchFamily="18" charset="0"/>
+                        </a:rPr>
+                        <m:t>𝑎</m:t>
+                      </m:r>
+                      <m:r>
+                        <a:rPr lang="en-US" sz="5400" b="0" i="1" smtClean="0">
+                          <a:latin typeface="Cambria Math" panose="02040503050406030204" pitchFamily="18" charset="0"/>
+                        </a:rPr>
+                        <m:t>𝑥</m:t>
+                      </m:r>
+                      <m:r>
+                        <a:rPr lang="en-US" sz="5400" b="0" i="1" smtClean="0">
+                          <a:latin typeface="Cambria Math" panose="02040503050406030204" pitchFamily="18" charset="0"/>
+                        </a:rPr>
+                        <m:t>+</m:t>
+                      </m:r>
+                      <m:r>
+                        <a:rPr lang="en-US" sz="5400" b="0" i="1" smtClean="0">
+                          <a:solidFill>
+                            <a:schemeClr val="accent1"/>
+                          </a:solidFill>
+                          <a:latin typeface="Cambria Math" panose="02040503050406030204" pitchFamily="18" charset="0"/>
+                        </a:rPr>
+                        <m:t>𝑏</m:t>
+                      </m:r>
+                    </m:oMath>
+                  </m:oMathPara>
+                </a14:m>
+                <a:endParaRPr lang="en-US" sz="5400" b="1" dirty="0"/>
+              </a:p>
+            </p:txBody>
+          </p:sp>
+        </mc:Choice>
+        <mc:Fallback xmlns="">
+          <p:sp>
+            <p:nvSpPr>
+              <p:cNvPr id="26" name="TextBox 25">
+                <a:extLst>
+                  <a:ext uri="{FF2B5EF4-FFF2-40B4-BE49-F238E27FC236}">
+                    <a16:creationId xmlns:a16="http://schemas.microsoft.com/office/drawing/2014/main" id="{6815D282-932C-4446-B35E-C20D319AD8B9}"/>
+                  </a:ext>
+                </a:extLst>
+              </p:cNvPr>
+              <p:cNvSpPr txBox="1">
+                <a:spLocks noRot="1" noChangeAspect="1" noMove="1" noResize="1" noEditPoints="1" noAdjustHandles="1" noChangeArrowheads="1" noChangeShapeType="1" noTextEdit="1"/>
+              </p:cNvSpPr>
+              <p:nvPr/>
+            </p:nvSpPr>
+            <p:spPr>
+              <a:xfrm>
+                <a:off x="9566505" y="5910815"/>
+                <a:ext cx="6841408" cy="830997"/>
+              </a:xfrm>
+              <a:prstGeom prst="rect">
+                <a:avLst/>
+              </a:prstGeom>
+              <a:blipFill>
+                <a:blip r:embed="rId5"/>
+                <a:stretch>
+                  <a:fillRect b="-20896"/>
+                </a:stretch>
+              </a:blipFill>
+            </p:spPr>
+            <p:txBody>
+              <a:bodyPr/>
+              <a:lstStyle/>
+              <a:p>
+                <a:r>
+                  <a:rPr lang="en-JP">
+                    <a:noFill/>
+                  </a:rPr>
+                  <a:t> </a:t>
+                </a:r>
+              </a:p>
+            </p:txBody>
+          </p:sp>
+        </mc:Fallback>
+      </mc:AlternateContent>
+      <p:sp>
+        <p:nvSpPr>
+          <p:cNvPr id="2" name="Slide Number Placeholder 1">
+            <a:extLst>
+              <a:ext uri="{FF2B5EF4-FFF2-40B4-BE49-F238E27FC236}">
+                <a16:creationId xmlns:a16="http://schemas.microsoft.com/office/drawing/2014/main" id="{2938D281-478C-314A-B614-63A3D21B194E}"/>
+              </a:ext>
+            </a:extLst>
+          </p:cNvPr>
+          <p:cNvSpPr>
+            <a:spLocks noGrp="1"/>
+          </p:cNvSpPr>
+          <p:nvPr>
+            <p:ph type="sldNum" sz="quarter" idx="10"/>
+          </p:nvPr>
+        </p:nvSpPr>
+        <p:spPr/>
+        <p:txBody>
+          <a:bodyPr/>
+          <a:lstStyle/>
+          <a:p>
+            <a:fld id="{D28C7C6D-0F52-4FBA-8358-35C6083C2133}" type="slidenum">
+              <a:rPr kumimoji="1" lang="ja-JP" altLang="en-US" smtClean="0"/>
+              <a:pPr/>
+              <a:t>10</a:t>
+            </a:fld>
+            <a:endParaRPr kumimoji="1" lang="ja-JP" altLang="en-US"/>
+          </a:p>
+        </p:txBody>
+      </p:sp>
+    </p:spTree>
+    <p:extLst>
+      <p:ext uri="{BB962C8B-B14F-4D97-AF65-F5344CB8AC3E}">
+        <p14:creationId xmlns:p14="http://schemas.microsoft.com/office/powerpoint/2010/main" val="2839205636"/>
+      </p:ext>
+    </p:extLst>
+  </p:cSld>
+  <p:clrMapOvr>
+    <a:masterClrMapping/>
+  </p:clrMapOvr>
+</p:sld>
+</file>
+
+<file path=ppt/slides/slide11.xml><?xml version="1.0" encoding="utf-8"?>
+<p:sld xmlns:a="http://schemas.openxmlformats.org/drawingml/2006/main" xmlns:r="http://schemas.openxmlformats.org/officeDocument/2006/relationships" xmlns:p="http://schemas.openxmlformats.org/presentationml/2006/main">
+  <p:cSld>
+    <p:spTree>
+      <p:nvGrpSpPr>
+        <p:cNvPr id="1" name=""/>
+        <p:cNvGrpSpPr/>
+        <p:nvPr/>
+      </p:nvGrpSpPr>
+      <p:grpSpPr>
+        <a:xfrm>
+          <a:off x="0" y="0"/>
+          <a:ext cx="0" cy="0"/>
+          <a:chOff x="0" y="0"/>
+          <a:chExt cx="0" cy="0"/>
+        </a:xfrm>
+      </p:grpSpPr>
+      <p:sp>
+        <p:nvSpPr>
+          <p:cNvPr id="9" name="タイトル 8"/>
+          <p:cNvSpPr>
+            <a:spLocks noGrp="1"/>
+          </p:cNvSpPr>
+          <p:nvPr>
+            <p:ph type="title"/>
+          </p:nvPr>
+        </p:nvSpPr>
+        <p:spPr/>
+        <p:txBody>
+          <a:bodyPr>
+            <a:normAutofit/>
+          </a:bodyPr>
+          <a:lstStyle/>
+          <a:p>
+            <a:r>
+              <a:rPr lang="ja-JP" altLang="en-US"/>
+              <a:t>不動産価格の予測</a:t>
+            </a:r>
+            <a:r>
+              <a:rPr lang="en-US" altLang="ja-JP" dirty="0"/>
+              <a:t> | price</a:t>
+            </a:r>
+            <a:r>
+              <a:rPr lang="ja-JP" altLang="en-US"/>
+              <a:t>の予測</a:t>
+            </a:r>
+            <a:endParaRPr kumimoji="1" lang="ja-JP" altLang="en-US" dirty="0"/>
+          </a:p>
+        </p:txBody>
+      </p:sp>
+      <p:sp>
+        <p:nvSpPr>
+          <p:cNvPr id="15" name="テキスト プレースホルダー 9">
+            <a:extLst>
+              <a:ext uri="{FF2B5EF4-FFF2-40B4-BE49-F238E27FC236}">
+                <a16:creationId xmlns:a16="http://schemas.microsoft.com/office/drawing/2014/main" id="{98F5EB82-97F4-BE48-8A01-5935D01BB0CD}"/>
+              </a:ext>
+            </a:extLst>
+          </p:cNvPr>
+          <p:cNvSpPr>
+            <a:spLocks noGrp="1"/>
+          </p:cNvSpPr>
+          <p:nvPr>
+            <p:ph type="body" sz="quarter" idx="12"/>
+          </p:nvPr>
+        </p:nvSpPr>
+        <p:spPr>
+          <a:xfrm>
+            <a:off x="1317081" y="1451751"/>
+            <a:ext cx="15907837" cy="4752232"/>
+          </a:xfrm>
+        </p:spPr>
+        <p:txBody>
+          <a:bodyPr>
+            <a:normAutofit/>
+          </a:bodyPr>
+          <a:lstStyle/>
+          <a:p>
+            <a:r>
+              <a:rPr lang="ja-JP" altLang="en-US" sz="4000"/>
+              <a:t>線形回帰モデルに対して</a:t>
+            </a:r>
+            <a:br>
+              <a:rPr lang="en-US" altLang="ja-JP" sz="4000" dirty="0"/>
+            </a:br>
+            <a:r>
+              <a:rPr lang="en-US" altLang="ja-JP" sz="4000" dirty="0"/>
+              <a:t>Test data</a:t>
+            </a:r>
+            <a:r>
+              <a:rPr lang="ja-JP" altLang="en-US" sz="4000"/>
+              <a:t>の</a:t>
+            </a:r>
+            <a:r>
+              <a:rPr lang="en-US" altLang="ja-JP" sz="4000" dirty="0"/>
+              <a:t>area</a:t>
+            </a:r>
+            <a:r>
+              <a:rPr lang="ja-JP" altLang="en-US" sz="4000"/>
+              <a:t>を代入して</a:t>
+            </a:r>
+            <a:r>
+              <a:rPr lang="en-US" altLang="ja-JP" sz="4000" dirty="0"/>
+              <a:t>price</a:t>
+            </a:r>
+            <a:r>
+              <a:rPr lang="ja-JP" altLang="en-US" sz="4000"/>
+              <a:t>を予測します</a:t>
+            </a:r>
+            <a:endParaRPr lang="en-US" altLang="ja" sz="3200" dirty="0"/>
+          </a:p>
+          <a:p>
+            <a:endParaRPr lang="en-US" altLang="ja-JP" sz="4000" dirty="0"/>
+          </a:p>
+        </p:txBody>
+      </p:sp>
+      <p:sp>
+        <p:nvSpPr>
+          <p:cNvPr id="14" name="Footer Placeholder 13">
+            <a:extLst>
+              <a:ext uri="{FF2B5EF4-FFF2-40B4-BE49-F238E27FC236}">
+                <a16:creationId xmlns:a16="http://schemas.microsoft.com/office/drawing/2014/main" id="{6848FA93-3DF9-3B45-9537-C5287D7DA562}"/>
+              </a:ext>
+            </a:extLst>
+          </p:cNvPr>
+          <p:cNvSpPr>
+            <a:spLocks noGrp="1"/>
+          </p:cNvSpPr>
+          <p:nvPr>
+            <p:ph type="ftr" sz="quarter" idx="11"/>
+          </p:nvPr>
+        </p:nvSpPr>
+        <p:spPr>
+          <a:xfrm>
+            <a:off x="10680700" y="9621838"/>
+            <a:ext cx="6172200" cy="547687"/>
+          </a:xfrm>
+        </p:spPr>
+        <p:txBody>
+          <a:bodyPr/>
+          <a:lstStyle/>
+          <a:p>
+            <a:r>
+              <a:rPr kumimoji="1" lang="en-US" altLang="ja-JP"/>
+              <a:t>@Takato Matsumoto, 2020</a:t>
             </a:r>
             <a:endParaRPr kumimoji="1" lang="ja-JP" altLang="en-US" dirty="0"/>
           </a:p>
@@ -11811,8 +13007,8 @@
             </p:style>
           </p:cxnSp>
         </p:grpSp>
-        <mc:AlternateContent xmlns:mc="http://schemas.openxmlformats.org/markup-compatibility/2006">
-          <mc:Choice xmlns:a14="http://schemas.microsoft.com/office/drawing/2010/main" Requires="a14">
+        <mc:AlternateContent xmlns:mc="http://schemas.openxmlformats.org/markup-compatibility/2006" xmlns:a14="http://schemas.microsoft.com/office/drawing/2010/main">
+          <mc:Choice Requires="a14">
             <p:sp>
               <p:nvSpPr>
                 <p:cNvPr id="34" name="Rectangle 33">
@@ -11840,6 +13036,7 @@
                 </a:bodyPr>
                 <a:lstStyle/>
                 <a:p>
+                  <a:pPr/>
                   <a14:m>
                     <m:oMathPara xmlns:m="http://schemas.openxmlformats.org/officeDocument/2006/math">
                       <m:oMathParaPr>
@@ -11871,7 +13068,7 @@
               </p:txBody>
             </p:sp>
           </mc:Choice>
-          <mc:Fallback>
+          <mc:Fallback xmlns="">
             <p:sp>
               <p:nvSpPr>
                 <p:cNvPr id="34" name="Rectangle 33">
@@ -11916,8 +13113,8 @@
             </p:sp>
           </mc:Fallback>
         </mc:AlternateContent>
-        <mc:AlternateContent xmlns:mc="http://schemas.openxmlformats.org/markup-compatibility/2006">
-          <mc:Choice xmlns:a14="http://schemas.microsoft.com/office/drawing/2010/main" Requires="a14">
+        <mc:AlternateContent xmlns:mc="http://schemas.openxmlformats.org/markup-compatibility/2006" xmlns:a14="http://schemas.microsoft.com/office/drawing/2010/main">
+          <mc:Choice Requires="a14">
             <p:sp>
               <p:nvSpPr>
                 <p:cNvPr id="35" name="Rectangle 34">
@@ -11963,7 +13160,7 @@
               </p:txBody>
             </p:sp>
           </mc:Choice>
-          <mc:Fallback>
+          <mc:Fallback xmlns="">
             <p:sp>
               <p:nvSpPr>
                 <p:cNvPr id="35" name="Rectangle 34">
@@ -12021,13 +13218,7 @@
           <p:cNvGraphicFramePr>
             <a:graphicFrameLocks noGrp="1"/>
           </p:cNvGraphicFramePr>
-          <p:nvPr>
-            <p:extLst>
-              <p:ext uri="{D42A27DB-BD31-4B8C-83A1-F6EECF244321}">
-                <p14:modId xmlns:p14="http://schemas.microsoft.com/office/powerpoint/2010/main" val="3636680672"/>
-              </p:ext>
-            </p:extLst>
-          </p:nvPr>
+          <p:nvPr/>
         </p:nvGraphicFramePr>
         <p:xfrm>
           <a:off x="10680700" y="6145812"/>
@@ -12743,8 +13934,8 @@
           </a:fontRef>
         </p:style>
       </p:cxnSp>
-      <mc:AlternateContent xmlns:mc="http://schemas.openxmlformats.org/markup-compatibility/2006">
-        <mc:Choice xmlns:a14="http://schemas.microsoft.com/office/drawing/2010/main" Requires="a14">
+      <mc:AlternateContent xmlns:mc="http://schemas.openxmlformats.org/markup-compatibility/2006" xmlns:a14="http://schemas.microsoft.com/office/drawing/2010/main">
+        <mc:Choice Requires="a14">
           <p:sp>
             <p:nvSpPr>
               <p:cNvPr id="56" name="TextBox 55">
@@ -12830,7 +14021,7 @@
             </p:txBody>
           </p:sp>
         </mc:Choice>
-        <mc:Fallback>
+        <mc:Fallback xmlns="">
           <p:sp>
             <p:nvSpPr>
               <p:cNvPr id="56" name="TextBox 55">
@@ -12875,10 +14066,184 @@
           </p:sp>
         </mc:Fallback>
       </mc:AlternateContent>
+      <p:sp>
+        <p:nvSpPr>
+          <p:cNvPr id="2" name="TextBox 1">
+            <a:extLst>
+              <a:ext uri="{FF2B5EF4-FFF2-40B4-BE49-F238E27FC236}">
+                <a16:creationId xmlns:a16="http://schemas.microsoft.com/office/drawing/2014/main" id="{F09ED124-66F6-9C42-B1A1-2456C6EEC2DB}"/>
+              </a:ext>
+            </a:extLst>
+          </p:cNvPr>
+          <p:cNvSpPr txBox="1"/>
+          <p:nvPr/>
+        </p:nvSpPr>
+        <p:spPr>
+          <a:xfrm>
+            <a:off x="1692873" y="5809777"/>
+            <a:ext cx="877163" cy="369332"/>
+          </a:xfrm>
+          <a:prstGeom prst="rect">
+            <a:avLst/>
+          </a:prstGeom>
+          <a:noFill/>
+        </p:spPr>
+        <p:txBody>
+          <a:bodyPr wrap="none" rtlCol="0">
+            <a:spAutoFit/>
+          </a:bodyPr>
+          <a:lstStyle/>
+          <a:p>
+            <a:r>
+              <a:rPr lang="ja-JP" altLang="en-US"/>
+              <a:t>予測値</a:t>
+            </a:r>
+            <a:endParaRPr lang="en-JP" dirty="0"/>
+          </a:p>
+        </p:txBody>
+      </p:sp>
+      <p:sp>
+        <p:nvSpPr>
+          <p:cNvPr id="33" name="TextBox 32">
+            <a:extLst>
+              <a:ext uri="{FF2B5EF4-FFF2-40B4-BE49-F238E27FC236}">
+                <a16:creationId xmlns:a16="http://schemas.microsoft.com/office/drawing/2014/main" id="{CFCA4331-0717-B247-BD2D-8AFD63A1BCA2}"/>
+              </a:ext>
+            </a:extLst>
+          </p:cNvPr>
+          <p:cNvSpPr txBox="1"/>
+          <p:nvPr/>
+        </p:nvSpPr>
+        <p:spPr>
+          <a:xfrm>
+            <a:off x="1692873" y="6252643"/>
+            <a:ext cx="877163" cy="369332"/>
+          </a:xfrm>
+          <a:prstGeom prst="rect">
+            <a:avLst/>
+          </a:prstGeom>
+          <a:noFill/>
+        </p:spPr>
+        <p:txBody>
+          <a:bodyPr wrap="none" rtlCol="0">
+            <a:spAutoFit/>
+          </a:bodyPr>
+          <a:lstStyle/>
+          <a:p>
+            <a:r>
+              <a:rPr lang="ja-JP" altLang="en-US"/>
+              <a:t>予測値</a:t>
+            </a:r>
+            <a:endParaRPr lang="en-JP" dirty="0"/>
+          </a:p>
+        </p:txBody>
+      </p:sp>
+      <p:sp>
+        <p:nvSpPr>
+          <p:cNvPr id="38" name="TextBox 37">
+            <a:extLst>
+              <a:ext uri="{FF2B5EF4-FFF2-40B4-BE49-F238E27FC236}">
+                <a16:creationId xmlns:a16="http://schemas.microsoft.com/office/drawing/2014/main" id="{848B1E97-F21B-2F4B-A8E4-8886F13A327D}"/>
+              </a:ext>
+            </a:extLst>
+          </p:cNvPr>
+          <p:cNvSpPr txBox="1"/>
+          <p:nvPr/>
+        </p:nvSpPr>
+        <p:spPr>
+          <a:xfrm>
+            <a:off x="1734306" y="7674148"/>
+            <a:ext cx="877163" cy="369332"/>
+          </a:xfrm>
+          <a:prstGeom prst="rect">
+            <a:avLst/>
+          </a:prstGeom>
+          <a:noFill/>
+        </p:spPr>
+        <p:txBody>
+          <a:bodyPr wrap="none" rtlCol="0">
+            <a:spAutoFit/>
+          </a:bodyPr>
+          <a:lstStyle/>
+          <a:p>
+            <a:r>
+              <a:rPr lang="ja-JP" altLang="en-US"/>
+              <a:t>予測値</a:t>
+            </a:r>
+            <a:endParaRPr lang="en-JP" dirty="0"/>
+          </a:p>
+        </p:txBody>
+      </p:sp>
+      <p:sp>
+        <p:nvSpPr>
+          <p:cNvPr id="39" name="TextBox 38">
+            <a:extLst>
+              <a:ext uri="{FF2B5EF4-FFF2-40B4-BE49-F238E27FC236}">
+                <a16:creationId xmlns:a16="http://schemas.microsoft.com/office/drawing/2014/main" id="{461ADC92-FFDC-1143-8DAC-A624E1015CB7}"/>
+              </a:ext>
+            </a:extLst>
+          </p:cNvPr>
+          <p:cNvSpPr txBox="1"/>
+          <p:nvPr/>
+        </p:nvSpPr>
+        <p:spPr>
+          <a:xfrm>
+            <a:off x="1731292" y="8010822"/>
+            <a:ext cx="877163" cy="369332"/>
+          </a:xfrm>
+          <a:prstGeom prst="rect">
+            <a:avLst/>
+          </a:prstGeom>
+          <a:noFill/>
+        </p:spPr>
+        <p:txBody>
+          <a:bodyPr wrap="none" rtlCol="0">
+            <a:spAutoFit/>
+          </a:bodyPr>
+          <a:lstStyle/>
+          <a:p>
+            <a:r>
+              <a:rPr lang="ja-JP" altLang="en-US"/>
+              <a:t>予測値</a:t>
+            </a:r>
+            <a:endParaRPr lang="en-JP" dirty="0"/>
+          </a:p>
+        </p:txBody>
+      </p:sp>
+      <p:sp>
+        <p:nvSpPr>
+          <p:cNvPr id="5" name="Slide Number Placeholder 4">
+            <a:extLst>
+              <a:ext uri="{FF2B5EF4-FFF2-40B4-BE49-F238E27FC236}">
+                <a16:creationId xmlns:a16="http://schemas.microsoft.com/office/drawing/2014/main" id="{18E9987F-6D93-7845-9090-E5685819CE19}"/>
+              </a:ext>
+            </a:extLst>
+          </p:cNvPr>
+          <p:cNvSpPr>
+            <a:spLocks noGrp="1"/>
+          </p:cNvSpPr>
+          <p:nvPr>
+            <p:ph type="sldNum" sz="quarter" idx="10"/>
+          </p:nvPr>
+        </p:nvSpPr>
+        <p:spPr/>
+        <p:txBody>
+          <a:bodyPr/>
+          <a:lstStyle/>
+          <a:p>
+            <a:fld id="{D28C7C6D-0F52-4FBA-8358-35C6083C2133}" type="slidenum">
+              <a:rPr kumimoji="1" lang="ja-JP" altLang="en-US" smtClean="0"/>
+              <a:pPr/>
+              <a:t>11</a:t>
+            </a:fld>
+            <a:endParaRPr kumimoji="1" lang="ja-JP" altLang="en-US"/>
+          </a:p>
+        </p:txBody>
+      </p:sp>
     </p:spTree>
     <p:extLst>
       <p:ext uri="{BB962C8B-B14F-4D97-AF65-F5344CB8AC3E}">
-        <p14:creationId xmlns:p14="http://schemas.microsoft.com/office/powerpoint/2010/main" val="230813905"/>
+        <p14:creationId xmlns:p14="http://schemas.microsoft.com/office/powerpoint/2010/main" val="3270810553"/>
       </p:ext>
     </p:extLst>
   </p:cSld>
@@ -12888,7 +14253,7 @@
 </p:sld>
 </file>
 
-<file path=ppt/slides/slide11.xml><?xml version="1.0" encoding="utf-8"?>
+<file path=ppt/slides/slide12.xml><?xml version="1.0" encoding="utf-8"?>
 <p:sld xmlns:a="http://schemas.openxmlformats.org/drawingml/2006/main" xmlns:r="http://schemas.openxmlformats.org/officeDocument/2006/relationships" xmlns:p="http://schemas.openxmlformats.org/presentationml/2006/main">
   <p:cSld>
     <p:spTree>
@@ -12967,56 +14332,20 @@
           <a:lstStyle/>
           <a:p>
             <a:r>
-              <a:rPr lang="en-US" altLang="ja-JP" sz="3600" dirty="0"/>
-              <a:t>Kaggle</a:t>
-            </a:r>
-            <a:r>
-              <a:rPr lang="ja-JP" altLang="en-US" sz="3600"/>
-              <a:t>という</a:t>
-            </a:r>
-            <a:r>
-              <a:rPr lang="ja" altLang="en-US" sz="3600" dirty="0"/>
-              <a:t>コンペティションプラットフォーム</a:t>
-            </a:r>
-            <a:r>
-              <a:rPr lang="ja-JP" altLang="en-US" sz="3600"/>
-              <a:t>を用いて</a:t>
-            </a:r>
-            <a:r>
               <a:rPr lang="ja" altLang="en-US" sz="3600" dirty="0"/>
               <a:t>予測モデルの</a:t>
             </a:r>
             <a:r>
               <a:rPr lang="ja-JP" altLang="en-US" sz="3600"/>
-              <a:t>評価をする</a:t>
+              <a:t>評価</a:t>
             </a:r>
             <a:endParaRPr lang="en-US" altLang="ja-JP" sz="3600" dirty="0"/>
           </a:p>
           <a:p>
             <a:pPr lvl="1"/>
             <a:r>
-              <a:rPr lang="en-US" altLang="ja-JP" sz="3200" dirty="0"/>
-              <a:t>Prediction</a:t>
-            </a:r>
-            <a:r>
               <a:rPr lang="ja-JP" altLang="en-US" sz="3200"/>
-              <a:t> </a:t>
-            </a:r>
-            <a:r>
-              <a:rPr lang="en-US" altLang="ja-JP" sz="3200" dirty="0"/>
-              <a:t>data</a:t>
-            </a:r>
-            <a:r>
-              <a:rPr lang="ja-JP" altLang="en-US" sz="3200"/>
-              <a:t>と</a:t>
-            </a:r>
-            <a:r>
-              <a:rPr lang="en-US" altLang="ja-JP" sz="3200" dirty="0"/>
-              <a:t>True data</a:t>
-            </a:r>
-            <a:r>
-              <a:rPr lang="ja-JP" altLang="en-US" sz="3200"/>
-              <a:t>の誤差の計算を行い，評価する</a:t>
+              <a:t>予測した価格と実際の価格の誤差の計算を行い，評価する</a:t>
             </a:r>
             <a:endParaRPr lang="en-US" altLang="ja-JP" sz="3200" dirty="0"/>
           </a:p>
@@ -13049,36 +14378,6 @@
           </a:p>
           <a:p>
             <a:endParaRPr lang="en-US" altLang="ja-JP" sz="4000" dirty="0"/>
-          </a:p>
-        </p:txBody>
-      </p:sp>
-      <p:sp>
-        <p:nvSpPr>
-          <p:cNvPr id="13" name="Slide Number Placeholder 12">
-            <a:extLst>
-              <a:ext uri="{FF2B5EF4-FFF2-40B4-BE49-F238E27FC236}">
-                <a16:creationId xmlns:a16="http://schemas.microsoft.com/office/drawing/2014/main" id="{ACBC7515-E64F-8F4C-B7BA-458E3BC7E0CA}"/>
-              </a:ext>
-            </a:extLst>
-          </p:cNvPr>
-          <p:cNvSpPr>
-            <a:spLocks noGrp="1"/>
-          </p:cNvSpPr>
-          <p:nvPr>
-            <p:ph type="sldNum" sz="quarter" idx="10"/>
-          </p:nvPr>
-        </p:nvSpPr>
-        <p:spPr/>
-        <p:txBody>
-          <a:bodyPr/>
-          <a:lstStyle/>
-          <a:p>
-            <a:fld id="{D28C7C6D-0F52-4FBA-8358-35C6083C2133}" type="slidenum">
-              <a:rPr kumimoji="1" lang="ja-JP" altLang="en-US" smtClean="0"/>
-              <a:pPr/>
-              <a:t>11</a:t>
-            </a:fld>
-            <a:endParaRPr kumimoji="1" lang="ja-JP" altLang="en-US"/>
           </a:p>
         </p:txBody>
       </p:sp>
@@ -13110,7 +14409,7 @@
           <a:p>
             <a:r>
               <a:rPr kumimoji="1" lang="en-US" altLang="ja-JP"/>
-              <a:t>©︎Takato Matsumoto, 2019</a:t>
+              <a:t>@Takato Matsumoto, 2020</a:t>
             </a:r>
             <a:endParaRPr kumimoji="1" lang="ja-JP" altLang="en-US" dirty="0"/>
           </a:p>
@@ -13658,185 +14957,12 @@
           </a:p>
         </p:txBody>
       </p:sp>
-    </p:spTree>
-    <p:extLst>
-      <p:ext uri="{BB962C8B-B14F-4D97-AF65-F5344CB8AC3E}">
-        <p14:creationId xmlns:p14="http://schemas.microsoft.com/office/powerpoint/2010/main" val="3335947754"/>
-      </p:ext>
-    </p:extLst>
-  </p:cSld>
-  <p:clrMapOvr>
-    <a:masterClrMapping/>
-  </p:clrMapOvr>
-</p:sld>
-</file>
-
-<file path=ppt/slides/slide12.xml><?xml version="1.0" encoding="utf-8"?>
-<p:sld xmlns:a="http://schemas.openxmlformats.org/drawingml/2006/main" xmlns:r="http://schemas.openxmlformats.org/officeDocument/2006/relationships" xmlns:p="http://schemas.openxmlformats.org/presentationml/2006/main">
-  <p:cSld>
-    <p:spTree>
-      <p:nvGrpSpPr>
-        <p:cNvPr id="1" name=""/>
-        <p:cNvGrpSpPr/>
-        <p:nvPr/>
-      </p:nvGrpSpPr>
-      <p:grpSpPr>
-        <a:xfrm>
-          <a:off x="0" y="0"/>
-          <a:ext cx="0" cy="0"/>
-          <a:chOff x="0" y="0"/>
-          <a:chExt cx="0" cy="0"/>
-        </a:xfrm>
-      </p:grpSpPr>
-      <p:sp>
-        <p:nvSpPr>
-          <p:cNvPr id="9" name="タイトル 8"/>
-          <p:cNvSpPr>
-            <a:spLocks noGrp="1"/>
-          </p:cNvSpPr>
-          <p:nvPr>
-            <p:ph type="title"/>
-          </p:nvPr>
-        </p:nvSpPr>
-        <p:spPr/>
-        <p:txBody>
-          <a:bodyPr>
-            <a:normAutofit/>
-          </a:bodyPr>
-          <a:lstStyle/>
-          <a:p>
-            <a:r>
-              <a:rPr lang="ja-JP" altLang="en-US"/>
-              <a:t>不動産価格の予測</a:t>
-            </a:r>
-            <a:r>
-              <a:rPr lang="en-US" altLang="ja-JP" dirty="0"/>
-              <a:t> | </a:t>
-            </a:r>
-            <a:r>
-              <a:rPr lang="ja-JP" altLang="en-US"/>
-              <a:t>実践</a:t>
-            </a:r>
-            <a:endParaRPr kumimoji="1" lang="ja-JP" altLang="en-US" dirty="0"/>
-          </a:p>
-        </p:txBody>
-      </p:sp>
-      <p:sp>
-        <p:nvSpPr>
-          <p:cNvPr id="15" name="テキスト プレースホルダー 9">
+      <p:sp>
+        <p:nvSpPr>
+          <p:cNvPr id="3" name="Slide Number Placeholder 2">
             <a:extLst>
               <a:ext uri="{FF2B5EF4-FFF2-40B4-BE49-F238E27FC236}">
-                <a16:creationId xmlns:a16="http://schemas.microsoft.com/office/drawing/2014/main" id="{98F5EB82-97F4-BE48-8A01-5935D01BB0CD}"/>
-              </a:ext>
-            </a:extLst>
-          </p:cNvPr>
-          <p:cNvSpPr>
-            <a:spLocks noGrp="1"/>
-          </p:cNvSpPr>
-          <p:nvPr>
-            <p:ph type="body" sz="quarter" idx="12"/>
-          </p:nvPr>
-        </p:nvSpPr>
-        <p:spPr>
-          <a:xfrm>
-            <a:off x="927100" y="2766590"/>
-            <a:ext cx="17235217" cy="4752232"/>
-          </a:xfrm>
-        </p:spPr>
-        <p:txBody>
-          <a:bodyPr>
-            <a:normAutofit/>
-          </a:bodyPr>
-          <a:lstStyle/>
-          <a:p>
-            <a:r>
-              <a:rPr lang="en-US" altLang="ja-JP" sz="4000" dirty="0" err="1"/>
-              <a:t>modeling.ipynb</a:t>
-            </a:r>
-            <a:r>
-              <a:rPr lang="ja-JP" altLang="en-US" sz="4000"/>
-              <a:t>を</a:t>
-            </a:r>
-            <a:r>
-              <a:rPr lang="ja" altLang="en-US" sz="4000" dirty="0"/>
-              <a:t>開いてください</a:t>
-            </a:r>
-            <a:endParaRPr lang="en-US" altLang="ja" sz="4000" dirty="0"/>
-          </a:p>
-          <a:p>
-            <a:endParaRPr lang="en-US" altLang="ja-JP" sz="4000" dirty="0"/>
-          </a:p>
-          <a:p>
-            <a:r>
-              <a:rPr lang="ja" altLang="en-US" sz="4000" dirty="0"/>
-              <a:t>ノートブックを</a:t>
-            </a:r>
-            <a:r>
-              <a:rPr lang="ja-JP" altLang="en-US" sz="4000"/>
-              <a:t>実行すると</a:t>
-            </a:r>
-            <a:r>
-              <a:rPr lang="en-US" altLang="ja-JP" sz="4000" dirty="0"/>
-              <a:t>output</a:t>
-            </a:r>
-            <a:r>
-              <a:rPr lang="ja-JP" altLang="en-US" sz="4000"/>
-              <a:t>フォルダに</a:t>
-            </a:r>
-            <a:r>
-              <a:rPr lang="en-US" altLang="ja-JP" sz="4000" dirty="0" err="1"/>
-              <a:t>submission.csv</a:t>
-            </a:r>
-            <a:r>
-              <a:rPr lang="ja-JP" altLang="en-US" sz="4000"/>
-              <a:t>が</a:t>
-            </a:r>
-            <a:r>
-              <a:rPr lang="ja" altLang="en-US" sz="4000" dirty="0"/>
-              <a:t>作成されます</a:t>
-            </a:r>
-            <a:endParaRPr lang="en-US" altLang="ja-JP" sz="4000" dirty="0"/>
-          </a:p>
-          <a:p>
-            <a:pPr lvl="1"/>
-            <a:r>
-              <a:rPr lang="en-US" altLang="ja-JP" sz="4000" dirty="0" err="1"/>
-              <a:t>submission.csv</a:t>
-            </a:r>
-            <a:r>
-              <a:rPr lang="ja-JP" altLang="en-US" sz="4000"/>
-              <a:t>は</a:t>
-            </a:r>
-            <a:r>
-              <a:rPr lang="en-US" altLang="ja-JP" sz="4000" dirty="0"/>
-              <a:t>Prediction data</a:t>
-            </a:r>
-            <a:r>
-              <a:rPr lang="ja-JP" altLang="en-US" sz="4000"/>
-              <a:t>です</a:t>
-            </a:r>
-            <a:endParaRPr lang="en-US" altLang="ja-JP" sz="4000" dirty="0"/>
-          </a:p>
-          <a:p>
-            <a:pPr lvl="1"/>
-            <a:r>
-              <a:rPr lang="en-US" altLang="ja-JP" sz="4000" dirty="0" err="1"/>
-              <a:t>submission.csv</a:t>
-            </a:r>
-            <a:r>
-              <a:rPr lang="ja-JP" altLang="en-US" sz="4000"/>
-              <a:t>を開いて確認してください</a:t>
-            </a:r>
-            <a:endParaRPr lang="en-US" altLang="ja-JP" sz="4000" dirty="0"/>
-          </a:p>
-        </p:txBody>
-      </p:sp>
-      <p:sp>
-        <p:nvSpPr>
-          <p:cNvPr id="13" name="Slide Number Placeholder 12">
-            <a:extLst>
-              <a:ext uri="{FF2B5EF4-FFF2-40B4-BE49-F238E27FC236}">
-                <a16:creationId xmlns:a16="http://schemas.microsoft.com/office/drawing/2014/main" id="{ACBC7515-E64F-8F4C-B7BA-458E3BC7E0CA}"/>
+                <a16:creationId xmlns:a16="http://schemas.microsoft.com/office/drawing/2014/main" id="{667EAE41-408E-6949-B722-2982C702D6C2}"/>
               </a:ext>
             </a:extLst>
           </p:cNvPr>
@@ -13861,44 +14987,10 @@
           </a:p>
         </p:txBody>
       </p:sp>
-      <p:sp>
-        <p:nvSpPr>
-          <p:cNvPr id="14" name="Footer Placeholder 13">
-            <a:extLst>
-              <a:ext uri="{FF2B5EF4-FFF2-40B4-BE49-F238E27FC236}">
-                <a16:creationId xmlns:a16="http://schemas.microsoft.com/office/drawing/2014/main" id="{6848FA93-3DF9-3B45-9537-C5287D7DA562}"/>
-              </a:ext>
-            </a:extLst>
-          </p:cNvPr>
-          <p:cNvSpPr>
-            <a:spLocks noGrp="1"/>
-          </p:cNvSpPr>
-          <p:nvPr>
-            <p:ph type="ftr" sz="quarter" idx="11"/>
-          </p:nvPr>
-        </p:nvSpPr>
-        <p:spPr>
-          <a:xfrm>
-            <a:off x="10680700" y="9621838"/>
-            <a:ext cx="6172200" cy="547687"/>
-          </a:xfrm>
-        </p:spPr>
-        <p:txBody>
-          <a:bodyPr/>
-          <a:lstStyle/>
-          <a:p>
-            <a:r>
-              <a:rPr kumimoji="1" lang="en-US" altLang="ja-JP"/>
-              <a:t>©︎Takato Matsumoto, 2019</a:t>
-            </a:r>
-            <a:endParaRPr kumimoji="1" lang="ja-JP" altLang="en-US" dirty="0"/>
-          </a:p>
-        </p:txBody>
-      </p:sp>
     </p:spTree>
     <p:extLst>
       <p:ext uri="{BB962C8B-B14F-4D97-AF65-F5344CB8AC3E}">
-        <p14:creationId xmlns:p14="http://schemas.microsoft.com/office/powerpoint/2010/main" val="756366044"/>
+        <p14:creationId xmlns:p14="http://schemas.microsoft.com/office/powerpoint/2010/main" val="3335947754"/>
       </p:ext>
     </p:extLst>
   </p:cSld>
@@ -13976,8 +15068,8 @@
         </p:nvSpPr>
         <p:spPr>
           <a:xfrm>
-            <a:off x="1501962" y="390474"/>
-            <a:ext cx="15284076" cy="4752232"/>
+            <a:off x="927100" y="2766590"/>
+            <a:ext cx="17235217" cy="4752232"/>
           </a:xfrm>
         </p:spPr>
         <p:txBody>
@@ -13987,87 +15079,32 @@
           <a:lstStyle/>
           <a:p>
             <a:r>
-              <a:rPr lang="en-US" altLang="ja" sz="4000" dirty="0" err="1"/>
-              <a:t>submission.csv</a:t>
-            </a:r>
+              <a:rPr lang="en-US" altLang="ja-JP" sz="4000" dirty="0" err="1"/>
+              <a:t>data_policy_studies</a:t>
+            </a:r>
+            <a:r>
+              <a:rPr lang="en-US" altLang="ja-JP" sz="4000" dirty="0"/>
+              <a:t>/chapter_1/notebook/</a:t>
+            </a:r>
+            <a:r>
+              <a:rPr lang="en-US" altLang="ja-JP" sz="4000" dirty="0" err="1"/>
+              <a:t>modeling.ipynb</a:t>
+            </a:r>
+            <a:br>
+              <a:rPr lang="en-US" altLang="ja-JP" sz="4000" dirty="0"/>
+            </a:br>
             <a:r>
               <a:rPr lang="ja-JP" altLang="en-US" sz="4000"/>
               <a:t>を</a:t>
             </a:r>
             <a:r>
-              <a:rPr lang="en-US" altLang="ja-JP" sz="4000" dirty="0"/>
-              <a:t>Kaggle</a:t>
-            </a:r>
-            <a:r>
-              <a:rPr lang="ja-JP" altLang="en-US" sz="4000"/>
-              <a:t>へ提出</a:t>
-            </a:r>
-            <a:r>
               <a:rPr lang="ja" altLang="en-US" sz="4000" dirty="0"/>
-              <a:t>して</a:t>
-            </a:r>
-            <a:r>
-              <a:rPr lang="ja-JP" altLang="en-US" sz="4000"/>
-              <a:t>ください</a:t>
-            </a:r>
-            <a:r>
-              <a:rPr lang="en-US" altLang="ja-JP" sz="4000" dirty="0"/>
-              <a:t>	</a:t>
-            </a:r>
-          </a:p>
-          <a:p>
-            <a:pPr lvl="1"/>
-            <a:r>
-              <a:rPr lang="ja-JP" altLang="en-US" sz="3200"/>
-              <a:t>予測値と正解値の誤差（モデルの評価）が</a:t>
-            </a:r>
-            <a:r>
-              <a:rPr lang="ja" altLang="en-US" sz="3200" dirty="0"/>
-              <a:t>表示されます</a:t>
-            </a:r>
-            <a:endParaRPr lang="en-US" altLang="ja" sz="3200" dirty="0"/>
-          </a:p>
-          <a:p>
-            <a:pPr lvl="1"/>
-            <a:r>
-              <a:rPr lang="ja-JP" altLang="en-US" sz="3200"/>
-              <a:t>自分が提出した予測値の精度がランキングされます</a:t>
-            </a:r>
-            <a:endParaRPr lang="en-US" altLang="ja" sz="3200" dirty="0"/>
-          </a:p>
-          <a:p>
-            <a:pPr lvl="1"/>
-            <a:endParaRPr lang="en-US" altLang="ja" dirty="0"/>
-          </a:p>
-        </p:txBody>
-      </p:sp>
-      <p:sp>
-        <p:nvSpPr>
-          <p:cNvPr id="13" name="Slide Number Placeholder 12">
-            <a:extLst>
-              <a:ext uri="{FF2B5EF4-FFF2-40B4-BE49-F238E27FC236}">
-                <a16:creationId xmlns:a16="http://schemas.microsoft.com/office/drawing/2014/main" id="{ACBC7515-E64F-8F4C-B7BA-458E3BC7E0CA}"/>
-              </a:ext>
-            </a:extLst>
-          </p:cNvPr>
-          <p:cNvSpPr>
-            <a:spLocks noGrp="1"/>
-          </p:cNvSpPr>
-          <p:nvPr>
-            <p:ph type="sldNum" sz="quarter" idx="10"/>
-          </p:nvPr>
-        </p:nvSpPr>
-        <p:spPr/>
-        <p:txBody>
-          <a:bodyPr/>
-          <a:lstStyle/>
-          <a:p>
-            <a:fld id="{D28C7C6D-0F52-4FBA-8358-35C6083C2133}" type="slidenum">
-              <a:rPr kumimoji="1" lang="ja-JP" altLang="en-US" smtClean="0"/>
-              <a:pPr/>
-              <a:t>13</a:t>
-            </a:fld>
-            <a:endParaRPr kumimoji="1" lang="ja-JP" altLang="en-US"/>
+              <a:t>開いてください</a:t>
+            </a:r>
+            <a:endParaRPr lang="en-US" altLang="ja" sz="4000" dirty="0"/>
+          </a:p>
+          <a:p>
+            <a:endParaRPr lang="en-US" altLang="ja-JP" sz="4000" dirty="0"/>
           </a:p>
         </p:txBody>
       </p:sp>
@@ -14099,288 +15136,46 @@
           <a:p>
             <a:r>
               <a:rPr kumimoji="1" lang="en-US" altLang="ja-JP"/>
-              <a:t>©︎Takato Matsumoto, 2019</a:t>
+              <a:t>@Takato Matsumoto, 2020</a:t>
             </a:r>
             <a:endParaRPr kumimoji="1" lang="ja-JP" altLang="en-US" dirty="0"/>
           </a:p>
         </p:txBody>
       </p:sp>
-      <p:pic>
-        <p:nvPicPr>
-          <p:cNvPr id="3" name="Picture 2">
+      <p:sp>
+        <p:nvSpPr>
+          <p:cNvPr id="2" name="Slide Number Placeholder 1">
             <a:extLst>
               <a:ext uri="{FF2B5EF4-FFF2-40B4-BE49-F238E27FC236}">
-                <a16:creationId xmlns:a16="http://schemas.microsoft.com/office/drawing/2014/main" id="{F5898BD1-E03A-484C-8995-5F6CA17F03CB}"/>
+                <a16:creationId xmlns:a16="http://schemas.microsoft.com/office/drawing/2014/main" id="{CF2E988F-ED65-2849-B0BA-C06C77DEF976}"/>
               </a:ext>
             </a:extLst>
           </p:cNvPr>
-          <p:cNvPicPr>
-            <a:picLocks noChangeAspect="1"/>
-          </p:cNvPicPr>
-          <p:nvPr/>
-        </p:nvPicPr>
-        <p:blipFill>
-          <a:blip r:embed="rId2">
-            <a:extLst>
-              <a:ext uri="{28A0092B-C50C-407E-A947-70E740481C1C}">
-                <a14:useLocalDpi xmlns:a14="http://schemas.microsoft.com/office/drawing/2010/main" val="0"/>
-              </a:ext>
-            </a:extLst>
-          </a:blip>
-          <a:stretch>
-            <a:fillRect/>
-          </a:stretch>
-        </p:blipFill>
-        <p:spPr>
-          <a:xfrm>
-            <a:off x="448510" y="3985629"/>
-            <a:ext cx="7732963" cy="5193295"/>
-          </a:xfrm>
-          <a:prstGeom prst="rect">
-            <a:avLst/>
-          </a:prstGeom>
-        </p:spPr>
-      </p:pic>
-      <p:pic>
-        <p:nvPicPr>
-          <p:cNvPr id="5" name="Picture 4">
-            <a:extLst>
-              <a:ext uri="{FF2B5EF4-FFF2-40B4-BE49-F238E27FC236}">
-                <a16:creationId xmlns:a16="http://schemas.microsoft.com/office/drawing/2014/main" id="{65E3DF16-01DC-D349-BFAA-7F33A5205E7C}"/>
-              </a:ext>
-            </a:extLst>
-          </p:cNvPr>
-          <p:cNvPicPr>
-            <a:picLocks noChangeAspect="1"/>
-          </p:cNvPicPr>
-          <p:nvPr/>
-        </p:nvPicPr>
-        <p:blipFill>
-          <a:blip r:embed="rId3">
-            <a:extLst>
-              <a:ext uri="{28A0092B-C50C-407E-A947-70E740481C1C}">
-                <a14:useLocalDpi xmlns:a14="http://schemas.microsoft.com/office/drawing/2010/main" val="0"/>
-              </a:ext>
-            </a:extLst>
-          </a:blip>
-          <a:stretch>
-            <a:fillRect/>
-          </a:stretch>
-        </p:blipFill>
-        <p:spPr>
-          <a:xfrm>
-            <a:off x="10377841" y="3985629"/>
-            <a:ext cx="7237059" cy="5193295"/>
-          </a:xfrm>
-          <a:prstGeom prst="rect">
-            <a:avLst/>
-          </a:prstGeom>
-        </p:spPr>
-      </p:pic>
-      <p:sp>
-        <p:nvSpPr>
-          <p:cNvPr id="6" name="Rounded Rectangle 5">
-            <a:extLst>
-              <a:ext uri="{FF2B5EF4-FFF2-40B4-BE49-F238E27FC236}">
-                <a16:creationId xmlns:a16="http://schemas.microsoft.com/office/drawing/2014/main" id="{A3BBFACB-7484-7647-A942-89EE376A1A49}"/>
-              </a:ext>
-            </a:extLst>
-          </p:cNvPr>
-          <p:cNvSpPr/>
-          <p:nvPr/>
-        </p:nvSpPr>
-        <p:spPr>
-          <a:xfrm>
-            <a:off x="6545180" y="5422232"/>
-            <a:ext cx="1764632" cy="625642"/>
-          </a:xfrm>
-          <a:prstGeom prst="roundRect">
-            <a:avLst/>
-          </a:prstGeom>
-          <a:solidFill>
-            <a:schemeClr val="accent2">
-              <a:alpha val="50000"/>
-            </a:schemeClr>
-          </a:solidFill>
-          <a:ln>
-            <a:noFill/>
-          </a:ln>
-        </p:spPr>
-        <p:style>
-          <a:lnRef idx="2">
-            <a:schemeClr val="accent1">
-              <a:shade val="50000"/>
-            </a:schemeClr>
-          </a:lnRef>
-          <a:fillRef idx="1">
-            <a:schemeClr val="accent1"/>
-          </a:fillRef>
-          <a:effectRef idx="0">
-            <a:schemeClr val="accent1"/>
-          </a:effectRef>
-          <a:fontRef idx="minor">
-            <a:schemeClr val="lt1"/>
-          </a:fontRef>
-        </p:style>
-        <p:txBody>
-          <a:bodyPr rtlCol="0" anchor="ctr"/>
+          <p:cNvSpPr>
+            <a:spLocks noGrp="1"/>
+          </p:cNvSpPr>
+          <p:nvPr>
+            <p:ph type="sldNum" sz="quarter" idx="10"/>
+          </p:nvPr>
+        </p:nvSpPr>
+        <p:spPr/>
+        <p:txBody>
+          <a:bodyPr/>
           <a:lstStyle/>
           <a:p>
-            <a:pPr algn="ctr"/>
-            <a:endParaRPr kumimoji="1" lang="en-US"/>
-          </a:p>
-        </p:txBody>
-      </p:sp>
-      <p:sp>
-        <p:nvSpPr>
-          <p:cNvPr id="11" name="Rounded Rectangle 10">
-            <a:extLst>
-              <a:ext uri="{FF2B5EF4-FFF2-40B4-BE49-F238E27FC236}">
-                <a16:creationId xmlns:a16="http://schemas.microsoft.com/office/drawing/2014/main" id="{08172955-7A9A-6F4C-A149-09E9A384F104}"/>
-              </a:ext>
-            </a:extLst>
-          </p:cNvPr>
-          <p:cNvSpPr/>
-          <p:nvPr/>
-        </p:nvSpPr>
-        <p:spPr>
-          <a:xfrm>
-            <a:off x="13010147" y="7194885"/>
-            <a:ext cx="4401553" cy="1323474"/>
-          </a:xfrm>
-          <a:prstGeom prst="roundRect">
-            <a:avLst/>
-          </a:prstGeom>
-          <a:solidFill>
-            <a:schemeClr val="accent2">
-              <a:alpha val="50000"/>
-            </a:schemeClr>
-          </a:solidFill>
-          <a:ln>
-            <a:noFill/>
-          </a:ln>
-        </p:spPr>
-        <p:style>
-          <a:lnRef idx="2">
-            <a:schemeClr val="accent1">
-              <a:shade val="50000"/>
-            </a:schemeClr>
-          </a:lnRef>
-          <a:fillRef idx="1">
-            <a:schemeClr val="accent1"/>
-          </a:fillRef>
-          <a:effectRef idx="0">
-            <a:schemeClr val="accent1"/>
-          </a:effectRef>
-          <a:fontRef idx="minor">
-            <a:schemeClr val="lt1"/>
-          </a:fontRef>
-        </p:style>
-        <p:txBody>
-          <a:bodyPr rtlCol="0" anchor="ctr"/>
-          <a:lstStyle/>
-          <a:p>
-            <a:pPr algn="ctr"/>
-            <a:endParaRPr kumimoji="1" lang="en-US"/>
-          </a:p>
-        </p:txBody>
-      </p:sp>
-      <p:sp>
-        <p:nvSpPr>
-          <p:cNvPr id="7" name="TextBox 6">
-            <a:extLst>
-              <a:ext uri="{FF2B5EF4-FFF2-40B4-BE49-F238E27FC236}">
-                <a16:creationId xmlns:a16="http://schemas.microsoft.com/office/drawing/2014/main" id="{500FC191-6B87-164F-8955-F101BD6697BE}"/>
-              </a:ext>
-            </a:extLst>
-          </p:cNvPr>
-          <p:cNvSpPr txBox="1"/>
-          <p:nvPr/>
-        </p:nvSpPr>
-        <p:spPr>
-          <a:xfrm>
-            <a:off x="8386421" y="5582290"/>
-            <a:ext cx="1664238" cy="400110"/>
-          </a:xfrm>
-          <a:prstGeom prst="rect">
-            <a:avLst/>
-          </a:prstGeom>
-          <a:noFill/>
-        </p:spPr>
-        <p:txBody>
-          <a:bodyPr wrap="none" rtlCol="0">
-            <a:spAutoFit/>
-          </a:bodyPr>
-          <a:lstStyle/>
-          <a:p>
-            <a:r>
-              <a:rPr lang="ja-JP" altLang="en-US" sz="2000"/>
-              <a:t>ここをクリック</a:t>
-            </a:r>
-            <a:endParaRPr lang="en-US" sz="2000" dirty="0"/>
-          </a:p>
-        </p:txBody>
-      </p:sp>
-      <p:sp>
-        <p:nvSpPr>
-          <p:cNvPr id="16" name="TextBox 15">
-            <a:extLst>
-              <a:ext uri="{FF2B5EF4-FFF2-40B4-BE49-F238E27FC236}">
-                <a16:creationId xmlns:a16="http://schemas.microsoft.com/office/drawing/2014/main" id="{995896B7-0D39-804C-A2BB-3A127550D500}"/>
-              </a:ext>
-            </a:extLst>
-          </p:cNvPr>
-          <p:cNvSpPr txBox="1"/>
-          <p:nvPr/>
-        </p:nvSpPr>
-        <p:spPr>
-          <a:xfrm>
-            <a:off x="8302485" y="7856622"/>
-            <a:ext cx="4756430" cy="400110"/>
-          </a:xfrm>
-          <a:prstGeom prst="rect">
-            <a:avLst/>
-          </a:prstGeom>
-          <a:noFill/>
-        </p:spPr>
-        <p:txBody>
-          <a:bodyPr wrap="none" rtlCol="0">
-            <a:spAutoFit/>
-          </a:bodyPr>
-          <a:lstStyle/>
-          <a:p>
-            <a:r>
-              <a:rPr lang="ja-JP" altLang="en-US" sz="2000"/>
-              <a:t>ここへ</a:t>
-            </a:r>
-            <a:r>
-              <a:rPr lang="en-US" sz="2000" dirty="0" err="1"/>
-              <a:t>submission.csv</a:t>
-            </a:r>
-            <a:r>
-              <a:rPr lang="ja-JP" altLang="en-US" sz="2000"/>
-              <a:t>を</a:t>
-            </a:r>
-            <a:r>
-              <a:rPr lang="ja" altLang="en-US" sz="2000" dirty="0"/>
-              <a:t>ドラッグ</a:t>
-            </a:r>
-            <a:r>
-              <a:rPr lang="en-US" altLang="ja" sz="2000" dirty="0"/>
-              <a:t>&amp;</a:t>
-            </a:r>
-            <a:r>
-              <a:rPr lang="ja" altLang="en-US" sz="2000" dirty="0"/>
-              <a:t>ドロップ</a:t>
-            </a:r>
-            <a:endParaRPr lang="en-US" sz="2000" dirty="0"/>
+            <a:fld id="{D28C7C6D-0F52-4FBA-8358-35C6083C2133}" type="slidenum">
+              <a:rPr kumimoji="1" lang="ja-JP" altLang="en-US" smtClean="0"/>
+              <a:pPr/>
+              <a:t>13</a:t>
+            </a:fld>
+            <a:endParaRPr kumimoji="1" lang="ja-JP" altLang="en-US"/>
           </a:p>
         </p:txBody>
       </p:sp>
     </p:spTree>
     <p:extLst>
       <p:ext uri="{BB962C8B-B14F-4D97-AF65-F5344CB8AC3E}">
-        <p14:creationId xmlns:p14="http://schemas.microsoft.com/office/powerpoint/2010/main" val="782575234"/>
+        <p14:creationId xmlns:p14="http://schemas.microsoft.com/office/powerpoint/2010/main" val="756366044"/>
       </p:ext>
     </p:extLst>
   </p:cSld>
@@ -14489,38 +15284,6 @@
             <a:pPr lvl="1"/>
             <a:r>
               <a:rPr lang="ja-JP" altLang="en-US" sz="3200"/>
-              <a:t>使うカラムは</a:t>
-            </a:r>
-            <a:r>
-              <a:rPr lang="en-US" altLang="ja-JP" sz="4000" dirty="0">
-                <a:solidFill>
-                  <a:schemeClr val="accent2"/>
-                </a:solidFill>
-              </a:rPr>
-              <a:t>5</a:t>
-            </a:r>
-            <a:r>
-              <a:rPr lang="ja-JP" altLang="en-US" sz="3200">
-                <a:solidFill>
-                  <a:schemeClr val="accent2"/>
-                </a:solidFill>
-              </a:rPr>
-              <a:t>つまで</a:t>
-            </a:r>
-            <a:r>
-              <a:rPr lang="ja-JP" altLang="en-US" sz="3200"/>
-              <a:t>で</a:t>
-            </a:r>
-            <a:r>
-              <a:rPr lang="ja" altLang="en-US" sz="3200" dirty="0"/>
-              <a:t>お願いします</a:t>
-            </a:r>
-            <a:endParaRPr lang="en-US" altLang="ja" sz="3200" dirty="0"/>
-          </a:p>
-          <a:p>
-            <a:pPr lvl="1"/>
-            <a:r>
-              <a:rPr lang="ja-JP" altLang="en-US" sz="3200"/>
               <a:t>どんな</a:t>
             </a:r>
             <a:r>
@@ -14532,36 +15295,6 @@
               <a:t>とき，精度が高くなったでしょうか？</a:t>
             </a:r>
             <a:endParaRPr lang="en-US" altLang="ja-JP" sz="3200" dirty="0"/>
-          </a:p>
-        </p:txBody>
-      </p:sp>
-      <p:sp>
-        <p:nvSpPr>
-          <p:cNvPr id="13" name="Slide Number Placeholder 12">
-            <a:extLst>
-              <a:ext uri="{FF2B5EF4-FFF2-40B4-BE49-F238E27FC236}">
-                <a16:creationId xmlns:a16="http://schemas.microsoft.com/office/drawing/2014/main" id="{ACBC7515-E64F-8F4C-B7BA-458E3BC7E0CA}"/>
-              </a:ext>
-            </a:extLst>
-          </p:cNvPr>
-          <p:cNvSpPr>
-            <a:spLocks noGrp="1"/>
-          </p:cNvSpPr>
-          <p:nvPr>
-            <p:ph type="sldNum" sz="quarter" idx="10"/>
-          </p:nvPr>
-        </p:nvSpPr>
-        <p:spPr/>
-        <p:txBody>
-          <a:bodyPr/>
-          <a:lstStyle/>
-          <a:p>
-            <a:fld id="{D28C7C6D-0F52-4FBA-8358-35C6083C2133}" type="slidenum">
-              <a:rPr kumimoji="1" lang="ja-JP" altLang="en-US" smtClean="0"/>
-              <a:pPr/>
-              <a:t>14</a:t>
-            </a:fld>
-            <a:endParaRPr kumimoji="1" lang="ja-JP" altLang="en-US"/>
           </a:p>
         </p:txBody>
       </p:sp>
@@ -14593,97 +15326,39 @@
           <a:p>
             <a:r>
               <a:rPr kumimoji="1" lang="en-US" altLang="ja-JP"/>
-              <a:t>©︎Takato Matsumoto, 2019</a:t>
+              <a:t>@Takato Matsumoto, 2020</a:t>
             </a:r>
             <a:endParaRPr kumimoji="1" lang="ja-JP" altLang="en-US" dirty="0"/>
           </a:p>
         </p:txBody>
       </p:sp>
-      <p:pic>
-        <p:nvPicPr>
-          <p:cNvPr id="23" name="Picture 22">
+      <p:sp>
+        <p:nvSpPr>
+          <p:cNvPr id="2" name="Slide Number Placeholder 1">
             <a:extLst>
               <a:ext uri="{FF2B5EF4-FFF2-40B4-BE49-F238E27FC236}">
-                <a16:creationId xmlns:a16="http://schemas.microsoft.com/office/drawing/2014/main" id="{3C492882-2560-604D-B857-1F5EECE45330}"/>
+                <a16:creationId xmlns:a16="http://schemas.microsoft.com/office/drawing/2014/main" id="{B1127A7C-BA97-EE43-ACFD-7921C8C5C9C0}"/>
               </a:ext>
             </a:extLst>
           </p:cNvPr>
-          <p:cNvPicPr>
-            <a:picLocks noChangeAspect="1"/>
-          </p:cNvPicPr>
-          <p:nvPr/>
-        </p:nvPicPr>
-        <p:blipFill>
-          <a:blip r:embed="rId2">
-            <a:extLst>
-              <a:ext uri="{28A0092B-C50C-407E-A947-70E740481C1C}">
-                <a14:useLocalDpi xmlns:a14="http://schemas.microsoft.com/office/drawing/2010/main" val="0"/>
-              </a:ext>
-            </a:extLst>
-          </a:blip>
-          <a:stretch>
-            <a:fillRect/>
-          </a:stretch>
-        </p:blipFill>
-        <p:spPr>
-          <a:xfrm>
-            <a:off x="2390274" y="5762634"/>
-            <a:ext cx="14462626" cy="1995618"/>
-          </a:xfrm>
-          <a:prstGeom prst="rect">
-            <a:avLst/>
-          </a:prstGeom>
-        </p:spPr>
-      </p:pic>
-      <p:sp>
-        <p:nvSpPr>
-          <p:cNvPr id="24" name="TextBox 23">
-            <a:extLst>
-              <a:ext uri="{FF2B5EF4-FFF2-40B4-BE49-F238E27FC236}">
-                <a16:creationId xmlns:a16="http://schemas.microsoft.com/office/drawing/2014/main" id="{93765C97-0DE4-DF41-B312-140F390A7C1E}"/>
-              </a:ext>
-            </a:extLst>
-          </p:cNvPr>
-          <p:cNvSpPr txBox="1"/>
-          <p:nvPr/>
-        </p:nvSpPr>
-        <p:spPr>
-          <a:xfrm>
-            <a:off x="2390274" y="8582527"/>
-            <a:ext cx="14549176" cy="584775"/>
-          </a:xfrm>
-          <a:prstGeom prst="rect">
-            <a:avLst/>
-          </a:prstGeom>
-          <a:noFill/>
-        </p:spPr>
-        <p:txBody>
-          <a:bodyPr wrap="none" rtlCol="0">
-            <a:spAutoFit/>
-          </a:bodyPr>
+          <p:cNvSpPr>
+            <a:spLocks noGrp="1"/>
+          </p:cNvSpPr>
+          <p:nvPr>
+            <p:ph type="sldNum" sz="quarter" idx="10"/>
+          </p:nvPr>
+        </p:nvSpPr>
+        <p:spPr/>
+        <p:txBody>
+          <a:bodyPr/>
           <a:lstStyle/>
           <a:p>
-            <a:r>
-              <a:rPr lang="ja-JP" altLang="en-US" sz="3200"/>
-              <a:t>説明変数を変えたら必ず「</a:t>
-            </a:r>
-            <a:r>
-              <a:rPr lang="en-US" altLang="ja-JP" sz="3200" dirty="0"/>
-              <a:t>#</a:t>
-            </a:r>
-            <a:r>
-              <a:rPr lang="ja" altLang="en-US" sz="3200" dirty="0"/>
-              <a:t>提出ファイルの</a:t>
-            </a:r>
-            <a:r>
-              <a:rPr lang="ja-JP" altLang="en-US" sz="3200"/>
-              <a:t>入力」まで</a:t>
-            </a:r>
-            <a:r>
-              <a:rPr lang="ja" altLang="en-US" sz="3200" dirty="0"/>
-              <a:t>プログラムを実行してください</a:t>
-            </a:r>
-            <a:endParaRPr lang="en-US" sz="3200" dirty="0"/>
+            <a:fld id="{D28C7C6D-0F52-4FBA-8358-35C6083C2133}" type="slidenum">
+              <a:rPr kumimoji="1" lang="ja-JP" altLang="en-US" smtClean="0"/>
+              <a:pPr/>
+              <a:t>14</a:t>
+            </a:fld>
+            <a:endParaRPr kumimoji="1" lang="ja-JP" altLang="en-US"/>
           </a:p>
         </p:txBody>
       </p:sp>
@@ -14886,36 +15561,6 @@
       </p:sp>
       <p:sp>
         <p:nvSpPr>
-          <p:cNvPr id="13" name="Slide Number Placeholder 12">
-            <a:extLst>
-              <a:ext uri="{FF2B5EF4-FFF2-40B4-BE49-F238E27FC236}">
-                <a16:creationId xmlns:a16="http://schemas.microsoft.com/office/drawing/2014/main" id="{ACBC7515-E64F-8F4C-B7BA-458E3BC7E0CA}"/>
-              </a:ext>
-            </a:extLst>
-          </p:cNvPr>
-          <p:cNvSpPr>
-            <a:spLocks noGrp="1"/>
-          </p:cNvSpPr>
-          <p:nvPr>
-            <p:ph type="sldNum" sz="quarter" idx="10"/>
-          </p:nvPr>
-        </p:nvSpPr>
-        <p:spPr/>
-        <p:txBody>
-          <a:bodyPr/>
-          <a:lstStyle/>
-          <a:p>
-            <a:fld id="{D28C7C6D-0F52-4FBA-8358-35C6083C2133}" type="slidenum">
-              <a:rPr kumimoji="1" lang="ja-JP" altLang="en-US" smtClean="0"/>
-              <a:pPr/>
-              <a:t>15</a:t>
-            </a:fld>
-            <a:endParaRPr kumimoji="1" lang="ja-JP" altLang="en-US"/>
-          </a:p>
-        </p:txBody>
-      </p:sp>
-      <p:sp>
-        <p:nvSpPr>
           <p:cNvPr id="14" name="Footer Placeholder 13">
             <a:extLst>
               <a:ext uri="{FF2B5EF4-FFF2-40B4-BE49-F238E27FC236}">
@@ -14942,9 +15587,39 @@
           <a:p>
             <a:r>
               <a:rPr kumimoji="1" lang="en-US" altLang="ja-JP"/>
-              <a:t>©︎Takato Matsumoto, 2019</a:t>
+              <a:t>@Takato Matsumoto, 2020</a:t>
             </a:r>
             <a:endParaRPr kumimoji="1" lang="ja-JP" altLang="en-US" dirty="0"/>
+          </a:p>
+        </p:txBody>
+      </p:sp>
+      <p:sp>
+        <p:nvSpPr>
+          <p:cNvPr id="2" name="Slide Number Placeholder 1">
+            <a:extLst>
+              <a:ext uri="{FF2B5EF4-FFF2-40B4-BE49-F238E27FC236}">
+                <a16:creationId xmlns:a16="http://schemas.microsoft.com/office/drawing/2014/main" id="{B69F2656-8F29-EE4B-917C-8F1AB2BEBCB9}"/>
+              </a:ext>
+            </a:extLst>
+          </p:cNvPr>
+          <p:cNvSpPr>
+            <a:spLocks noGrp="1"/>
+          </p:cNvSpPr>
+          <p:nvPr>
+            <p:ph type="sldNum" sz="quarter" idx="10"/>
+          </p:nvPr>
+        </p:nvSpPr>
+        <p:spPr/>
+        <p:txBody>
+          <a:bodyPr/>
+          <a:lstStyle/>
+          <a:p>
+            <a:fld id="{D28C7C6D-0F52-4FBA-8358-35C6083C2133}" type="slidenum">
+              <a:rPr kumimoji="1" lang="ja-JP" altLang="en-US" smtClean="0"/>
+              <a:pPr/>
+              <a:t>15</a:t>
+            </a:fld>
+            <a:endParaRPr kumimoji="1" lang="ja-JP" altLang="en-US"/>
           </a:p>
         </p:txBody>
       </p:sp>
@@ -14952,188 +15627,6 @@
     <p:extLst>
       <p:ext uri="{BB962C8B-B14F-4D97-AF65-F5344CB8AC3E}">
         <p14:creationId xmlns:p14="http://schemas.microsoft.com/office/powerpoint/2010/main" val="642833425"/>
-      </p:ext>
-    </p:extLst>
-  </p:cSld>
-  <p:clrMapOvr>
-    <a:masterClrMapping/>
-  </p:clrMapOvr>
-</p:sld>
-</file>
-
-<file path=ppt/slides/slide16.xml><?xml version="1.0" encoding="utf-8"?>
-<p:sld xmlns:a="http://schemas.openxmlformats.org/drawingml/2006/main" xmlns:r="http://schemas.openxmlformats.org/officeDocument/2006/relationships" xmlns:p="http://schemas.openxmlformats.org/presentationml/2006/main">
-  <p:cSld>
-    <p:spTree>
-      <p:nvGrpSpPr>
-        <p:cNvPr id="1" name=""/>
-        <p:cNvGrpSpPr/>
-        <p:nvPr/>
-      </p:nvGrpSpPr>
-      <p:grpSpPr>
-        <a:xfrm>
-          <a:off x="0" y="0"/>
-          <a:ext cx="0" cy="0"/>
-          <a:chOff x="0" y="0"/>
-          <a:chExt cx="0" cy="0"/>
-        </a:xfrm>
-      </p:grpSpPr>
-      <p:sp>
-        <p:nvSpPr>
-          <p:cNvPr id="9" name="タイトル 8"/>
-          <p:cNvSpPr>
-            <a:spLocks noGrp="1"/>
-          </p:cNvSpPr>
-          <p:nvPr>
-            <p:ph type="title"/>
-          </p:nvPr>
-        </p:nvSpPr>
-        <p:spPr/>
-        <p:txBody>
-          <a:bodyPr>
-            <a:normAutofit/>
-          </a:bodyPr>
-          <a:lstStyle/>
-          <a:p>
-            <a:r>
-              <a:rPr lang="ja-JP" altLang="en-US"/>
-              <a:t>不動産価格の予測</a:t>
-            </a:r>
-            <a:r>
-              <a:rPr lang="en-US" altLang="ja-JP" dirty="0"/>
-              <a:t> | </a:t>
-            </a:r>
-            <a:r>
-              <a:rPr lang="ja-JP" altLang="en-US"/>
-              <a:t>実践</a:t>
-            </a:r>
-            <a:endParaRPr kumimoji="1" lang="ja-JP" altLang="en-US" dirty="0"/>
-          </a:p>
-        </p:txBody>
-      </p:sp>
-      <p:sp>
-        <p:nvSpPr>
-          <p:cNvPr id="15" name="テキスト プレースホルダー 9">
-            <a:extLst>
-              <a:ext uri="{FF2B5EF4-FFF2-40B4-BE49-F238E27FC236}">
-                <a16:creationId xmlns:a16="http://schemas.microsoft.com/office/drawing/2014/main" id="{98F5EB82-97F4-BE48-8A01-5935D01BB0CD}"/>
-              </a:ext>
-            </a:extLst>
-          </p:cNvPr>
-          <p:cNvSpPr>
-            <a:spLocks noGrp="1"/>
-          </p:cNvSpPr>
-          <p:nvPr>
-            <p:ph type="body" sz="quarter" idx="12"/>
-          </p:nvPr>
-        </p:nvSpPr>
-        <p:spPr>
-          <a:xfrm>
-            <a:off x="1814281" y="1010402"/>
-            <a:ext cx="16786038" cy="4752232"/>
-          </a:xfrm>
-        </p:spPr>
-        <p:txBody>
-          <a:bodyPr>
-            <a:normAutofit/>
-          </a:bodyPr>
-          <a:lstStyle/>
-          <a:p>
-            <a:r>
-              <a:rPr lang="ja-JP" altLang="en-US" sz="4000">
-                <a:solidFill>
-                  <a:schemeClr val="accent1"/>
-                </a:solidFill>
-              </a:rPr>
-              <a:t>全てのカラム</a:t>
-            </a:r>
-            <a:r>
-              <a:rPr lang="ja-JP" altLang="en-US" sz="4000"/>
-              <a:t>を使ってみてください</a:t>
-            </a:r>
-            <a:endParaRPr lang="en-US" altLang="ja-JP" sz="4000" dirty="0"/>
-          </a:p>
-          <a:p>
-            <a:r>
-              <a:rPr lang="ja-JP" altLang="en-US" sz="4000"/>
-              <a:t>他の手法も試して上位を</a:t>
-            </a:r>
-            <a:r>
-              <a:rPr lang="ja" altLang="en-US" sz="4000" dirty="0"/>
-              <a:t>目指してみましょう！</a:t>
-            </a:r>
-            <a:endParaRPr lang="en-US" altLang="ja-JP" sz="4000" dirty="0"/>
-          </a:p>
-        </p:txBody>
-      </p:sp>
-      <p:sp>
-        <p:nvSpPr>
-          <p:cNvPr id="13" name="Slide Number Placeholder 12">
-            <a:extLst>
-              <a:ext uri="{FF2B5EF4-FFF2-40B4-BE49-F238E27FC236}">
-                <a16:creationId xmlns:a16="http://schemas.microsoft.com/office/drawing/2014/main" id="{ACBC7515-E64F-8F4C-B7BA-458E3BC7E0CA}"/>
-              </a:ext>
-            </a:extLst>
-          </p:cNvPr>
-          <p:cNvSpPr>
-            <a:spLocks noGrp="1"/>
-          </p:cNvSpPr>
-          <p:nvPr>
-            <p:ph type="sldNum" sz="quarter" idx="10"/>
-          </p:nvPr>
-        </p:nvSpPr>
-        <p:spPr/>
-        <p:txBody>
-          <a:bodyPr/>
-          <a:lstStyle/>
-          <a:p>
-            <a:fld id="{D28C7C6D-0F52-4FBA-8358-35C6083C2133}" type="slidenum">
-              <a:rPr kumimoji="1" lang="ja-JP" altLang="en-US" smtClean="0"/>
-              <a:pPr/>
-              <a:t>16</a:t>
-            </a:fld>
-            <a:endParaRPr kumimoji="1" lang="ja-JP" altLang="en-US"/>
-          </a:p>
-        </p:txBody>
-      </p:sp>
-      <p:sp>
-        <p:nvSpPr>
-          <p:cNvPr id="14" name="Footer Placeholder 13">
-            <a:extLst>
-              <a:ext uri="{FF2B5EF4-FFF2-40B4-BE49-F238E27FC236}">
-                <a16:creationId xmlns:a16="http://schemas.microsoft.com/office/drawing/2014/main" id="{6848FA93-3DF9-3B45-9537-C5287D7DA562}"/>
-              </a:ext>
-            </a:extLst>
-          </p:cNvPr>
-          <p:cNvSpPr>
-            <a:spLocks noGrp="1"/>
-          </p:cNvSpPr>
-          <p:nvPr>
-            <p:ph type="ftr" sz="quarter" idx="11"/>
-          </p:nvPr>
-        </p:nvSpPr>
-        <p:spPr>
-          <a:xfrm>
-            <a:off x="10680700" y="9621838"/>
-            <a:ext cx="6172200" cy="547687"/>
-          </a:xfrm>
-        </p:spPr>
-        <p:txBody>
-          <a:bodyPr/>
-          <a:lstStyle/>
-          <a:p>
-            <a:r>
-              <a:rPr kumimoji="1" lang="en-US" altLang="ja-JP"/>
-              <a:t>©︎Takato Matsumoto, 2019</a:t>
-            </a:r>
-            <a:endParaRPr kumimoji="1" lang="ja-JP" altLang="en-US" dirty="0"/>
-          </a:p>
-        </p:txBody>
-      </p:sp>
-    </p:spTree>
-    <p:extLst>
-      <p:ext uri="{BB962C8B-B14F-4D97-AF65-F5344CB8AC3E}">
-        <p14:creationId xmlns:p14="http://schemas.microsoft.com/office/powerpoint/2010/main" val="2319688770"/>
       </p:ext>
     </p:extLst>
   </p:cSld>
@@ -15227,36 +15720,6 @@
       </p:sp>
       <p:sp>
         <p:nvSpPr>
-          <p:cNvPr id="4" name="Slide Number Placeholder 3">
-            <a:extLst>
-              <a:ext uri="{FF2B5EF4-FFF2-40B4-BE49-F238E27FC236}">
-                <a16:creationId xmlns:a16="http://schemas.microsoft.com/office/drawing/2014/main" id="{245B8BF2-989B-F944-AA36-2C3B20207F75}"/>
-              </a:ext>
-            </a:extLst>
-          </p:cNvPr>
-          <p:cNvSpPr>
-            <a:spLocks noGrp="1"/>
-          </p:cNvSpPr>
-          <p:nvPr>
-            <p:ph type="sldNum" sz="quarter" idx="10"/>
-          </p:nvPr>
-        </p:nvSpPr>
-        <p:spPr/>
-        <p:txBody>
-          <a:bodyPr/>
-          <a:lstStyle/>
-          <a:p>
-            <a:fld id="{D28C7C6D-0F52-4FBA-8358-35C6083C2133}" type="slidenum">
-              <a:rPr kumimoji="1" lang="ja-JP" altLang="en-US" smtClean="0"/>
-              <a:pPr/>
-              <a:t>2</a:t>
-            </a:fld>
-            <a:endParaRPr kumimoji="1" lang="ja-JP" altLang="en-US"/>
-          </a:p>
-        </p:txBody>
-      </p:sp>
-      <p:sp>
-        <p:nvSpPr>
           <p:cNvPr id="8" name="Footer Placeholder 7">
             <a:extLst>
               <a:ext uri="{FF2B5EF4-FFF2-40B4-BE49-F238E27FC236}">
@@ -15278,9 +15741,39 @@
           <a:p>
             <a:r>
               <a:rPr kumimoji="1" lang="en-US" altLang="ja-JP"/>
-              <a:t>©︎Takato Matsumoto, 2019</a:t>
+              <a:t>@Takato Matsumoto, 2020</a:t>
             </a:r>
             <a:endParaRPr kumimoji="1" lang="ja-JP" altLang="en-US" dirty="0"/>
+          </a:p>
+        </p:txBody>
+      </p:sp>
+      <p:sp>
+        <p:nvSpPr>
+          <p:cNvPr id="2" name="Slide Number Placeholder 1">
+            <a:extLst>
+              <a:ext uri="{FF2B5EF4-FFF2-40B4-BE49-F238E27FC236}">
+                <a16:creationId xmlns:a16="http://schemas.microsoft.com/office/drawing/2014/main" id="{65E3A996-F934-724A-A98F-08CE1253DD26}"/>
+              </a:ext>
+            </a:extLst>
+          </p:cNvPr>
+          <p:cNvSpPr>
+            <a:spLocks noGrp="1"/>
+          </p:cNvSpPr>
+          <p:nvPr>
+            <p:ph type="sldNum" sz="quarter" idx="10"/>
+          </p:nvPr>
+        </p:nvSpPr>
+        <p:spPr/>
+        <p:txBody>
+          <a:bodyPr/>
+          <a:lstStyle/>
+          <a:p>
+            <a:fld id="{D28C7C6D-0F52-4FBA-8358-35C6083C2133}" type="slidenum">
+              <a:rPr kumimoji="1" lang="ja-JP" altLang="en-US" smtClean="0"/>
+              <a:pPr/>
+              <a:t>2</a:t>
+            </a:fld>
+            <a:endParaRPr kumimoji="1" lang="ja-JP" altLang="en-US"/>
           </a:p>
         </p:txBody>
       </p:sp>
@@ -15393,36 +15886,6 @@
       </p:sp>
       <p:sp>
         <p:nvSpPr>
-          <p:cNvPr id="4" name="Slide Number Placeholder 3">
-            <a:extLst>
-              <a:ext uri="{FF2B5EF4-FFF2-40B4-BE49-F238E27FC236}">
-                <a16:creationId xmlns:a16="http://schemas.microsoft.com/office/drawing/2014/main" id="{245B8BF2-989B-F944-AA36-2C3B20207F75}"/>
-              </a:ext>
-            </a:extLst>
-          </p:cNvPr>
-          <p:cNvSpPr>
-            <a:spLocks noGrp="1"/>
-          </p:cNvSpPr>
-          <p:nvPr>
-            <p:ph type="sldNum" sz="quarter" idx="10"/>
-          </p:nvPr>
-        </p:nvSpPr>
-        <p:spPr/>
-        <p:txBody>
-          <a:bodyPr/>
-          <a:lstStyle/>
-          <a:p>
-            <a:fld id="{D28C7C6D-0F52-4FBA-8358-35C6083C2133}" type="slidenum">
-              <a:rPr kumimoji="1" lang="ja-JP" altLang="en-US" smtClean="0"/>
-              <a:pPr/>
-              <a:t>3</a:t>
-            </a:fld>
-            <a:endParaRPr kumimoji="1" lang="ja-JP" altLang="en-US"/>
-          </a:p>
-        </p:txBody>
-      </p:sp>
-      <p:sp>
-        <p:nvSpPr>
           <p:cNvPr id="8" name="Footer Placeholder 7">
             <a:extLst>
               <a:ext uri="{FF2B5EF4-FFF2-40B4-BE49-F238E27FC236}">
@@ -15444,9 +15907,39 @@
           <a:p>
             <a:r>
               <a:rPr kumimoji="1" lang="en-US" altLang="ja-JP"/>
-              <a:t>©︎Takato Matsumoto, 2019</a:t>
+              <a:t>@Takato Matsumoto, 2020</a:t>
             </a:r>
             <a:endParaRPr kumimoji="1" lang="ja-JP" altLang="en-US" dirty="0"/>
+          </a:p>
+        </p:txBody>
+      </p:sp>
+      <p:sp>
+        <p:nvSpPr>
+          <p:cNvPr id="2" name="Slide Number Placeholder 1">
+            <a:extLst>
+              <a:ext uri="{FF2B5EF4-FFF2-40B4-BE49-F238E27FC236}">
+                <a16:creationId xmlns:a16="http://schemas.microsoft.com/office/drawing/2014/main" id="{89D7886D-A6F5-A042-BEAC-83013CDE2EFF}"/>
+              </a:ext>
+            </a:extLst>
+          </p:cNvPr>
+          <p:cNvSpPr>
+            <a:spLocks noGrp="1"/>
+          </p:cNvSpPr>
+          <p:nvPr>
+            <p:ph type="sldNum" sz="quarter" idx="10"/>
+          </p:nvPr>
+        </p:nvSpPr>
+        <p:spPr/>
+        <p:txBody>
+          <a:bodyPr/>
+          <a:lstStyle/>
+          <a:p>
+            <a:fld id="{D28C7C6D-0F52-4FBA-8358-35C6083C2133}" type="slidenum">
+              <a:rPr kumimoji="1" lang="ja-JP" altLang="en-US" smtClean="0"/>
+              <a:pPr/>
+              <a:t>3</a:t>
+            </a:fld>
+            <a:endParaRPr kumimoji="1" lang="ja-JP" altLang="en-US"/>
           </a:p>
         </p:txBody>
       </p:sp>
@@ -15557,74 +16050,10 @@
               <a:rPr lang="ja-JP" altLang="en-US" sz="3200"/>
               <a:t>どんな要素が物件価格に影響を与えているのかを分析する</a:t>
             </a:r>
-            <a:endParaRPr lang="en-US" altLang="ja-JP" sz="3200" dirty="0"/>
-          </a:p>
-          <a:p>
-            <a:r>
-              <a:rPr lang="en-US" altLang="ja-JP" sz="4400" dirty="0"/>
-              <a:t>Google </a:t>
-            </a:r>
-            <a:r>
-              <a:rPr lang="en-US" altLang="ja-JP" sz="4400" dirty="0" err="1"/>
-              <a:t>Colaboratory</a:t>
-            </a:r>
-            <a:r>
-              <a:rPr lang="ja-JP" altLang="en-US" sz="4400"/>
-              <a:t>を使います</a:t>
-            </a:r>
-            <a:endParaRPr lang="en-US" altLang="ja-JP" sz="4400" dirty="0"/>
-          </a:p>
-          <a:p>
-            <a:pPr lvl="1"/>
-            <a:r>
-              <a:rPr lang="en-US" altLang="ja-JP" sz="3600" dirty="0" err="1"/>
-              <a:t>eda.ipynb</a:t>
-            </a:r>
-            <a:r>
-              <a:rPr lang="ja-JP" altLang="en-US" sz="3600"/>
-              <a:t>を</a:t>
-            </a:r>
-            <a:r>
-              <a:rPr lang="ja" altLang="en-US" sz="3600" dirty="0"/>
-              <a:t>開いてください</a:t>
-            </a:r>
-            <a:endParaRPr lang="en-US" altLang="ja-JP" sz="3600" dirty="0"/>
-          </a:p>
-          <a:p>
             <a:endParaRPr lang="en-US" altLang="ja-JP" dirty="0"/>
           </a:p>
           <a:p>
             <a:endParaRPr lang="en-US" altLang="ja-JP" sz="4000" dirty="0"/>
-          </a:p>
-        </p:txBody>
-      </p:sp>
-      <p:sp>
-        <p:nvSpPr>
-          <p:cNvPr id="13" name="Slide Number Placeholder 12">
-            <a:extLst>
-              <a:ext uri="{FF2B5EF4-FFF2-40B4-BE49-F238E27FC236}">
-                <a16:creationId xmlns:a16="http://schemas.microsoft.com/office/drawing/2014/main" id="{ACBC7515-E64F-8F4C-B7BA-458E3BC7E0CA}"/>
-              </a:ext>
-            </a:extLst>
-          </p:cNvPr>
-          <p:cNvSpPr>
-            <a:spLocks noGrp="1"/>
-          </p:cNvSpPr>
-          <p:nvPr>
-            <p:ph type="sldNum" sz="quarter" idx="10"/>
-          </p:nvPr>
-        </p:nvSpPr>
-        <p:spPr/>
-        <p:txBody>
-          <a:bodyPr/>
-          <a:lstStyle/>
-          <a:p>
-            <a:fld id="{D28C7C6D-0F52-4FBA-8358-35C6083C2133}" type="slidenum">
-              <a:rPr kumimoji="1" lang="ja-JP" altLang="en-US" smtClean="0"/>
-              <a:pPr/>
-              <a:t>4</a:t>
-            </a:fld>
-            <a:endParaRPr kumimoji="1" lang="ja-JP" altLang="en-US"/>
           </a:p>
         </p:txBody>
       </p:sp>
@@ -15656,9 +16085,39 @@
           <a:p>
             <a:r>
               <a:rPr kumimoji="1" lang="en-US" altLang="ja-JP"/>
-              <a:t>©︎Takato Matsumoto, 2019</a:t>
+              <a:t>@Takato Matsumoto, 2020</a:t>
             </a:r>
             <a:endParaRPr kumimoji="1" lang="ja-JP" altLang="en-US" dirty="0"/>
+          </a:p>
+        </p:txBody>
+      </p:sp>
+      <p:sp>
+        <p:nvSpPr>
+          <p:cNvPr id="2" name="Slide Number Placeholder 1">
+            <a:extLst>
+              <a:ext uri="{FF2B5EF4-FFF2-40B4-BE49-F238E27FC236}">
+                <a16:creationId xmlns:a16="http://schemas.microsoft.com/office/drawing/2014/main" id="{F81FF86D-662C-5E48-AE79-8D154551FEB5}"/>
+              </a:ext>
+            </a:extLst>
+          </p:cNvPr>
+          <p:cNvSpPr>
+            <a:spLocks noGrp="1"/>
+          </p:cNvSpPr>
+          <p:nvPr>
+            <p:ph type="sldNum" sz="quarter" idx="10"/>
+          </p:nvPr>
+        </p:nvSpPr>
+        <p:spPr/>
+        <p:txBody>
+          <a:bodyPr/>
+          <a:lstStyle/>
+          <a:p>
+            <a:fld id="{D28C7C6D-0F52-4FBA-8358-35C6083C2133}" type="slidenum">
+              <a:rPr kumimoji="1" lang="ja-JP" altLang="en-US" smtClean="0"/>
+              <a:pPr/>
+              <a:t>4</a:t>
+            </a:fld>
+            <a:endParaRPr kumimoji="1" lang="ja-JP" altLang="en-US"/>
           </a:p>
         </p:txBody>
       </p:sp>
@@ -15694,7 +16153,7 @@
       </p:grpSpPr>
       <p:sp>
         <p:nvSpPr>
-          <p:cNvPr id="5" name="タイトル 4"/>
+          <p:cNvPr id="9" name="タイトル 8"/>
           <p:cNvSpPr>
             <a:spLocks noGrp="1"/>
           </p:cNvSpPr>
@@ -15710,15 +16169,22 @@
           <a:lstStyle/>
           <a:p>
             <a:r>
-              <a:rPr kumimoji="1" lang="ja-JP" altLang="en-US" sz="6600" dirty="0"/>
-              <a:t>コンテンツ</a:t>
-            </a:r>
-          </a:p>
-        </p:txBody>
-      </p:sp>
-      <p:sp>
-        <p:nvSpPr>
-          <p:cNvPr id="6" name="テキスト プレースホルダー 5"/>
+              <a:rPr lang="ja-JP" altLang="en-US"/>
+              <a:t>不動産データの分析</a:t>
+            </a:r>
+            <a:endParaRPr kumimoji="1" lang="ja-JP" altLang="en-US" dirty="0"/>
+          </a:p>
+        </p:txBody>
+      </p:sp>
+      <p:sp>
+        <p:nvSpPr>
+          <p:cNvPr id="15" name="テキスト プレースホルダー 9">
+            <a:extLst>
+              <a:ext uri="{FF2B5EF4-FFF2-40B4-BE49-F238E27FC236}">
+                <a16:creationId xmlns:a16="http://schemas.microsoft.com/office/drawing/2014/main" id="{98F5EB82-97F4-BE48-8A01-5935D01BB0CD}"/>
+              </a:ext>
+            </a:extLst>
+          </p:cNvPr>
           <p:cNvSpPr>
             <a:spLocks noGrp="1"/>
           </p:cNvSpPr>
@@ -15728,8 +16194,8 @@
         </p:nvSpPr>
         <p:spPr>
           <a:xfrm>
-            <a:off x="7709647" y="1783556"/>
-            <a:ext cx="10578353" cy="6718300"/>
+            <a:off x="1568824" y="1226802"/>
+            <a:ext cx="15284076" cy="4752232"/>
           </a:xfrm>
         </p:spPr>
         <p:txBody>
@@ -15739,38 +16205,126 @@
           <a:lstStyle/>
           <a:p>
             <a:r>
-              <a:rPr lang="ja" altLang="en-US" sz="4200" dirty="0"/>
-              <a:t>不動産データ</a:t>
-            </a:r>
-            <a:r>
-              <a:rPr lang="ja-JP" altLang="en-US" sz="4200"/>
-              <a:t>の分析</a:t>
-            </a:r>
-            <a:endParaRPr lang="en-US" altLang="ja" sz="4200" dirty="0"/>
-          </a:p>
-          <a:p>
-            <a:r>
-              <a:rPr lang="ja-JP" altLang="en-US" sz="4200">
-                <a:solidFill>
-                  <a:schemeClr val="accent1"/>
-                </a:solidFill>
-              </a:rPr>
-              <a:t>不動産価格の予測</a:t>
-            </a:r>
-            <a:endParaRPr lang="en-US" altLang="ja-JP" sz="4200" dirty="0">
-              <a:solidFill>
-                <a:schemeClr val="accent1"/>
-              </a:solidFill>
-            </a:endParaRPr>
-          </a:p>
-        </p:txBody>
-      </p:sp>
-      <p:sp>
-        <p:nvSpPr>
-          <p:cNvPr id="4" name="Slide Number Placeholder 3">
+              <a:rPr lang="en-US" altLang="ja-JP" sz="4400" dirty="0"/>
+              <a:t>Google </a:t>
+            </a:r>
+            <a:r>
+              <a:rPr lang="en-US" altLang="ja-JP" sz="4400" dirty="0" err="1"/>
+              <a:t>Colaboratory</a:t>
+            </a:r>
+            <a:r>
+              <a:rPr lang="ja-JP" altLang="en-US" sz="4400"/>
+              <a:t>を使います</a:t>
+            </a:r>
+            <a:endParaRPr lang="en-US" altLang="ja-JP" sz="4400" dirty="0"/>
+          </a:p>
+          <a:p>
+            <a:pPr lvl="1"/>
+            <a:r>
+              <a:rPr lang="en-US" altLang="ja-JP" sz="3600" dirty="0" err="1"/>
+              <a:t>data_policy_studies</a:t>
+            </a:r>
+            <a:r>
+              <a:rPr lang="en-US" altLang="ja-JP" sz="3600" dirty="0"/>
+              <a:t>/chapter_1/notebook/</a:t>
+            </a:r>
+            <a:r>
+              <a:rPr lang="en-US" altLang="ja-JP" sz="3600" dirty="0" err="1"/>
+              <a:t>eda.ipynb</a:t>
+            </a:r>
+            <a:r>
+              <a:rPr lang="ja-JP" altLang="en-US" sz="3600"/>
+              <a:t>を</a:t>
+            </a:r>
+            <a:r>
+              <a:rPr lang="ja" altLang="en-US" sz="3600" dirty="0"/>
+              <a:t>開いてください</a:t>
+            </a:r>
+            <a:endParaRPr lang="en-US" altLang="ja-JP" sz="3600" dirty="0"/>
+          </a:p>
+          <a:p>
+            <a:endParaRPr lang="en-US" altLang="ja-JP" dirty="0"/>
+          </a:p>
+          <a:p>
+            <a:endParaRPr lang="en-US" altLang="ja-JP" sz="4000" dirty="0"/>
+          </a:p>
+        </p:txBody>
+      </p:sp>
+      <p:sp>
+        <p:nvSpPr>
+          <p:cNvPr id="14" name="Footer Placeholder 13">
             <a:extLst>
               <a:ext uri="{FF2B5EF4-FFF2-40B4-BE49-F238E27FC236}">
-                <a16:creationId xmlns:a16="http://schemas.microsoft.com/office/drawing/2014/main" id="{245B8BF2-989B-F944-AA36-2C3B20207F75}"/>
+                <a16:creationId xmlns:a16="http://schemas.microsoft.com/office/drawing/2014/main" id="{6848FA93-3DF9-3B45-9537-C5287D7DA562}"/>
+              </a:ext>
+            </a:extLst>
+          </p:cNvPr>
+          <p:cNvSpPr>
+            <a:spLocks noGrp="1"/>
+          </p:cNvSpPr>
+          <p:nvPr>
+            <p:ph type="ftr" sz="quarter" idx="11"/>
+          </p:nvPr>
+        </p:nvSpPr>
+        <p:spPr>
+          <a:xfrm>
+            <a:off x="10680700" y="9621838"/>
+            <a:ext cx="6172200" cy="547687"/>
+          </a:xfrm>
+        </p:spPr>
+        <p:txBody>
+          <a:bodyPr/>
+          <a:lstStyle/>
+          <a:p>
+            <a:r>
+              <a:rPr kumimoji="1" lang="en-US" altLang="ja-JP"/>
+              <a:t>@Takato Matsumoto, 2020</a:t>
+            </a:r>
+            <a:endParaRPr kumimoji="1" lang="ja-JP" altLang="en-US" dirty="0"/>
+          </a:p>
+        </p:txBody>
+      </p:sp>
+      <p:pic>
+        <p:nvPicPr>
+          <p:cNvPr id="6" name="Picture 5" descr="A screenshot of a computer screen&#10;&#10;Description automatically generated">
+            <a:extLst>
+              <a:ext uri="{FF2B5EF4-FFF2-40B4-BE49-F238E27FC236}">
+                <a16:creationId xmlns:a16="http://schemas.microsoft.com/office/drawing/2014/main" id="{BA48B34B-5267-A94C-A10F-0CCBD388E489}"/>
+              </a:ext>
+            </a:extLst>
+          </p:cNvPr>
+          <p:cNvPicPr>
+            <a:picLocks noChangeAspect="1"/>
+          </p:cNvPicPr>
+          <p:nvPr/>
+        </p:nvPicPr>
+        <p:blipFill rotWithShape="1">
+          <a:blip r:embed="rId2">
+            <a:extLst>
+              <a:ext uri="{28A0092B-C50C-407E-A947-70E740481C1C}">
+                <a14:useLocalDpi xmlns:a14="http://schemas.microsoft.com/office/drawing/2010/main" val="0"/>
+              </a:ext>
+            </a:extLst>
+          </a:blip>
+          <a:srcRect l="20704" t="14597" r="11705" b="39334"/>
+          <a:stretch/>
+        </p:blipFill>
+        <p:spPr>
+          <a:xfrm>
+            <a:off x="2854617" y="3822770"/>
+            <a:ext cx="12117629" cy="5702347"/>
+          </a:xfrm>
+          <a:prstGeom prst="rect">
+            <a:avLst/>
+          </a:prstGeom>
+        </p:spPr>
+      </p:pic>
+      <p:sp>
+        <p:nvSpPr>
+          <p:cNvPr id="2" name="Slide Number Placeholder 1">
+            <a:extLst>
+              <a:ext uri="{FF2B5EF4-FFF2-40B4-BE49-F238E27FC236}">
+                <a16:creationId xmlns:a16="http://schemas.microsoft.com/office/drawing/2014/main" id="{FA3DD63C-A0DD-8141-B6B1-A856A98F8287}"/>
               </a:ext>
             </a:extLst>
           </p:cNvPr>
@@ -15795,39 +16349,10 @@
           </a:p>
         </p:txBody>
       </p:sp>
-      <p:sp>
-        <p:nvSpPr>
-          <p:cNvPr id="8" name="Footer Placeholder 7">
-            <a:extLst>
-              <a:ext uri="{FF2B5EF4-FFF2-40B4-BE49-F238E27FC236}">
-                <a16:creationId xmlns:a16="http://schemas.microsoft.com/office/drawing/2014/main" id="{8F4850EF-3532-CD49-B997-A17BAB434D51}"/>
-              </a:ext>
-            </a:extLst>
-          </p:cNvPr>
-          <p:cNvSpPr>
-            <a:spLocks noGrp="1"/>
-          </p:cNvSpPr>
-          <p:nvPr>
-            <p:ph type="ftr" sz="quarter" idx="11"/>
-          </p:nvPr>
-        </p:nvSpPr>
-        <p:spPr/>
-        <p:txBody>
-          <a:bodyPr/>
-          <a:lstStyle/>
-          <a:p>
-            <a:r>
-              <a:rPr kumimoji="1" lang="en-US" altLang="ja-JP"/>
-              <a:t>©︎Takato Matsumoto, 2019</a:t>
-            </a:r>
-            <a:endParaRPr kumimoji="1" lang="ja-JP" altLang="en-US" dirty="0"/>
-          </a:p>
-        </p:txBody>
-      </p:sp>
     </p:spTree>
     <p:extLst>
       <p:ext uri="{BB962C8B-B14F-4D97-AF65-F5344CB8AC3E}">
-        <p14:creationId xmlns:p14="http://schemas.microsoft.com/office/powerpoint/2010/main" val="3940860608"/>
+        <p14:creationId xmlns:p14="http://schemas.microsoft.com/office/powerpoint/2010/main" val="888811420"/>
       </p:ext>
     </p:extLst>
   </p:cSld>
@@ -15856,7 +16381,7 @@
       </p:grpSpPr>
       <p:sp>
         <p:nvSpPr>
-          <p:cNvPr id="9" name="タイトル 8"/>
+          <p:cNvPr id="5" name="タイトル 4"/>
           <p:cNvSpPr>
             <a:spLocks noGrp="1"/>
           </p:cNvSpPr>
@@ -15872,34 +16397,15 @@
           <a:lstStyle/>
           <a:p>
             <a:r>
-              <a:rPr lang="ja-JP" altLang="en-US"/>
-              <a:t>不動産価格の予測</a:t>
-            </a:r>
-            <a:r>
-              <a:rPr lang="en-US" altLang="ja-JP" dirty="0"/>
-              <a:t> | </a:t>
-            </a:r>
-            <a:r>
-              <a:rPr lang="ja" altLang="en-US" dirty="0"/>
-              <a:t>線形回帰モデルの</a:t>
-            </a:r>
-            <a:r>
-              <a:rPr lang="ja-JP" altLang="en-US"/>
-              <a:t>作成</a:t>
-            </a:r>
-            <a:endParaRPr kumimoji="1" lang="ja-JP" altLang="en-US" dirty="0"/>
-          </a:p>
-        </p:txBody>
-      </p:sp>
-      <p:sp>
-        <p:nvSpPr>
-          <p:cNvPr id="15" name="テキスト プレースホルダー 9">
-            <a:extLst>
-              <a:ext uri="{FF2B5EF4-FFF2-40B4-BE49-F238E27FC236}">
-                <a16:creationId xmlns:a16="http://schemas.microsoft.com/office/drawing/2014/main" id="{98F5EB82-97F4-BE48-8A01-5935D01BB0CD}"/>
-              </a:ext>
-            </a:extLst>
-          </p:cNvPr>
+              <a:rPr kumimoji="1" lang="ja-JP" altLang="en-US" sz="6600" dirty="0"/>
+              <a:t>コンテンツ</a:t>
+            </a:r>
+          </a:p>
+        </p:txBody>
+      </p:sp>
+      <p:sp>
+        <p:nvSpPr>
+          <p:cNvPr id="6" name="テキスト プレースホルダー 5"/>
           <p:cNvSpPr>
             <a:spLocks noGrp="1"/>
           </p:cNvSpPr>
@@ -15909,8 +16415,8 @@
         </p:nvSpPr>
         <p:spPr>
           <a:xfrm>
-            <a:off x="2127624" y="2766590"/>
-            <a:ext cx="15284076" cy="4752232"/>
+            <a:off x="7709647" y="1783556"/>
+            <a:ext cx="10578353" cy="6718300"/>
           </a:xfrm>
         </p:spPr>
         <p:txBody>
@@ -15920,41 +16426,67 @@
           <a:lstStyle/>
           <a:p>
             <a:r>
-              <a:rPr lang="ja-JP" altLang="en-US" sz="4000"/>
-              <a:t>不動産価格を予測するために線形回帰モデルを作成します</a:t>
-            </a:r>
-            <a:endParaRPr lang="en-US" altLang="ja-JP" sz="4000" dirty="0"/>
-          </a:p>
-          <a:p>
-            <a:r>
-              <a:rPr lang="ja-JP" altLang="en-US" sz="4000"/>
-              <a:t>価格が分かっていない不動産の情報（立地や広さなど）を</a:t>
-            </a:r>
-            <a:br>
-              <a:rPr lang="en-US" altLang="ja-JP" sz="4000" dirty="0"/>
-            </a:br>
-            <a:r>
-              <a:rPr lang="ja-JP" altLang="en-US" sz="4000"/>
-              <a:t>モデルに当てはめると、価格を</a:t>
-            </a:r>
-            <a:r>
-              <a:rPr lang="ja-JP" altLang="en-JP" sz="4000"/>
-              <a:t>予測</a:t>
-            </a:r>
-            <a:r>
-              <a:rPr lang="ja-JP" altLang="en-US" sz="4000"/>
-              <a:t>することができます</a:t>
-            </a:r>
-            <a:endParaRPr lang="en-US" altLang="ja-JP" sz="4000" dirty="0"/>
-          </a:p>
-        </p:txBody>
-      </p:sp>
-      <p:sp>
-        <p:nvSpPr>
-          <p:cNvPr id="13" name="Slide Number Placeholder 12">
+              <a:rPr lang="ja" altLang="en-US" sz="4200" dirty="0"/>
+              <a:t>不動産データ</a:t>
+            </a:r>
+            <a:r>
+              <a:rPr lang="ja-JP" altLang="en-US" sz="4200"/>
+              <a:t>の分析</a:t>
+            </a:r>
+            <a:endParaRPr lang="en-US" altLang="ja" sz="4200" dirty="0"/>
+          </a:p>
+          <a:p>
+            <a:r>
+              <a:rPr lang="ja-JP" altLang="en-US" sz="4200">
+                <a:solidFill>
+                  <a:schemeClr val="accent1"/>
+                </a:solidFill>
+              </a:rPr>
+              <a:t>不動産価格の予測</a:t>
+            </a:r>
+            <a:endParaRPr lang="en-US" altLang="ja-JP" sz="4200" dirty="0">
+              <a:solidFill>
+                <a:schemeClr val="accent1"/>
+              </a:solidFill>
+            </a:endParaRPr>
+          </a:p>
+        </p:txBody>
+      </p:sp>
+      <p:sp>
+        <p:nvSpPr>
+          <p:cNvPr id="8" name="Footer Placeholder 7">
             <a:extLst>
               <a:ext uri="{FF2B5EF4-FFF2-40B4-BE49-F238E27FC236}">
-                <a16:creationId xmlns:a16="http://schemas.microsoft.com/office/drawing/2014/main" id="{ACBC7515-E64F-8F4C-B7BA-458E3BC7E0CA}"/>
+                <a16:creationId xmlns:a16="http://schemas.microsoft.com/office/drawing/2014/main" id="{8F4850EF-3532-CD49-B997-A17BAB434D51}"/>
+              </a:ext>
+            </a:extLst>
+          </p:cNvPr>
+          <p:cNvSpPr>
+            <a:spLocks noGrp="1"/>
+          </p:cNvSpPr>
+          <p:nvPr>
+            <p:ph type="ftr" sz="quarter" idx="11"/>
+          </p:nvPr>
+        </p:nvSpPr>
+        <p:spPr/>
+        <p:txBody>
+          <a:bodyPr/>
+          <a:lstStyle/>
+          <a:p>
+            <a:r>
+              <a:rPr kumimoji="1" lang="en-US" altLang="ja-JP"/>
+              <a:t>@Takato Matsumoto, 2020</a:t>
+            </a:r>
+            <a:endParaRPr kumimoji="1" lang="ja-JP" altLang="en-US" dirty="0"/>
+          </a:p>
+        </p:txBody>
+      </p:sp>
+      <p:sp>
+        <p:nvSpPr>
+          <p:cNvPr id="2" name="Slide Number Placeholder 1">
+            <a:extLst>
+              <a:ext uri="{FF2B5EF4-FFF2-40B4-BE49-F238E27FC236}">
+                <a16:creationId xmlns:a16="http://schemas.microsoft.com/office/drawing/2014/main" id="{54EC3671-703A-1E4B-A5B2-79C4F4FCF810}"/>
               </a:ext>
             </a:extLst>
           </p:cNvPr>
@@ -15979,44 +16511,10 @@
           </a:p>
         </p:txBody>
       </p:sp>
-      <p:sp>
-        <p:nvSpPr>
-          <p:cNvPr id="14" name="Footer Placeholder 13">
-            <a:extLst>
-              <a:ext uri="{FF2B5EF4-FFF2-40B4-BE49-F238E27FC236}">
-                <a16:creationId xmlns:a16="http://schemas.microsoft.com/office/drawing/2014/main" id="{6848FA93-3DF9-3B45-9537-C5287D7DA562}"/>
-              </a:ext>
-            </a:extLst>
-          </p:cNvPr>
-          <p:cNvSpPr>
-            <a:spLocks noGrp="1"/>
-          </p:cNvSpPr>
-          <p:nvPr>
-            <p:ph type="ftr" sz="quarter" idx="11"/>
-          </p:nvPr>
-        </p:nvSpPr>
-        <p:spPr>
-          <a:xfrm>
-            <a:off x="10680700" y="9621838"/>
-            <a:ext cx="6172200" cy="547687"/>
-          </a:xfrm>
-        </p:spPr>
-        <p:txBody>
-          <a:bodyPr/>
-          <a:lstStyle/>
-          <a:p>
-            <a:r>
-              <a:rPr kumimoji="1" lang="en-US" altLang="ja-JP"/>
-              <a:t>©︎Takato Matsumoto, 2019</a:t>
-            </a:r>
-            <a:endParaRPr kumimoji="1" lang="ja-JP" altLang="en-US" dirty="0"/>
-          </a:p>
-        </p:txBody>
-      </p:sp>
     </p:spTree>
     <p:extLst>
       <p:ext uri="{BB962C8B-B14F-4D97-AF65-F5344CB8AC3E}">
-        <p14:creationId xmlns:p14="http://schemas.microsoft.com/office/powerpoint/2010/main" val="2431007029"/>
+        <p14:creationId xmlns:p14="http://schemas.microsoft.com/office/powerpoint/2010/main" val="3940860608"/>
       </p:ext>
     </p:extLst>
   </p:cSld>
@@ -16069,8 +16567,12 @@
               <a:t> | </a:t>
             </a:r>
             <a:r>
+              <a:rPr lang="ja" altLang="en-US" dirty="0"/>
+              <a:t>線形回帰モデルの</a:t>
+            </a:r>
+            <a:r>
               <a:rPr lang="ja-JP" altLang="en-US"/>
-              <a:t>データの用意</a:t>
+              <a:t>作成</a:t>
             </a:r>
             <a:endParaRPr kumimoji="1" lang="ja-JP" altLang="en-US" dirty="0"/>
           </a:p>
@@ -16094,8 +16596,8 @@
         </p:nvSpPr>
         <p:spPr>
           <a:xfrm>
-            <a:off x="2691729" y="1786744"/>
-            <a:ext cx="16687800" cy="4752232"/>
+            <a:off x="2127624" y="2766590"/>
+            <a:ext cx="15284076" cy="4752232"/>
           </a:xfrm>
         </p:spPr>
         <p:txBody>
@@ -16105,58 +16607,32 @@
           <a:lstStyle/>
           <a:p>
             <a:r>
-              <a:rPr lang="en-US" altLang="ja-JP" sz="4000" dirty="0"/>
-              <a:t>Training data</a:t>
-            </a:r>
-            <a:r>
               <a:rPr lang="ja-JP" altLang="en-US" sz="4000"/>
-              <a:t>を使って回帰モデルを作ることで</a:t>
+              <a:t>不動産価格を予測するために線形回帰モデルを作成します</a:t>
+            </a:r>
+            <a:endParaRPr lang="en-US" altLang="ja-JP" sz="4000" dirty="0"/>
+          </a:p>
+          <a:p>
+            <a:r>
+              <a:rPr lang="ja-JP" altLang="en-US" sz="4000"/>
+              <a:t>価格が分かっていない不動産の情報（立地や広さなど）を</a:t>
             </a:r>
             <a:br>
               <a:rPr lang="en-US" altLang="ja-JP" sz="4000" dirty="0"/>
             </a:br>
             <a:r>
-              <a:rPr lang="en-US" altLang="ja-JP" sz="4000" dirty="0"/>
-              <a:t>Test data</a:t>
-            </a:r>
-            <a:r>
               <a:rPr lang="ja-JP" altLang="en-US" sz="4000"/>
-              <a:t>の物件価格の予測ができます</a:t>
-            </a:r>
-            <a:endParaRPr lang="en-US" altLang="ja-JP" dirty="0"/>
-          </a:p>
-          <a:p>
+              <a:t>モデルに当てはめると、価格を</a:t>
+            </a:r>
+            <a:r>
+              <a:rPr lang="ja-JP" altLang="en-JP" sz="4000"/>
+              <a:t>予測</a:t>
+            </a:r>
+            <a:r>
+              <a:rPr lang="ja-JP" altLang="en-US" sz="4000"/>
+              <a:t>することができます</a:t>
+            </a:r>
             <a:endParaRPr lang="en-US" altLang="ja-JP" sz="4000" dirty="0"/>
-          </a:p>
-        </p:txBody>
-      </p:sp>
-      <p:sp>
-        <p:nvSpPr>
-          <p:cNvPr id="13" name="Slide Number Placeholder 12">
-            <a:extLst>
-              <a:ext uri="{FF2B5EF4-FFF2-40B4-BE49-F238E27FC236}">
-                <a16:creationId xmlns:a16="http://schemas.microsoft.com/office/drawing/2014/main" id="{ACBC7515-E64F-8F4C-B7BA-458E3BC7E0CA}"/>
-              </a:ext>
-            </a:extLst>
-          </p:cNvPr>
-          <p:cNvSpPr>
-            <a:spLocks noGrp="1"/>
-          </p:cNvSpPr>
-          <p:nvPr>
-            <p:ph type="sldNum" sz="quarter" idx="10"/>
-          </p:nvPr>
-        </p:nvSpPr>
-        <p:spPr/>
-        <p:txBody>
-          <a:bodyPr/>
-          <a:lstStyle/>
-          <a:p>
-            <a:fld id="{D28C7C6D-0F52-4FBA-8358-35C6083C2133}" type="slidenum">
-              <a:rPr kumimoji="1" lang="ja-JP" altLang="en-US" smtClean="0"/>
-              <a:pPr/>
-              <a:t>7</a:t>
-            </a:fld>
-            <a:endParaRPr kumimoji="1" lang="ja-JP" altLang="en-US"/>
           </a:p>
         </p:txBody>
       </p:sp>
@@ -16188,7 +16664,211 @@
           <a:p>
             <a:r>
               <a:rPr kumimoji="1" lang="en-US" altLang="ja-JP"/>
-              <a:t>©︎Takato Matsumoto, 2019</a:t>
+              <a:t>@Takato Matsumoto, 2020</a:t>
+            </a:r>
+            <a:endParaRPr kumimoji="1" lang="ja-JP" altLang="en-US" dirty="0"/>
+          </a:p>
+        </p:txBody>
+      </p:sp>
+      <p:sp>
+        <p:nvSpPr>
+          <p:cNvPr id="2" name="Slide Number Placeholder 1">
+            <a:extLst>
+              <a:ext uri="{FF2B5EF4-FFF2-40B4-BE49-F238E27FC236}">
+                <a16:creationId xmlns:a16="http://schemas.microsoft.com/office/drawing/2014/main" id="{27F42008-D684-EE4B-871E-D7148C7D301D}"/>
+              </a:ext>
+            </a:extLst>
+          </p:cNvPr>
+          <p:cNvSpPr>
+            <a:spLocks noGrp="1"/>
+          </p:cNvSpPr>
+          <p:nvPr>
+            <p:ph type="sldNum" sz="quarter" idx="10"/>
+          </p:nvPr>
+        </p:nvSpPr>
+        <p:spPr/>
+        <p:txBody>
+          <a:bodyPr/>
+          <a:lstStyle/>
+          <a:p>
+            <a:fld id="{D28C7C6D-0F52-4FBA-8358-35C6083C2133}" type="slidenum">
+              <a:rPr kumimoji="1" lang="ja-JP" altLang="en-US" smtClean="0"/>
+              <a:pPr/>
+              <a:t>7</a:t>
+            </a:fld>
+            <a:endParaRPr kumimoji="1" lang="ja-JP" altLang="en-US"/>
+          </a:p>
+        </p:txBody>
+      </p:sp>
+    </p:spTree>
+    <p:extLst>
+      <p:ext uri="{BB962C8B-B14F-4D97-AF65-F5344CB8AC3E}">
+        <p14:creationId xmlns:p14="http://schemas.microsoft.com/office/powerpoint/2010/main" val="2431007029"/>
+      </p:ext>
+    </p:extLst>
+  </p:cSld>
+  <p:clrMapOvr>
+    <a:masterClrMapping/>
+  </p:clrMapOvr>
+</p:sld>
+</file>
+
+<file path=ppt/slides/slide8.xml><?xml version="1.0" encoding="utf-8"?>
+<p:sld xmlns:a="http://schemas.openxmlformats.org/drawingml/2006/main" xmlns:r="http://schemas.openxmlformats.org/officeDocument/2006/relationships" xmlns:p="http://schemas.openxmlformats.org/presentationml/2006/main">
+  <p:cSld>
+    <p:spTree>
+      <p:nvGrpSpPr>
+        <p:cNvPr id="1" name=""/>
+        <p:cNvGrpSpPr/>
+        <p:nvPr/>
+      </p:nvGrpSpPr>
+      <p:grpSpPr>
+        <a:xfrm>
+          <a:off x="0" y="0"/>
+          <a:ext cx="0" cy="0"/>
+          <a:chOff x="0" y="0"/>
+          <a:chExt cx="0" cy="0"/>
+        </a:xfrm>
+      </p:grpSpPr>
+      <p:sp>
+        <p:nvSpPr>
+          <p:cNvPr id="9" name="タイトル 8"/>
+          <p:cNvSpPr>
+            <a:spLocks noGrp="1"/>
+          </p:cNvSpPr>
+          <p:nvPr>
+            <p:ph type="title"/>
+          </p:nvPr>
+        </p:nvSpPr>
+        <p:spPr/>
+        <p:txBody>
+          <a:bodyPr>
+            <a:normAutofit/>
+          </a:bodyPr>
+          <a:lstStyle/>
+          <a:p>
+            <a:r>
+              <a:rPr lang="ja-JP" altLang="en-US"/>
+              <a:t>不動産価格の予測</a:t>
+            </a:r>
+            <a:r>
+              <a:rPr lang="en-US" altLang="ja-JP" dirty="0"/>
+              <a:t> | </a:t>
+            </a:r>
+            <a:r>
+              <a:rPr lang="ja-JP" altLang="en-US"/>
+              <a:t>データの用意</a:t>
+            </a:r>
+            <a:endParaRPr kumimoji="1" lang="ja-JP" altLang="en-US" dirty="0"/>
+          </a:p>
+        </p:txBody>
+      </p:sp>
+      <p:sp>
+        <p:nvSpPr>
+          <p:cNvPr id="15" name="テキスト プレースホルダー 9">
+            <a:extLst>
+              <a:ext uri="{FF2B5EF4-FFF2-40B4-BE49-F238E27FC236}">
+                <a16:creationId xmlns:a16="http://schemas.microsoft.com/office/drawing/2014/main" id="{98F5EB82-97F4-BE48-8A01-5935D01BB0CD}"/>
+              </a:ext>
+            </a:extLst>
+          </p:cNvPr>
+          <p:cNvSpPr>
+            <a:spLocks noGrp="1"/>
+          </p:cNvSpPr>
+          <p:nvPr>
+            <p:ph type="body" sz="quarter" idx="12"/>
+          </p:nvPr>
+        </p:nvSpPr>
+        <p:spPr>
+          <a:xfrm>
+            <a:off x="2676978" y="1668072"/>
+            <a:ext cx="17760043" cy="4752232"/>
+          </a:xfrm>
+        </p:spPr>
+        <p:txBody>
+          <a:bodyPr>
+            <a:normAutofit/>
+          </a:bodyPr>
+          <a:lstStyle/>
+          <a:p>
+            <a:r>
+              <a:rPr lang="ja-JP" altLang="en-US" sz="4000"/>
+              <a:t>学習用のデータを使って回帰モデルを作ることで</a:t>
+            </a:r>
+            <a:br>
+              <a:rPr lang="en-US" altLang="ja-JP" sz="4000" dirty="0"/>
+            </a:br>
+            <a:r>
+              <a:rPr lang="ja-JP" altLang="en-US" sz="4000"/>
+              <a:t>物件価格の予測ができます</a:t>
+            </a:r>
+            <a:endParaRPr lang="en-US" altLang="ja-JP" sz="4000" dirty="0"/>
+          </a:p>
+          <a:p>
+            <a:r>
+              <a:rPr lang="ja-JP" altLang="en-US" sz="4000"/>
+              <a:t>以下の例を考えてみます</a:t>
+            </a:r>
+            <a:endParaRPr lang="en-US" altLang="ja-JP" sz="4000" dirty="0"/>
+          </a:p>
+          <a:p>
+            <a:pPr lvl="1"/>
+            <a:r>
+              <a:rPr lang="en-US" altLang="ja-JP" dirty="0"/>
+              <a:t>Training data: </a:t>
+            </a:r>
+            <a:r>
+              <a:rPr lang="ja-JP" altLang="en-US"/>
+              <a:t>物件の価格と部屋の広さの関係のデータ</a:t>
+            </a:r>
+            <a:endParaRPr lang="en-US" altLang="ja-JP" dirty="0"/>
+          </a:p>
+          <a:p>
+            <a:pPr lvl="1"/>
+            <a:r>
+              <a:rPr lang="en-US" altLang="ja-JP" dirty="0"/>
+              <a:t>Test data: </a:t>
+            </a:r>
+            <a:r>
+              <a:rPr lang="ja-JP" altLang="en-US"/>
+              <a:t>物件の部屋の広さのみのデータ</a:t>
+            </a:r>
+            <a:endParaRPr lang="en-US" altLang="ja-JP" dirty="0"/>
+          </a:p>
+          <a:p>
+            <a:endParaRPr lang="en-US" altLang="ja-JP" sz="4000" dirty="0"/>
+          </a:p>
+        </p:txBody>
+      </p:sp>
+      <p:sp>
+        <p:nvSpPr>
+          <p:cNvPr id="14" name="Footer Placeholder 13">
+            <a:extLst>
+              <a:ext uri="{FF2B5EF4-FFF2-40B4-BE49-F238E27FC236}">
+                <a16:creationId xmlns:a16="http://schemas.microsoft.com/office/drawing/2014/main" id="{6848FA93-3DF9-3B45-9537-C5287D7DA562}"/>
+              </a:ext>
+            </a:extLst>
+          </p:cNvPr>
+          <p:cNvSpPr>
+            <a:spLocks noGrp="1"/>
+          </p:cNvSpPr>
+          <p:nvPr>
+            <p:ph type="ftr" sz="quarter" idx="11"/>
+          </p:nvPr>
+        </p:nvSpPr>
+        <p:spPr>
+          <a:xfrm>
+            <a:off x="10680700" y="9621838"/>
+            <a:ext cx="6172200" cy="547687"/>
+          </a:xfrm>
+        </p:spPr>
+        <p:txBody>
+          <a:bodyPr/>
+          <a:lstStyle/>
+          <a:p>
+            <a:r>
+              <a:rPr kumimoji="1" lang="en-US" altLang="ja-JP"/>
+              <a:t>@Takato Matsumoto, 2020</a:t>
             </a:r>
             <a:endParaRPr kumimoji="1" lang="ja-JP" altLang="en-US" dirty="0"/>
           </a:p>
@@ -16208,7 +16888,7 @@
         </p:nvSpPr>
         <p:spPr>
           <a:xfrm>
-            <a:off x="3509548" y="5424012"/>
+            <a:off x="3705491" y="5815701"/>
             <a:ext cx="3164649" cy="1446550"/>
           </a:xfrm>
           <a:prstGeom prst="rect">
@@ -16254,7 +16934,7 @@
         </p:nvSpPr>
         <p:spPr>
           <a:xfrm>
-            <a:off x="9615499" y="5424012"/>
+            <a:off x="9811442" y="5815701"/>
             <a:ext cx="6358472" cy="1446550"/>
           </a:xfrm>
           <a:prstGeom prst="rect">
@@ -16317,13 +16997,13 @@
           <p:nvPr>
             <p:extLst>
               <p:ext uri="{D42A27DB-BD31-4B8C-83A1-F6EECF244321}">
-                <p14:modId xmlns:p14="http://schemas.microsoft.com/office/powerpoint/2010/main" val="369400205"/>
+                <p14:modId xmlns:p14="http://schemas.microsoft.com/office/powerpoint/2010/main" val="1259660143"/>
               </p:ext>
             </p:extLst>
           </p:nvPr>
         </p:nvGraphicFramePr>
         <p:xfrm>
-          <a:off x="2861671" y="6538976"/>
+          <a:off x="3057614" y="6930665"/>
           <a:ext cx="4700768" cy="2514600"/>
         </p:xfrm>
         <a:graphic>
@@ -16532,13 +17212,13 @@
           <p:nvPr>
             <p:extLst>
               <p:ext uri="{D42A27DB-BD31-4B8C-83A1-F6EECF244321}">
-                <p14:modId xmlns:p14="http://schemas.microsoft.com/office/powerpoint/2010/main" val="2415497220"/>
+                <p14:modId xmlns:p14="http://schemas.microsoft.com/office/powerpoint/2010/main" val="1289713715"/>
               </p:ext>
             </p:extLst>
           </p:nvPr>
         </p:nvGraphicFramePr>
         <p:xfrm>
-          <a:off x="10680700" y="6538976"/>
+          <a:off x="10876643" y="6930665"/>
           <a:ext cx="4700768" cy="2514600"/>
         </p:xfrm>
         <a:graphic>
@@ -16758,10 +17438,40 @@
           </a:graphicData>
         </a:graphic>
       </p:graphicFrame>
+      <p:sp>
+        <p:nvSpPr>
+          <p:cNvPr id="2" name="Slide Number Placeholder 1">
+            <a:extLst>
+              <a:ext uri="{FF2B5EF4-FFF2-40B4-BE49-F238E27FC236}">
+                <a16:creationId xmlns:a16="http://schemas.microsoft.com/office/drawing/2014/main" id="{0367A0F5-DF68-6D4B-94BA-7BE506CBF110}"/>
+              </a:ext>
+            </a:extLst>
+          </p:cNvPr>
+          <p:cNvSpPr>
+            <a:spLocks noGrp="1"/>
+          </p:cNvSpPr>
+          <p:nvPr>
+            <p:ph type="sldNum" sz="quarter" idx="10"/>
+          </p:nvPr>
+        </p:nvSpPr>
+        <p:spPr/>
+        <p:txBody>
+          <a:bodyPr/>
+          <a:lstStyle/>
+          <a:p>
+            <a:fld id="{D28C7C6D-0F52-4FBA-8358-35C6083C2133}" type="slidenum">
+              <a:rPr kumimoji="1" lang="ja-JP" altLang="en-US" smtClean="0"/>
+              <a:pPr/>
+              <a:t>8</a:t>
+            </a:fld>
+            <a:endParaRPr kumimoji="1" lang="ja-JP" altLang="en-US"/>
+          </a:p>
+        </p:txBody>
+      </p:sp>
     </p:spTree>
     <p:extLst>
       <p:ext uri="{BB962C8B-B14F-4D97-AF65-F5344CB8AC3E}">
-        <p14:creationId xmlns:p14="http://schemas.microsoft.com/office/powerpoint/2010/main" val="952170794"/>
+        <p14:creationId xmlns:p14="http://schemas.microsoft.com/office/powerpoint/2010/main" val="2946796692"/>
       </p:ext>
     </p:extLst>
   </p:cSld>
@@ -16771,7 +17481,7 @@
 </p:sld>
 </file>
 
-<file path=ppt/slides/slide8.xml><?xml version="1.0" encoding="utf-8"?>
+<file path=ppt/slides/slide9.xml><?xml version="1.0" encoding="utf-8"?>
 <p:sld xmlns:a="http://schemas.openxmlformats.org/drawingml/2006/main" xmlns:r="http://schemas.openxmlformats.org/officeDocument/2006/relationships" xmlns:p="http://schemas.openxmlformats.org/presentationml/2006/main">
   <p:cSld>
     <p:spTree>
@@ -16815,7 +17525,7 @@
             </a:r>
             <a:r>
               <a:rPr lang="ja-JP" altLang="en-US"/>
-              <a:t>線形回帰モデルの学習</a:t>
+              <a:t>線形回帰モデルの作成</a:t>
             </a:r>
             <a:endParaRPr kumimoji="1" lang="ja-JP" altLang="en-US" dirty="0"/>
           </a:p>
@@ -16861,8 +17571,16 @@
               <a:rPr lang="en-US" altLang="ja-JP" sz="4000" dirty="0"/>
             </a:br>
             <a:r>
+              <a:rPr lang="ja-JP" altLang="en-US" sz="4000">
+                <a:solidFill>
+                  <a:schemeClr val="accent1"/>
+                </a:solidFill>
+              </a:rPr>
+              <a:t>点線の長さの合計</a:t>
+            </a:r>
+            <a:r>
               <a:rPr lang="ja-JP" altLang="en-US" sz="4000"/>
-              <a:t>点線の長さの合計が一番</a:t>
+              <a:t>が最も</a:t>
             </a:r>
             <a:r>
               <a:rPr lang="ja-JP" altLang="en-JP" sz="4000"/>
@@ -16932,36 +17650,6 @@
           </a:p>
           <a:p>
             <a:endParaRPr lang="en-US" altLang="ja-JP" sz="4000" dirty="0"/>
-          </a:p>
-        </p:txBody>
-      </p:sp>
-      <p:sp>
-        <p:nvSpPr>
-          <p:cNvPr id="13" name="Slide Number Placeholder 12">
-            <a:extLst>
-              <a:ext uri="{FF2B5EF4-FFF2-40B4-BE49-F238E27FC236}">
-                <a16:creationId xmlns:a16="http://schemas.microsoft.com/office/drawing/2014/main" id="{ACBC7515-E64F-8F4C-B7BA-458E3BC7E0CA}"/>
-              </a:ext>
-            </a:extLst>
-          </p:cNvPr>
-          <p:cNvSpPr>
-            <a:spLocks noGrp="1"/>
-          </p:cNvSpPr>
-          <p:nvPr>
-            <p:ph type="sldNum" sz="quarter" idx="10"/>
-          </p:nvPr>
-        </p:nvSpPr>
-        <p:spPr/>
-        <p:txBody>
-          <a:bodyPr/>
-          <a:lstStyle/>
-          <a:p>
-            <a:fld id="{D28C7C6D-0F52-4FBA-8358-35C6083C2133}" type="slidenum">
-              <a:rPr kumimoji="1" lang="ja-JP" altLang="en-US" smtClean="0"/>
-              <a:pPr/>
-              <a:t>8</a:t>
-            </a:fld>
-            <a:endParaRPr kumimoji="1" lang="ja-JP" altLang="en-US"/>
           </a:p>
         </p:txBody>
       </p:sp>
@@ -16992,16 +17680,8 @@
           <a:lstStyle/>
           <a:p>
             <a:r>
-              <a:rPr kumimoji="1" lang="en-US" altLang="ja-JP" dirty="0"/>
-              <a:t>©︎</a:t>
-            </a:r>
-            <a:r>
-              <a:rPr kumimoji="1" lang="en-US" altLang="ja-JP" dirty="0" err="1"/>
-              <a:t>Takato</a:t>
-            </a:r>
-            <a:r>
-              <a:rPr kumimoji="1" lang="en-US" altLang="ja-JP" dirty="0"/>
-              <a:t> Matsumoto, 2019</a:t>
+              <a:rPr kumimoji="1" lang="en-US" altLang="ja-JP"/>
+              <a:t>@Takato Matsumoto, 2020</a:t>
             </a:r>
             <a:endParaRPr kumimoji="1" lang="ja-JP" altLang="en-US" dirty="0"/>
           </a:p>
@@ -17418,8 +18098,8 @@
               </p:txBody>
             </p:sp>
           </p:grpSp>
-          <mc:AlternateContent xmlns:mc="http://schemas.openxmlformats.org/markup-compatibility/2006">
-            <mc:Choice xmlns:a14="http://schemas.microsoft.com/office/drawing/2010/main" Requires="a14">
+          <mc:AlternateContent xmlns:mc="http://schemas.openxmlformats.org/markup-compatibility/2006" xmlns:a14="http://schemas.microsoft.com/office/drawing/2010/main">
+            <mc:Choice Requires="a14">
               <p:sp>
                 <p:nvSpPr>
                   <p:cNvPr id="34" name="Rectangle 33">
@@ -17447,6 +18127,7 @@
                   </a:bodyPr>
                   <a:lstStyle/>
                   <a:p>
+                    <a:pPr/>
                     <a14:m>
                       <m:oMathPara xmlns:m="http://schemas.openxmlformats.org/officeDocument/2006/math">
                         <m:oMathParaPr>
@@ -17478,7 +18159,7 @@
                 </p:txBody>
               </p:sp>
             </mc:Choice>
-            <mc:Fallback>
+            <mc:Fallback xmlns="">
               <p:sp>
                 <p:nvSpPr>
                   <p:cNvPr id="34" name="Rectangle 33">
@@ -17523,8 +18204,8 @@
               </p:sp>
             </mc:Fallback>
           </mc:AlternateContent>
-          <mc:AlternateContent xmlns:mc="http://schemas.openxmlformats.org/markup-compatibility/2006">
-            <mc:Choice xmlns:a14="http://schemas.microsoft.com/office/drawing/2010/main" Requires="a14">
+          <mc:AlternateContent xmlns:mc="http://schemas.openxmlformats.org/markup-compatibility/2006" xmlns:a14="http://schemas.microsoft.com/office/drawing/2010/main">
+            <mc:Choice Requires="a14">
               <p:sp>
                 <p:nvSpPr>
                   <p:cNvPr id="35" name="Rectangle 34">
@@ -17570,7 +18251,7 @@
                 </p:txBody>
               </p:sp>
             </mc:Choice>
-            <mc:Fallback>
+            <mc:Fallback xmlns="">
               <p:sp>
                 <p:nvSpPr>
                   <p:cNvPr id="35" name="Rectangle 34">
@@ -17806,13 +18487,7 @@
           <p:cNvGraphicFramePr>
             <a:graphicFrameLocks noGrp="1"/>
           </p:cNvGraphicFramePr>
-          <p:nvPr>
-            <p:extLst>
-              <p:ext uri="{D42A27DB-BD31-4B8C-83A1-F6EECF244321}">
-                <p14:modId xmlns:p14="http://schemas.microsoft.com/office/powerpoint/2010/main" val="499866994"/>
-              </p:ext>
-            </p:extLst>
-          </p:nvPr>
+          <p:nvPr/>
         </p:nvGraphicFramePr>
         <p:xfrm>
           <a:off x="10680700" y="6145812"/>
@@ -18248,118 +18923,12 @@
           </a:p>
         </p:txBody>
       </p:sp>
-    </p:spTree>
-    <p:extLst>
-      <p:ext uri="{BB962C8B-B14F-4D97-AF65-F5344CB8AC3E}">
-        <p14:creationId xmlns:p14="http://schemas.microsoft.com/office/powerpoint/2010/main" val="1384448221"/>
-      </p:ext>
-    </p:extLst>
-  </p:cSld>
-  <p:clrMapOvr>
-    <a:masterClrMapping/>
-  </p:clrMapOvr>
-</p:sld>
-</file>
-
-<file path=ppt/slides/slide9.xml><?xml version="1.0" encoding="utf-8"?>
-<p:sld xmlns:a="http://schemas.openxmlformats.org/drawingml/2006/main" xmlns:r="http://schemas.openxmlformats.org/officeDocument/2006/relationships" xmlns:p="http://schemas.openxmlformats.org/presentationml/2006/main">
-  <p:cSld>
-    <p:spTree>
-      <p:nvGrpSpPr>
-        <p:cNvPr id="1" name=""/>
-        <p:cNvGrpSpPr/>
-        <p:nvPr/>
-      </p:nvGrpSpPr>
-      <p:grpSpPr>
-        <a:xfrm>
-          <a:off x="0" y="0"/>
-          <a:ext cx="0" cy="0"/>
-          <a:chOff x="0" y="0"/>
-          <a:chExt cx="0" cy="0"/>
-        </a:xfrm>
-      </p:grpSpPr>
-      <p:sp>
-        <p:nvSpPr>
-          <p:cNvPr id="9" name="タイトル 8"/>
-          <p:cNvSpPr>
-            <a:spLocks noGrp="1"/>
-          </p:cNvSpPr>
-          <p:nvPr>
-            <p:ph type="title"/>
-          </p:nvPr>
-        </p:nvSpPr>
-        <p:spPr/>
-        <p:txBody>
-          <a:bodyPr>
-            <a:normAutofit/>
-          </a:bodyPr>
-          <a:lstStyle/>
-          <a:p>
-            <a:r>
-              <a:rPr lang="ja-JP" altLang="en-US"/>
-              <a:t>不動産価格の予測</a:t>
-            </a:r>
-            <a:r>
-              <a:rPr lang="en-US" altLang="ja-JP" dirty="0"/>
-              <a:t> | </a:t>
-            </a:r>
-            <a:r>
-              <a:rPr lang="ja-JP" altLang="en-US"/>
-              <a:t>線形回帰モデルの学習</a:t>
-            </a:r>
-            <a:endParaRPr kumimoji="1" lang="ja-JP" altLang="en-US" dirty="0"/>
-          </a:p>
-        </p:txBody>
-      </p:sp>
-      <p:sp>
-        <p:nvSpPr>
-          <p:cNvPr id="15" name="テキスト プレースホルダー 9">
+      <p:sp>
+        <p:nvSpPr>
+          <p:cNvPr id="2" name="Slide Number Placeholder 1">
             <a:extLst>
               <a:ext uri="{FF2B5EF4-FFF2-40B4-BE49-F238E27FC236}">
-                <a16:creationId xmlns:a16="http://schemas.microsoft.com/office/drawing/2014/main" id="{98F5EB82-97F4-BE48-8A01-5935D01BB0CD}"/>
-              </a:ext>
-            </a:extLst>
-          </p:cNvPr>
-          <p:cNvSpPr>
-            <a:spLocks noGrp="1"/>
-          </p:cNvSpPr>
-          <p:nvPr>
-            <p:ph type="body" sz="quarter" idx="12"/>
-          </p:nvPr>
-        </p:nvSpPr>
-        <p:spPr>
-          <a:xfrm>
-            <a:off x="1317081" y="1451751"/>
-            <a:ext cx="15907837" cy="4752232"/>
-          </a:xfrm>
-        </p:spPr>
-        <p:txBody>
-          <a:bodyPr>
-            <a:normAutofit/>
-          </a:bodyPr>
-          <a:lstStyle/>
-          <a:p>
-            <a:r>
-              <a:rPr lang="ja-JP" altLang="en-US" sz="4000"/>
-              <a:t>求まった直線は以下の式で表されます</a:t>
-            </a:r>
-            <a:endParaRPr lang="en-US" altLang="ja-JP" sz="3200" dirty="0"/>
-          </a:p>
-          <a:p>
-            <a:pPr lvl="1"/>
-            <a:endParaRPr lang="en-US" altLang="ja" sz="3200" dirty="0"/>
-          </a:p>
-          <a:p>
-            <a:endParaRPr lang="en-US" altLang="ja-JP" sz="4000" dirty="0"/>
-          </a:p>
-        </p:txBody>
-      </p:sp>
-      <p:sp>
-        <p:nvSpPr>
-          <p:cNvPr id="13" name="Slide Number Placeholder 12">
-            <a:extLst>
-              <a:ext uri="{FF2B5EF4-FFF2-40B4-BE49-F238E27FC236}">
-                <a16:creationId xmlns:a16="http://schemas.microsoft.com/office/drawing/2014/main" id="{ACBC7515-E64F-8F4C-B7BA-458E3BC7E0CA}"/>
+                <a16:creationId xmlns:a16="http://schemas.microsoft.com/office/drawing/2014/main" id="{57EF4D3F-363F-2045-B498-4292109C8290}"/>
               </a:ext>
             </a:extLst>
           </p:cNvPr>
@@ -18384,1122 +18953,10 @@
           </a:p>
         </p:txBody>
       </p:sp>
-      <p:sp>
-        <p:nvSpPr>
-          <p:cNvPr id="14" name="Footer Placeholder 13">
-            <a:extLst>
-              <a:ext uri="{FF2B5EF4-FFF2-40B4-BE49-F238E27FC236}">
-                <a16:creationId xmlns:a16="http://schemas.microsoft.com/office/drawing/2014/main" id="{6848FA93-3DF9-3B45-9537-C5287D7DA562}"/>
-              </a:ext>
-            </a:extLst>
-          </p:cNvPr>
-          <p:cNvSpPr>
-            <a:spLocks noGrp="1"/>
-          </p:cNvSpPr>
-          <p:nvPr>
-            <p:ph type="ftr" sz="quarter" idx="11"/>
-          </p:nvPr>
-        </p:nvSpPr>
-        <p:spPr>
-          <a:xfrm>
-            <a:off x="10680700" y="9621838"/>
-            <a:ext cx="6172200" cy="547687"/>
-          </a:xfrm>
-        </p:spPr>
-        <p:txBody>
-          <a:bodyPr/>
-          <a:lstStyle/>
-          <a:p>
-            <a:r>
-              <a:rPr kumimoji="1" lang="en-US" altLang="ja-JP" dirty="0"/>
-              <a:t>©︎</a:t>
-            </a:r>
-            <a:r>
-              <a:rPr kumimoji="1" lang="en-US" altLang="ja-JP" dirty="0" err="1"/>
-              <a:t>Takato</a:t>
-            </a:r>
-            <a:r>
-              <a:rPr kumimoji="1" lang="en-US" altLang="ja-JP" dirty="0"/>
-              <a:t> Matsumoto, 2019</a:t>
-            </a:r>
-            <a:endParaRPr kumimoji="1" lang="ja-JP" altLang="en-US" dirty="0"/>
-          </a:p>
-        </p:txBody>
-      </p:sp>
-      <p:grpSp>
-        <p:nvGrpSpPr>
-          <p:cNvPr id="52" name="Group 51">
-            <a:extLst>
-              <a:ext uri="{FF2B5EF4-FFF2-40B4-BE49-F238E27FC236}">
-                <a16:creationId xmlns:a16="http://schemas.microsoft.com/office/drawing/2014/main" id="{09B427DE-EF69-E845-804E-A7A968EC9E3E}"/>
-              </a:ext>
-            </a:extLst>
-          </p:cNvPr>
-          <p:cNvGrpSpPr/>
-          <p:nvPr/>
-        </p:nvGrpSpPr>
-        <p:grpSpPr>
-          <a:xfrm>
-            <a:off x="1670784" y="4829549"/>
-            <a:ext cx="6338337" cy="5325806"/>
-            <a:chOff x="1670784" y="4829549"/>
-            <a:chExt cx="6338337" cy="5325806"/>
-          </a:xfrm>
-        </p:grpSpPr>
-        <p:grpSp>
-          <p:nvGrpSpPr>
-            <p:cNvPr id="36" name="Group 35">
-              <a:extLst>
-                <a:ext uri="{FF2B5EF4-FFF2-40B4-BE49-F238E27FC236}">
-                  <a16:creationId xmlns:a16="http://schemas.microsoft.com/office/drawing/2014/main" id="{7A63EB50-C4A4-FC41-838C-4C8867B9C50C}"/>
-                </a:ext>
-              </a:extLst>
-            </p:cNvPr>
-            <p:cNvGrpSpPr/>
-            <p:nvPr/>
-          </p:nvGrpSpPr>
-          <p:grpSpPr>
-            <a:xfrm>
-              <a:off x="1670784" y="4829549"/>
-              <a:ext cx="6338337" cy="5325806"/>
-              <a:chOff x="537248" y="4220307"/>
-              <a:chExt cx="6338337" cy="5325806"/>
-            </a:xfrm>
-          </p:grpSpPr>
-          <p:grpSp>
-            <p:nvGrpSpPr>
-              <p:cNvPr id="31" name="Group 30">
-                <a:extLst>
-                  <a:ext uri="{FF2B5EF4-FFF2-40B4-BE49-F238E27FC236}">
-                    <a16:creationId xmlns:a16="http://schemas.microsoft.com/office/drawing/2014/main" id="{9183EBC9-67BD-D444-B097-1ACFA472D275}"/>
-                  </a:ext>
-                </a:extLst>
-              </p:cNvPr>
-              <p:cNvGrpSpPr/>
-              <p:nvPr/>
-            </p:nvGrpSpPr>
-            <p:grpSpPr>
-              <a:xfrm>
-                <a:off x="1653571" y="4220307"/>
-                <a:ext cx="5222014" cy="4527445"/>
-                <a:chOff x="4660540" y="3763107"/>
-                <a:chExt cx="5222014" cy="4527445"/>
-              </a:xfrm>
-            </p:grpSpPr>
-            <p:grpSp>
-              <p:nvGrpSpPr>
-                <p:cNvPr id="6" name="Group 5">
-                  <a:extLst>
-                    <a:ext uri="{FF2B5EF4-FFF2-40B4-BE49-F238E27FC236}">
-                      <a16:creationId xmlns:a16="http://schemas.microsoft.com/office/drawing/2014/main" id="{6054E02C-CA2C-334D-A596-B250D0CEE9B2}"/>
-                    </a:ext>
-                  </a:extLst>
-                </p:cNvPr>
-                <p:cNvGrpSpPr/>
-                <p:nvPr/>
-              </p:nvGrpSpPr>
-              <p:grpSpPr>
-                <a:xfrm>
-                  <a:off x="4660540" y="3763107"/>
-                  <a:ext cx="5222014" cy="4527445"/>
-                  <a:chOff x="4519863" y="3165421"/>
-                  <a:chExt cx="3793958" cy="3148358"/>
-                </a:xfrm>
-              </p:grpSpPr>
-              <p:cxnSp>
-                <p:nvCxnSpPr>
-                  <p:cNvPr id="4" name="Straight Connector 3">
-                    <a:extLst>
-                      <a:ext uri="{FF2B5EF4-FFF2-40B4-BE49-F238E27FC236}">
-                        <a16:creationId xmlns:a16="http://schemas.microsoft.com/office/drawing/2014/main" id="{1855AD81-BA6E-9B4C-BF67-C0F85945690F}"/>
-                      </a:ext>
-                    </a:extLst>
-                  </p:cNvPr>
-                  <p:cNvCxnSpPr>
-                    <a:cxnSpLocks/>
-                  </p:cNvCxnSpPr>
-                  <p:nvPr/>
-                </p:nvCxnSpPr>
-                <p:spPr>
-                  <a:xfrm>
-                    <a:off x="4519863" y="3165421"/>
-                    <a:ext cx="0" cy="3148358"/>
-                  </a:xfrm>
-                  <a:prstGeom prst="line">
-                    <a:avLst/>
-                  </a:prstGeom>
-                  <a:ln w="38100"/>
-                </p:spPr>
-                <p:style>
-                  <a:lnRef idx="1">
-                    <a:schemeClr val="dk1"/>
-                  </a:lnRef>
-                  <a:fillRef idx="0">
-                    <a:schemeClr val="dk1"/>
-                  </a:fillRef>
-                  <a:effectRef idx="0">
-                    <a:schemeClr val="dk1"/>
-                  </a:effectRef>
-                  <a:fontRef idx="minor">
-                    <a:schemeClr val="tx1"/>
-                  </a:fontRef>
-                </p:style>
-              </p:cxnSp>
-              <p:cxnSp>
-                <p:nvCxnSpPr>
-                  <p:cNvPr id="20" name="Straight Connector 19">
-                    <a:extLst>
-                      <a:ext uri="{FF2B5EF4-FFF2-40B4-BE49-F238E27FC236}">
-                        <a16:creationId xmlns:a16="http://schemas.microsoft.com/office/drawing/2014/main" id="{74F98A50-8621-364A-A834-BD0D082A2633}"/>
-                      </a:ext>
-                    </a:extLst>
-                  </p:cNvPr>
-                  <p:cNvCxnSpPr>
-                    <a:cxnSpLocks/>
-                  </p:cNvCxnSpPr>
-                  <p:nvPr/>
-                </p:nvCxnSpPr>
-                <p:spPr>
-                  <a:xfrm flipH="1">
-                    <a:off x="4519863" y="6313779"/>
-                    <a:ext cx="3793958" cy="0"/>
-                  </a:xfrm>
-                  <a:prstGeom prst="line">
-                    <a:avLst/>
-                  </a:prstGeom>
-                  <a:ln w="38100"/>
-                </p:spPr>
-                <p:style>
-                  <a:lnRef idx="1">
-                    <a:schemeClr val="dk1"/>
-                  </a:lnRef>
-                  <a:fillRef idx="0">
-                    <a:schemeClr val="dk1"/>
-                  </a:fillRef>
-                  <a:effectRef idx="0">
-                    <a:schemeClr val="dk1"/>
-                  </a:effectRef>
-                  <a:fontRef idx="minor">
-                    <a:schemeClr val="tx1"/>
-                  </a:fontRef>
-                </p:style>
-              </p:cxnSp>
-            </p:grpSp>
-            <p:sp>
-              <p:nvSpPr>
-                <p:cNvPr id="21" name="Oval 20">
-                  <a:extLst>
-                    <a:ext uri="{FF2B5EF4-FFF2-40B4-BE49-F238E27FC236}">
-                      <a16:creationId xmlns:a16="http://schemas.microsoft.com/office/drawing/2014/main" id="{F1D72D8C-2A5A-9546-B826-741CC7735EE2}"/>
-                    </a:ext>
-                  </a:extLst>
-                </p:cNvPr>
-                <p:cNvSpPr/>
-                <p:nvPr/>
-              </p:nvSpPr>
-              <p:spPr>
-                <a:xfrm>
-                  <a:off x="6238648" y="5298864"/>
-                  <a:ext cx="316523" cy="316523"/>
-                </a:xfrm>
-                <a:prstGeom prst="ellipse">
-                  <a:avLst/>
-                </a:prstGeom>
-                <a:solidFill>
-                  <a:schemeClr val="tx1"/>
-                </a:solidFill>
-                <a:ln>
-                  <a:noFill/>
-                </a:ln>
-              </p:spPr>
-              <p:style>
-                <a:lnRef idx="2">
-                  <a:schemeClr val="accent1">
-                    <a:shade val="50000"/>
-                  </a:schemeClr>
-                </a:lnRef>
-                <a:fillRef idx="1">
-                  <a:schemeClr val="accent1"/>
-                </a:fillRef>
-                <a:effectRef idx="0">
-                  <a:schemeClr val="accent1"/>
-                </a:effectRef>
-                <a:fontRef idx="minor">
-                  <a:schemeClr val="lt1"/>
-                </a:fontRef>
-              </p:style>
-              <p:txBody>
-                <a:bodyPr rtlCol="0" anchor="ctr"/>
-                <a:lstStyle/>
-                <a:p>
-                  <a:pPr algn="ctr"/>
-                  <a:endParaRPr kumimoji="1" lang="en-JP"/>
-                </a:p>
-              </p:txBody>
-            </p:sp>
-            <p:sp>
-              <p:nvSpPr>
-                <p:cNvPr id="23" name="Oval 22">
-                  <a:extLst>
-                    <a:ext uri="{FF2B5EF4-FFF2-40B4-BE49-F238E27FC236}">
-                      <a16:creationId xmlns:a16="http://schemas.microsoft.com/office/drawing/2014/main" id="{4F9DB311-0FB9-7B49-9BC9-3FA0AE3BE67A}"/>
-                    </a:ext>
-                  </a:extLst>
-                </p:cNvPr>
-                <p:cNvSpPr/>
-                <p:nvPr/>
-              </p:nvSpPr>
-              <p:spPr>
-                <a:xfrm>
-                  <a:off x="8813281" y="5334795"/>
-                  <a:ext cx="316523" cy="316523"/>
-                </a:xfrm>
-                <a:prstGeom prst="ellipse">
-                  <a:avLst/>
-                </a:prstGeom>
-                <a:solidFill>
-                  <a:schemeClr val="tx1"/>
-                </a:solidFill>
-                <a:ln>
-                  <a:noFill/>
-                </a:ln>
-              </p:spPr>
-              <p:style>
-                <a:lnRef idx="2">
-                  <a:schemeClr val="accent1">
-                    <a:shade val="50000"/>
-                  </a:schemeClr>
-                </a:lnRef>
-                <a:fillRef idx="1">
-                  <a:schemeClr val="accent1"/>
-                </a:fillRef>
-                <a:effectRef idx="0">
-                  <a:schemeClr val="accent1"/>
-                </a:effectRef>
-                <a:fontRef idx="minor">
-                  <a:schemeClr val="lt1"/>
-                </a:fontRef>
-              </p:style>
-              <p:txBody>
-                <a:bodyPr rtlCol="0" anchor="ctr"/>
-                <a:lstStyle/>
-                <a:p>
-                  <a:pPr algn="ctr"/>
-                  <a:endParaRPr kumimoji="1" lang="en-JP"/>
-                </a:p>
-              </p:txBody>
-            </p:sp>
-            <p:cxnSp>
-              <p:nvCxnSpPr>
-                <p:cNvPr id="24" name="Straight Connector 23">
-                  <a:extLst>
-                    <a:ext uri="{FF2B5EF4-FFF2-40B4-BE49-F238E27FC236}">
-                      <a16:creationId xmlns:a16="http://schemas.microsoft.com/office/drawing/2014/main" id="{0A1706CA-117A-2146-9EDE-D2C6D17D8650}"/>
-                    </a:ext>
-                  </a:extLst>
-                </p:cNvPr>
-                <p:cNvCxnSpPr>
-                  <a:cxnSpLocks/>
-                </p:cNvCxnSpPr>
-                <p:nvPr/>
-              </p:nvCxnSpPr>
-              <p:spPr>
-                <a:xfrm flipH="1">
-                  <a:off x="4660541" y="4385137"/>
-                  <a:ext cx="5159392" cy="3492771"/>
-                </a:xfrm>
-                <a:prstGeom prst="line">
-                  <a:avLst/>
-                </a:prstGeom>
-                <a:ln w="38100">
-                  <a:solidFill>
-                    <a:schemeClr val="accent1"/>
-                  </a:solidFill>
-                </a:ln>
-              </p:spPr>
-              <p:style>
-                <a:lnRef idx="1">
-                  <a:schemeClr val="dk1"/>
-                </a:lnRef>
-                <a:fillRef idx="0">
-                  <a:schemeClr val="dk1"/>
-                </a:fillRef>
-                <a:effectRef idx="0">
-                  <a:schemeClr val="dk1"/>
-                </a:effectRef>
-                <a:fontRef idx="minor">
-                  <a:schemeClr val="tx1"/>
-                </a:fontRef>
-              </p:style>
-            </p:cxnSp>
-            <p:sp>
-              <p:nvSpPr>
-                <p:cNvPr id="27" name="Oval 26">
-                  <a:extLst>
-                    <a:ext uri="{FF2B5EF4-FFF2-40B4-BE49-F238E27FC236}">
-                      <a16:creationId xmlns:a16="http://schemas.microsoft.com/office/drawing/2014/main" id="{95329488-08E3-CA4B-B4CE-27B32B29A301}"/>
-                    </a:ext>
-                  </a:extLst>
-                </p:cNvPr>
-                <p:cNvSpPr/>
-                <p:nvPr/>
-              </p:nvSpPr>
-              <p:spPr>
-                <a:xfrm>
-                  <a:off x="7569161" y="6747052"/>
-                  <a:ext cx="316523" cy="316523"/>
-                </a:xfrm>
-                <a:prstGeom prst="ellipse">
-                  <a:avLst/>
-                </a:prstGeom>
-                <a:solidFill>
-                  <a:schemeClr val="tx1"/>
-                </a:solidFill>
-                <a:ln>
-                  <a:noFill/>
-                </a:ln>
-              </p:spPr>
-              <p:style>
-                <a:lnRef idx="2">
-                  <a:schemeClr val="accent1">
-                    <a:shade val="50000"/>
-                  </a:schemeClr>
-                </a:lnRef>
-                <a:fillRef idx="1">
-                  <a:schemeClr val="accent1"/>
-                </a:fillRef>
-                <a:effectRef idx="0">
-                  <a:schemeClr val="accent1"/>
-                </a:effectRef>
-                <a:fontRef idx="minor">
-                  <a:schemeClr val="lt1"/>
-                </a:fontRef>
-              </p:style>
-              <p:txBody>
-                <a:bodyPr rtlCol="0" anchor="ctr"/>
-                <a:lstStyle/>
-                <a:p>
-                  <a:pPr algn="ctr"/>
-                  <a:endParaRPr kumimoji="1" lang="en-JP"/>
-                </a:p>
-              </p:txBody>
-            </p:sp>
-            <p:sp>
-              <p:nvSpPr>
-                <p:cNvPr id="28" name="Oval 27">
-                  <a:extLst>
-                    <a:ext uri="{FF2B5EF4-FFF2-40B4-BE49-F238E27FC236}">
-                      <a16:creationId xmlns:a16="http://schemas.microsoft.com/office/drawing/2014/main" id="{0A5F99B2-6F48-7D4B-8560-A68B00BB046E}"/>
-                    </a:ext>
-                  </a:extLst>
-                </p:cNvPr>
-                <p:cNvSpPr/>
-                <p:nvPr/>
-              </p:nvSpPr>
-              <p:spPr>
-                <a:xfrm>
-                  <a:off x="5148359" y="6733543"/>
-                  <a:ext cx="316523" cy="316523"/>
-                </a:xfrm>
-                <a:prstGeom prst="ellipse">
-                  <a:avLst/>
-                </a:prstGeom>
-                <a:solidFill>
-                  <a:schemeClr val="tx1"/>
-                </a:solidFill>
-                <a:ln>
-                  <a:noFill/>
-                </a:ln>
-              </p:spPr>
-              <p:style>
-                <a:lnRef idx="2">
-                  <a:schemeClr val="accent1">
-                    <a:shade val="50000"/>
-                  </a:schemeClr>
-                </a:lnRef>
-                <a:fillRef idx="1">
-                  <a:schemeClr val="accent1"/>
-                </a:fillRef>
-                <a:effectRef idx="0">
-                  <a:schemeClr val="accent1"/>
-                </a:effectRef>
-                <a:fontRef idx="minor">
-                  <a:schemeClr val="lt1"/>
-                </a:fontRef>
-              </p:style>
-              <p:txBody>
-                <a:bodyPr rtlCol="0" anchor="ctr"/>
-                <a:lstStyle/>
-                <a:p>
-                  <a:pPr algn="ctr"/>
-                  <a:endParaRPr kumimoji="1" lang="en-JP"/>
-                </a:p>
-              </p:txBody>
-            </p:sp>
-          </p:grpSp>
-          <mc:AlternateContent xmlns:mc="http://schemas.openxmlformats.org/markup-compatibility/2006">
-            <mc:Choice xmlns:a14="http://schemas.microsoft.com/office/drawing/2010/main" Requires="a14">
-              <p:sp>
-                <p:nvSpPr>
-                  <p:cNvPr id="34" name="Rectangle 33">
-                    <a:extLst>
-                      <a:ext uri="{FF2B5EF4-FFF2-40B4-BE49-F238E27FC236}">
-                        <a16:creationId xmlns:a16="http://schemas.microsoft.com/office/drawing/2014/main" id="{58450E7A-7CD9-A449-86DF-6E6DD5066F52}"/>
-                      </a:ext>
-                    </a:extLst>
-                  </p:cNvPr>
-                  <p:cNvSpPr/>
-                  <p:nvPr/>
-                </p:nvSpPr>
-                <p:spPr>
-                  <a:xfrm>
-                    <a:off x="537248" y="5914325"/>
-                    <a:ext cx="921342" cy="1015663"/>
-                  </a:xfrm>
-                  <a:prstGeom prst="rect">
-                    <a:avLst/>
-                  </a:prstGeom>
-                </p:spPr>
-                <p:txBody>
-                  <a:bodyPr wrap="none">
-                    <a:spAutoFit/>
-                  </a:bodyPr>
-                  <a:lstStyle/>
-                  <a:p>
-                    <a14:m>
-                      <m:oMathPara xmlns:m="http://schemas.openxmlformats.org/officeDocument/2006/math">
-                        <m:oMathParaPr>
-                          <m:jc m:val="centerGroup"/>
-                        </m:oMathParaPr>
-                        <m:oMath xmlns:m="http://schemas.openxmlformats.org/officeDocument/2006/math">
-                          <m:r>
-                            <a:rPr lang="en-US" sz="4000" b="0" i="1" smtClean="0">
-                              <a:latin typeface="Cambria Math" panose="02040503050406030204" pitchFamily="18" charset="0"/>
-                            </a:rPr>
-                            <m:t>𝑦</m:t>
-                          </m:r>
-                        </m:oMath>
-                      </m:oMathPara>
-                    </a14:m>
-                    <a:endParaRPr lang="en-US" sz="4000" b="0" dirty="0"/>
-                  </a:p>
-                  <a:p>
-                    <a:r>
-                      <a:rPr lang="en-US" sz="2000" dirty="0"/>
-                      <a:t>(p</a:t>
-                    </a:r>
-                    <a:r>
-                      <a:rPr lang="en-JP" sz="2000" dirty="0"/>
-                      <a:t>rice)</a:t>
-                    </a:r>
-                    <a:endParaRPr lang="en-JP" sz="4000" dirty="0"/>
-                  </a:p>
-                </p:txBody>
-              </p:sp>
-            </mc:Choice>
-            <mc:Fallback>
-              <p:sp>
-                <p:nvSpPr>
-                  <p:cNvPr id="34" name="Rectangle 33">
-                    <a:extLst>
-                      <a:ext uri="{FF2B5EF4-FFF2-40B4-BE49-F238E27FC236}">
-                        <a16:creationId xmlns:a16="http://schemas.microsoft.com/office/drawing/2014/main" id="{58450E7A-7CD9-A449-86DF-6E6DD5066F52}"/>
-                      </a:ext>
-                    </a:extLst>
-                  </p:cNvPr>
-                  <p:cNvSpPr>
-                    <a:spLocks noRot="1" noChangeAspect="1" noMove="1" noResize="1" noEditPoints="1" noAdjustHandles="1" noChangeArrowheads="1" noChangeShapeType="1" noTextEdit="1"/>
-                  </p:cNvSpPr>
-                  <p:nvPr/>
-                </p:nvSpPr>
-                <p:spPr>
-                  <a:xfrm>
-                    <a:off x="537248" y="5914325"/>
-                    <a:ext cx="921342" cy="1015663"/>
-                  </a:xfrm>
-                  <a:prstGeom prst="rect">
-                    <a:avLst/>
-                  </a:prstGeom>
-                  <a:blipFill>
-                    <a:blip r:embed="rId2"/>
-                    <a:stretch>
-                      <a:fillRect l="-8333" r="-5556" b="-8642"/>
-                    </a:stretch>
-                  </a:blipFill>
-                </p:spPr>
-                <p:txBody>
-                  <a:bodyPr/>
-                  <a:lstStyle/>
-                  <a:p>
-                    <a:r>
-                      <a:rPr lang="en-JP">
-                        <a:noFill/>
-                      </a:rPr>
-                      <a:t> </a:t>
-                    </a:r>
-                  </a:p>
-                </p:txBody>
-              </p:sp>
-            </mc:Fallback>
-          </mc:AlternateContent>
-          <mc:AlternateContent xmlns:mc="http://schemas.openxmlformats.org/markup-compatibility/2006">
-            <mc:Choice xmlns:a14="http://schemas.microsoft.com/office/drawing/2010/main" Requires="a14">
-              <p:sp>
-                <p:nvSpPr>
-                  <p:cNvPr id="35" name="Rectangle 34">
-                    <a:extLst>
-                      <a:ext uri="{FF2B5EF4-FFF2-40B4-BE49-F238E27FC236}">
-                        <a16:creationId xmlns:a16="http://schemas.microsoft.com/office/drawing/2014/main" id="{84C694CA-2E4E-C447-BFDB-6BCE9E72EDC5}"/>
-                      </a:ext>
-                    </a:extLst>
-                  </p:cNvPr>
-                  <p:cNvSpPr/>
-                  <p:nvPr/>
-                </p:nvSpPr>
-                <p:spPr>
-                  <a:xfrm>
-                    <a:off x="3956449" y="8852397"/>
-                    <a:ext cx="1083695" cy="693716"/>
-                  </a:xfrm>
-                  <a:prstGeom prst="rect">
-                    <a:avLst/>
-                  </a:prstGeom>
-                </p:spPr>
-                <p:txBody>
-                  <a:bodyPr wrap="none">
-                    <a:spAutoFit/>
-                  </a:bodyPr>
-                  <a:lstStyle/>
-                  <a:p>
-                    <a14:m>
-                      <m:oMath xmlns:m="http://schemas.openxmlformats.org/officeDocument/2006/math">
-                        <m:r>
-                          <a:rPr lang="en-US" sz="4000" i="1" smtClean="0">
-                            <a:latin typeface="Cambria Math" panose="02040503050406030204" pitchFamily="18" charset="0"/>
-                          </a:rPr>
-                          <m:t>𝑥</m:t>
-                        </m:r>
-                      </m:oMath>
-                    </a14:m>
-                    <a:r>
-                      <a:rPr lang="en-JP" dirty="0"/>
-                      <a:t>(area)</a:t>
-                    </a:r>
-                  </a:p>
-                </p:txBody>
-              </p:sp>
-            </mc:Choice>
-            <mc:Fallback>
-              <p:sp>
-                <p:nvSpPr>
-                  <p:cNvPr id="35" name="Rectangle 34">
-                    <a:extLst>
-                      <a:ext uri="{FF2B5EF4-FFF2-40B4-BE49-F238E27FC236}">
-                        <a16:creationId xmlns:a16="http://schemas.microsoft.com/office/drawing/2014/main" id="{84C694CA-2E4E-C447-BFDB-6BCE9E72EDC5}"/>
-                      </a:ext>
-                    </a:extLst>
-                  </p:cNvPr>
-                  <p:cNvSpPr>
-                    <a:spLocks noRot="1" noChangeAspect="1" noMove="1" noResize="1" noEditPoints="1" noAdjustHandles="1" noChangeArrowheads="1" noChangeShapeType="1" noTextEdit="1"/>
-                  </p:cNvSpPr>
-                  <p:nvPr/>
-                </p:nvSpPr>
-                <p:spPr>
-                  <a:xfrm>
-                    <a:off x="3956449" y="8852397"/>
-                    <a:ext cx="1083695" cy="693716"/>
-                  </a:xfrm>
-                  <a:prstGeom prst="rect">
-                    <a:avLst/>
-                  </a:prstGeom>
-                  <a:blipFill>
-                    <a:blip r:embed="rId3"/>
-                    <a:stretch>
-                      <a:fillRect l="-2326" r="-4651" b="-5357"/>
-                    </a:stretch>
-                  </a:blipFill>
-                </p:spPr>
-                <p:txBody>
-                  <a:bodyPr/>
-                  <a:lstStyle/>
-                  <a:p>
-                    <a:r>
-                      <a:rPr lang="en-JP">
-                        <a:noFill/>
-                      </a:rPr>
-                      <a:t> </a:t>
-                    </a:r>
-                  </a:p>
-                </p:txBody>
-              </p:sp>
-            </mc:Fallback>
-          </mc:AlternateContent>
-        </p:grpSp>
-        <p:cxnSp>
-          <p:nvCxnSpPr>
-            <p:cNvPr id="41" name="Straight Connector 40">
-              <a:extLst>
-                <a:ext uri="{FF2B5EF4-FFF2-40B4-BE49-F238E27FC236}">
-                  <a16:creationId xmlns:a16="http://schemas.microsoft.com/office/drawing/2014/main" id="{DED5B12D-2365-454A-8BE9-D7F3FF4E11F4}"/>
-                </a:ext>
-              </a:extLst>
-            </p:cNvPr>
-            <p:cNvCxnSpPr>
-              <a:cxnSpLocks/>
-            </p:cNvCxnSpPr>
-            <p:nvPr/>
-          </p:nvCxnSpPr>
-          <p:spPr>
-            <a:xfrm>
-              <a:off x="4495861" y="6681829"/>
-              <a:ext cx="0" cy="1118156"/>
-            </a:xfrm>
-            <a:prstGeom prst="line">
-              <a:avLst/>
-            </a:prstGeom>
-            <a:ln w="38100">
-              <a:solidFill>
-                <a:schemeClr val="tx2"/>
-              </a:solidFill>
-              <a:prstDash val="sysDash"/>
-            </a:ln>
-          </p:spPr>
-          <p:style>
-            <a:lnRef idx="1">
-              <a:schemeClr val="dk1"/>
-            </a:lnRef>
-            <a:fillRef idx="0">
-              <a:schemeClr val="dk1"/>
-            </a:fillRef>
-            <a:effectRef idx="0">
-              <a:schemeClr val="dk1"/>
-            </a:effectRef>
-            <a:fontRef idx="minor">
-              <a:schemeClr val="tx1"/>
-            </a:fontRef>
-          </p:style>
-        </p:cxnSp>
-        <p:cxnSp>
-          <p:nvCxnSpPr>
-            <p:cNvPr id="43" name="Straight Connector 42">
-              <a:extLst>
-                <a:ext uri="{FF2B5EF4-FFF2-40B4-BE49-F238E27FC236}">
-                  <a16:creationId xmlns:a16="http://schemas.microsoft.com/office/drawing/2014/main" id="{940F97CF-AC84-2148-AFA0-46539312B307}"/>
-                </a:ext>
-              </a:extLst>
-            </p:cNvPr>
-            <p:cNvCxnSpPr>
-              <a:cxnSpLocks/>
-            </p:cNvCxnSpPr>
-            <p:nvPr/>
-          </p:nvCxnSpPr>
-          <p:spPr>
-            <a:xfrm>
-              <a:off x="5853989" y="6933969"/>
-              <a:ext cx="0" cy="879525"/>
-            </a:xfrm>
-            <a:prstGeom prst="line">
-              <a:avLst/>
-            </a:prstGeom>
-            <a:ln w="38100">
-              <a:solidFill>
-                <a:schemeClr val="tx2"/>
-              </a:solidFill>
-              <a:prstDash val="sysDash"/>
-            </a:ln>
-          </p:spPr>
-          <p:style>
-            <a:lnRef idx="1">
-              <a:schemeClr val="dk1"/>
-            </a:lnRef>
-            <a:fillRef idx="0">
-              <a:schemeClr val="dk1"/>
-            </a:fillRef>
-            <a:effectRef idx="0">
-              <a:schemeClr val="dk1"/>
-            </a:effectRef>
-            <a:fontRef idx="minor">
-              <a:schemeClr val="tx1"/>
-            </a:fontRef>
-          </p:style>
-        </p:cxnSp>
-        <p:cxnSp>
-          <p:nvCxnSpPr>
-            <p:cNvPr id="45" name="Straight Connector 44">
-              <a:extLst>
-                <a:ext uri="{FF2B5EF4-FFF2-40B4-BE49-F238E27FC236}">
-                  <a16:creationId xmlns:a16="http://schemas.microsoft.com/office/drawing/2014/main" id="{A81EBCC5-A6C2-6E4A-B2C1-A2B95DB20714}"/>
-                </a:ext>
-              </a:extLst>
-            </p:cNvPr>
-            <p:cNvCxnSpPr>
-              <a:cxnSpLocks/>
-              <a:endCxn id="23" idx="0"/>
-            </p:cNvCxnSpPr>
-            <p:nvPr/>
-          </p:nvCxnSpPr>
-          <p:spPr>
-            <a:xfrm>
-              <a:off x="7093243" y="6054444"/>
-              <a:ext cx="4867" cy="346793"/>
-            </a:xfrm>
-            <a:prstGeom prst="line">
-              <a:avLst/>
-            </a:prstGeom>
-            <a:ln w="38100">
-              <a:solidFill>
-                <a:schemeClr val="tx2"/>
-              </a:solidFill>
-              <a:prstDash val="sysDash"/>
-            </a:ln>
-          </p:spPr>
-          <p:style>
-            <a:lnRef idx="1">
-              <a:schemeClr val="dk1"/>
-            </a:lnRef>
-            <a:fillRef idx="0">
-              <a:schemeClr val="dk1"/>
-            </a:fillRef>
-            <a:effectRef idx="0">
-              <a:schemeClr val="dk1"/>
-            </a:effectRef>
-            <a:fontRef idx="minor">
-              <a:schemeClr val="tx1"/>
-            </a:fontRef>
-          </p:style>
-        </p:cxnSp>
-        <p:cxnSp>
-          <p:nvCxnSpPr>
-            <p:cNvPr id="47" name="Straight Connector 46">
-              <a:extLst>
-                <a:ext uri="{FF2B5EF4-FFF2-40B4-BE49-F238E27FC236}">
-                  <a16:creationId xmlns:a16="http://schemas.microsoft.com/office/drawing/2014/main" id="{2A286940-9A96-DF46-9AA3-67B886FDD028}"/>
-                </a:ext>
-              </a:extLst>
-            </p:cNvPr>
-            <p:cNvCxnSpPr>
-              <a:cxnSpLocks/>
-            </p:cNvCxnSpPr>
-            <p:nvPr/>
-          </p:nvCxnSpPr>
-          <p:spPr>
-            <a:xfrm>
-              <a:off x="3444363" y="8116508"/>
-              <a:ext cx="0" cy="404440"/>
-            </a:xfrm>
-            <a:prstGeom prst="line">
-              <a:avLst/>
-            </a:prstGeom>
-            <a:ln w="38100">
-              <a:solidFill>
-                <a:schemeClr val="tx2"/>
-              </a:solidFill>
-              <a:prstDash val="sysDash"/>
-            </a:ln>
-          </p:spPr>
-          <p:style>
-            <a:lnRef idx="1">
-              <a:schemeClr val="dk1"/>
-            </a:lnRef>
-            <a:fillRef idx="0">
-              <a:schemeClr val="dk1"/>
-            </a:fillRef>
-            <a:effectRef idx="0">
-              <a:schemeClr val="dk1"/>
-            </a:effectRef>
-            <a:fontRef idx="minor">
-              <a:schemeClr val="tx1"/>
-            </a:fontRef>
-          </p:style>
-        </p:cxnSp>
-      </p:grpSp>
-      <mc:AlternateContent xmlns:mc="http://schemas.openxmlformats.org/markup-compatibility/2006">
-        <mc:Choice xmlns:a14="http://schemas.microsoft.com/office/drawing/2010/main" Requires="a14">
-          <p:sp>
-            <p:nvSpPr>
-              <p:cNvPr id="25" name="TextBox 24">
-                <a:extLst>
-                  <a:ext uri="{FF2B5EF4-FFF2-40B4-BE49-F238E27FC236}">
-                    <a16:creationId xmlns:a16="http://schemas.microsoft.com/office/drawing/2014/main" id="{92DFA51D-29CF-8A46-A478-D5075A242D1E}"/>
-                  </a:ext>
-                </a:extLst>
-              </p:cNvPr>
-              <p:cNvSpPr txBox="1"/>
-              <p:nvPr/>
-            </p:nvSpPr>
-            <p:spPr>
-              <a:xfrm>
-                <a:off x="7429746" y="7520363"/>
-                <a:ext cx="11660359" cy="434286"/>
-              </a:xfrm>
-              <a:prstGeom prst="rect">
-                <a:avLst/>
-              </a:prstGeom>
-              <a:noFill/>
-            </p:spPr>
-            <p:txBody>
-              <a:bodyPr wrap="square" lIns="0" tIns="0" rIns="0" bIns="0" rtlCol="0">
-                <a:spAutoFit/>
-              </a:bodyPr>
-              <a:lstStyle/>
-              <a:p>
-                <a:pPr/>
-                <a14:m>
-                  <m:oMathPara xmlns:m="http://schemas.openxmlformats.org/officeDocument/2006/math">
-                    <m:oMathParaPr>
-                      <m:jc m:val="centerGroup"/>
-                    </m:oMathParaPr>
-                    <m:oMath xmlns:m="http://schemas.openxmlformats.org/officeDocument/2006/math">
-                      <m:r>
-                        <m:rPr>
-                          <m:nor/>
-                        </m:rPr>
-                        <a:rPr lang="en-US" sz="2800" dirty="0" smtClean="0"/>
-                        <m:t>目的変数</m:t>
-                      </m:r>
-                      <m:r>
-                        <a:rPr lang="en-US" sz="2800" b="0" i="1" smtClean="0">
-                          <a:latin typeface="Cambria Math" panose="02040503050406030204" pitchFamily="18" charset="0"/>
-                        </a:rPr>
-                        <m:t>=</m:t>
-                      </m:r>
-                      <m:r>
-                        <a:rPr lang="en-US" sz="2800" b="0" i="1" smtClean="0">
-                          <a:latin typeface="Cambria Math" panose="02040503050406030204" pitchFamily="18" charset="0"/>
-                        </a:rPr>
-                        <m:t> </m:t>
-                      </m:r>
-                      <m:r>
-                        <a:rPr lang="en-US" sz="2800" i="1" smtClean="0">
-                          <a:latin typeface="Cambria Math" panose="02040503050406030204" pitchFamily="18" charset="0"/>
-                        </a:rPr>
-                        <m:t>係数</m:t>
-                      </m:r>
-                      <m:r>
-                        <a:rPr lang="en-US" sz="2800" b="0" i="1" smtClean="0">
-                          <a:latin typeface="Cambria Math" panose="02040503050406030204" pitchFamily="18" charset="0"/>
-                        </a:rPr>
-                        <m:t>  </m:t>
-                      </m:r>
-                      <m:r>
-                        <a:rPr lang="en-US" sz="2800" i="1">
-                          <a:latin typeface="Cambria Math" panose="02040503050406030204" pitchFamily="18" charset="0"/>
-                        </a:rPr>
-                        <m:t>×</m:t>
-                      </m:r>
-                      <m:r>
-                        <a:rPr lang="en-US" sz="2800" b="0" i="1" smtClean="0">
-                          <a:latin typeface="Cambria Math" panose="02040503050406030204" pitchFamily="18" charset="0"/>
-                        </a:rPr>
-                        <m:t>  </m:t>
-                      </m:r>
-                      <m:r>
-                        <a:rPr lang="en-US" sz="2800" i="1">
-                          <a:latin typeface="Cambria Math" panose="02040503050406030204" pitchFamily="18" charset="0"/>
-                        </a:rPr>
-                        <m:t>説明変数</m:t>
-                      </m:r>
-                      <m:r>
-                        <a:rPr lang="en-US" sz="2800" i="1">
-                          <a:latin typeface="Cambria Math" panose="02040503050406030204" pitchFamily="18" charset="0"/>
-                        </a:rPr>
-                        <m:t>+</m:t>
-                      </m:r>
-                      <m:r>
-                        <a:rPr lang="en-US" sz="2800" i="1">
-                          <a:latin typeface="Cambria Math" panose="02040503050406030204" pitchFamily="18" charset="0"/>
-                        </a:rPr>
-                        <m:t>切片</m:t>
-                      </m:r>
-                    </m:oMath>
-                  </m:oMathPara>
-                </a14:m>
-                <a:endParaRPr lang="en-US" sz="2800" b="1" dirty="0"/>
-              </a:p>
-            </p:txBody>
-          </p:sp>
-        </mc:Choice>
-        <mc:Fallback>
-          <p:sp>
-            <p:nvSpPr>
-              <p:cNvPr id="25" name="TextBox 24">
-                <a:extLst>
-                  <a:ext uri="{FF2B5EF4-FFF2-40B4-BE49-F238E27FC236}">
-                    <a16:creationId xmlns:a16="http://schemas.microsoft.com/office/drawing/2014/main" id="{92DFA51D-29CF-8A46-A478-D5075A242D1E}"/>
-                  </a:ext>
-                </a:extLst>
-              </p:cNvPr>
-              <p:cNvSpPr txBox="1">
-                <a:spLocks noRot="1" noChangeAspect="1" noMove="1" noResize="1" noEditPoints="1" noAdjustHandles="1" noChangeArrowheads="1" noChangeShapeType="1" noTextEdit="1"/>
-              </p:cNvSpPr>
-              <p:nvPr/>
-            </p:nvSpPr>
-            <p:spPr>
-              <a:xfrm>
-                <a:off x="7429746" y="7520363"/>
-                <a:ext cx="11660359" cy="434286"/>
-              </a:xfrm>
-              <a:prstGeom prst="rect">
-                <a:avLst/>
-              </a:prstGeom>
-              <a:blipFill>
-                <a:blip r:embed="rId4"/>
-                <a:stretch>
-                  <a:fillRect t="-11429" b="-34286"/>
-                </a:stretch>
-              </a:blipFill>
-            </p:spPr>
-            <p:txBody>
-              <a:bodyPr/>
-              <a:lstStyle/>
-              <a:p>
-                <a:r>
-                  <a:rPr lang="en-JP">
-                    <a:noFill/>
-                  </a:rPr>
-                  <a:t> </a:t>
-                </a:r>
-              </a:p>
-            </p:txBody>
-          </p:sp>
-        </mc:Fallback>
-      </mc:AlternateContent>
-      <mc:AlternateContent xmlns:mc="http://schemas.openxmlformats.org/markup-compatibility/2006">
-        <mc:Choice xmlns:a14="http://schemas.microsoft.com/office/drawing/2010/main" Requires="a14">
-          <p:sp>
-            <p:nvSpPr>
-              <p:cNvPr id="26" name="TextBox 25">
-                <a:extLst>
-                  <a:ext uri="{FF2B5EF4-FFF2-40B4-BE49-F238E27FC236}">
-                    <a16:creationId xmlns:a16="http://schemas.microsoft.com/office/drawing/2014/main" id="{6815D282-932C-4446-B35E-C20D319AD8B9}"/>
-                  </a:ext>
-                </a:extLst>
-              </p:cNvPr>
-              <p:cNvSpPr txBox="1"/>
-              <p:nvPr/>
-            </p:nvSpPr>
-            <p:spPr>
-              <a:xfrm>
-                <a:off x="9566505" y="5910815"/>
-                <a:ext cx="6841408" cy="830997"/>
-              </a:xfrm>
-              <a:prstGeom prst="rect">
-                <a:avLst/>
-              </a:prstGeom>
-              <a:noFill/>
-            </p:spPr>
-            <p:txBody>
-              <a:bodyPr wrap="square" lIns="0" tIns="0" rIns="0" bIns="0" rtlCol="0">
-                <a:spAutoFit/>
-              </a:bodyPr>
-              <a:lstStyle/>
-              <a:p>
-                <a:pPr/>
-                <a14:m>
-                  <m:oMathPara xmlns:m="http://schemas.openxmlformats.org/officeDocument/2006/math">
-                    <m:oMathParaPr>
-                      <m:jc m:val="centerGroup"/>
-                    </m:oMathParaPr>
-                    <m:oMath xmlns:m="http://schemas.openxmlformats.org/officeDocument/2006/math">
-                      <m:r>
-                        <a:rPr lang="en-US" sz="5400" b="0" i="1" smtClean="0">
-                          <a:latin typeface="Cambria Math" panose="02040503050406030204" pitchFamily="18" charset="0"/>
-                        </a:rPr>
-                        <m:t>𝑦</m:t>
-                      </m:r>
-                      <m:r>
-                        <a:rPr lang="en-US" sz="5400" b="0" i="1" smtClean="0">
-                          <a:latin typeface="Cambria Math" panose="02040503050406030204" pitchFamily="18" charset="0"/>
-                        </a:rPr>
-                        <m:t>=</m:t>
-                      </m:r>
-                      <m:r>
-                        <a:rPr lang="en-US" sz="5400" b="0" i="1" smtClean="0">
-                          <a:solidFill>
-                            <a:schemeClr val="accent2"/>
-                          </a:solidFill>
-                          <a:latin typeface="Cambria Math" panose="02040503050406030204" pitchFamily="18" charset="0"/>
-                        </a:rPr>
-                        <m:t>𝑎</m:t>
-                      </m:r>
-                      <m:r>
-                        <a:rPr lang="en-US" sz="5400" b="0" i="1" smtClean="0">
-                          <a:latin typeface="Cambria Math" panose="02040503050406030204" pitchFamily="18" charset="0"/>
-                        </a:rPr>
-                        <m:t>𝑥</m:t>
-                      </m:r>
-                      <m:r>
-                        <a:rPr lang="en-US" sz="5400" b="0" i="1" smtClean="0">
-                          <a:latin typeface="Cambria Math" panose="02040503050406030204" pitchFamily="18" charset="0"/>
-                        </a:rPr>
-                        <m:t>+</m:t>
-                      </m:r>
-                      <m:r>
-                        <a:rPr lang="en-US" sz="5400" b="0" i="1" smtClean="0">
-                          <a:solidFill>
-                            <a:schemeClr val="accent1"/>
-                          </a:solidFill>
-                          <a:latin typeface="Cambria Math" panose="02040503050406030204" pitchFamily="18" charset="0"/>
-                        </a:rPr>
-                        <m:t>𝑏</m:t>
-                      </m:r>
-                    </m:oMath>
-                  </m:oMathPara>
-                </a14:m>
-                <a:endParaRPr lang="en-US" sz="5400" b="1" dirty="0"/>
-              </a:p>
-            </p:txBody>
-          </p:sp>
-        </mc:Choice>
-        <mc:Fallback>
-          <p:sp>
-            <p:nvSpPr>
-              <p:cNvPr id="26" name="TextBox 25">
-                <a:extLst>
-                  <a:ext uri="{FF2B5EF4-FFF2-40B4-BE49-F238E27FC236}">
-                    <a16:creationId xmlns:a16="http://schemas.microsoft.com/office/drawing/2014/main" id="{6815D282-932C-4446-B35E-C20D319AD8B9}"/>
-                  </a:ext>
-                </a:extLst>
-              </p:cNvPr>
-              <p:cNvSpPr txBox="1">
-                <a:spLocks noRot="1" noChangeAspect="1" noMove="1" noResize="1" noEditPoints="1" noAdjustHandles="1" noChangeArrowheads="1" noChangeShapeType="1" noTextEdit="1"/>
-              </p:cNvSpPr>
-              <p:nvPr/>
-            </p:nvSpPr>
-            <p:spPr>
-              <a:xfrm>
-                <a:off x="9566505" y="5910815"/>
-                <a:ext cx="6841408" cy="830997"/>
-              </a:xfrm>
-              <a:prstGeom prst="rect">
-                <a:avLst/>
-              </a:prstGeom>
-              <a:blipFill>
-                <a:blip r:embed="rId5"/>
-                <a:stretch>
-                  <a:fillRect b="-20896"/>
-                </a:stretch>
-              </a:blipFill>
-            </p:spPr>
-            <p:txBody>
-              <a:bodyPr/>
-              <a:lstStyle/>
-              <a:p>
-                <a:r>
-                  <a:rPr lang="en-JP">
-                    <a:noFill/>
-                  </a:rPr>
-                  <a:t> </a:t>
-                </a:r>
-              </a:p>
-            </p:txBody>
-          </p:sp>
-        </mc:Fallback>
-      </mc:AlternateContent>
     </p:spTree>
     <p:extLst>
       <p:ext uri="{BB962C8B-B14F-4D97-AF65-F5344CB8AC3E}">
-        <p14:creationId xmlns:p14="http://schemas.microsoft.com/office/powerpoint/2010/main" val="2963874171"/>
+        <p14:creationId xmlns:p14="http://schemas.microsoft.com/office/powerpoint/2010/main" val="1931909809"/>
       </p:ext>
     </p:extLst>
   </p:cSld>

--- a/chapter_1/pptx/2_practice.pptx
+++ b/chapter_1/pptx/2_practice.pptx
@@ -224,7 +224,7 @@
           <a:p>
             <a:fld id="{9325ABCC-732D-4DFB-BF35-D5B0D3F49F74}" type="datetimeFigureOut">
               <a:rPr kumimoji="1" lang="ja-JP" altLang="en-US" smtClean="0"/>
-              <a:t>2020/5/31</a:t>
+              <a:t>2020/6/2</a:t>
             </a:fld>
             <a:endParaRPr kumimoji="1" lang="ja-JP" altLang="en-US"/>
           </a:p>
@@ -11420,7 +11420,7 @@
             </a:r>
             <a:r>
               <a:rPr kumimoji="1" lang="ja-JP" altLang="en-US"/>
-              <a:t>データ政策学</a:t>
+              <a:t>データ政策科学</a:t>
             </a:r>
             <a:endParaRPr kumimoji="1" lang="ja-JP" altLang="en-US" dirty="0"/>
           </a:p>
@@ -15507,7 +15507,7 @@
                   <a:schemeClr val="accent1"/>
                 </a:solidFill>
               </a:rPr>
-              <a:t>0.26802</a:t>
+              <a:t>0.3179</a:t>
             </a:r>
             <a:r>
               <a:rPr lang="ja-JP" altLang="en-US" sz="3200"/>

--- a/chapter_1/pptx/2_practice.pptx
+++ b/chapter_1/pptx/2_practice.pptx
@@ -7,7 +7,7 @@
     <p:sldMasterId id="2147483664" r:id="rId3"/>
   </p:sldMasterIdLst>
   <p:notesMasterIdLst>
-    <p:notesMasterId r:id="rId19"/>
+    <p:notesMasterId r:id="rId20"/>
   </p:notesMasterIdLst>
   <p:sldIdLst>
     <p:sldId id="258" r:id="rId4"/>
@@ -25,6 +25,7 @@
     <p:sldId id="327" r:id="rId16"/>
     <p:sldId id="329" r:id="rId17"/>
     <p:sldId id="331" r:id="rId18"/>
+    <p:sldId id="346" r:id="rId19"/>
   </p:sldIdLst>
   <p:sldSz cx="18288000" cy="10285413"/>
   <p:notesSz cx="6858000" cy="9144000"/>
@@ -224,7 +225,7 @@
           <a:p>
             <a:fld id="{9325ABCC-732D-4DFB-BF35-D5B0D3F49F74}" type="datetimeFigureOut">
               <a:rPr kumimoji="1" lang="ja-JP" altLang="en-US" smtClean="0"/>
-              <a:t>2020/6/2</a:t>
+              <a:t>2020/6/16</a:t>
             </a:fld>
             <a:endParaRPr kumimoji="1" lang="ja-JP" altLang="en-US"/>
           </a:p>
@@ -15636,6 +15637,173 @@
 </p:sld>
 </file>
 
+<file path=ppt/slides/slide16.xml><?xml version="1.0" encoding="utf-8"?>
+<p:sld xmlns:a="http://schemas.openxmlformats.org/drawingml/2006/main" xmlns:r="http://schemas.openxmlformats.org/officeDocument/2006/relationships" xmlns:p="http://schemas.openxmlformats.org/presentationml/2006/main">
+  <p:cSld>
+    <p:spTree>
+      <p:nvGrpSpPr>
+        <p:cNvPr id="1" name=""/>
+        <p:cNvGrpSpPr/>
+        <p:nvPr/>
+      </p:nvGrpSpPr>
+      <p:grpSpPr>
+        <a:xfrm>
+          <a:off x="0" y="0"/>
+          <a:ext cx="0" cy="0"/>
+          <a:chOff x="0" y="0"/>
+          <a:chExt cx="0" cy="0"/>
+        </a:xfrm>
+      </p:grpSpPr>
+      <p:sp>
+        <p:nvSpPr>
+          <p:cNvPr id="9" name="タイトル 8"/>
+          <p:cNvSpPr>
+            <a:spLocks noGrp="1"/>
+          </p:cNvSpPr>
+          <p:nvPr>
+            <p:ph type="title"/>
+          </p:nvPr>
+        </p:nvSpPr>
+        <p:spPr/>
+        <p:txBody>
+          <a:bodyPr>
+            <a:normAutofit/>
+          </a:bodyPr>
+          <a:lstStyle/>
+          <a:p>
+            <a:r>
+              <a:rPr lang="ja-JP" altLang="en-US"/>
+              <a:t>演習課題</a:t>
+            </a:r>
+            <a:endParaRPr kumimoji="1" lang="ja-JP" altLang="en-US" dirty="0"/>
+          </a:p>
+        </p:txBody>
+      </p:sp>
+      <p:sp>
+        <p:nvSpPr>
+          <p:cNvPr id="15" name="テキスト プレースホルダー 9">
+            <a:extLst>
+              <a:ext uri="{FF2B5EF4-FFF2-40B4-BE49-F238E27FC236}">
+                <a16:creationId xmlns:a16="http://schemas.microsoft.com/office/drawing/2014/main" id="{98F5EB82-97F4-BE48-8A01-5935D01BB0CD}"/>
+              </a:ext>
+            </a:extLst>
+          </p:cNvPr>
+          <p:cNvSpPr>
+            <a:spLocks noGrp="1"/>
+          </p:cNvSpPr>
+          <p:nvPr>
+            <p:ph type="body" sz="quarter" idx="12"/>
+          </p:nvPr>
+        </p:nvSpPr>
+        <p:spPr>
+          <a:xfrm>
+            <a:off x="993962" y="1351097"/>
+            <a:ext cx="16786038" cy="7970312"/>
+          </a:xfrm>
+        </p:spPr>
+        <p:txBody>
+          <a:bodyPr>
+            <a:normAutofit/>
+          </a:bodyPr>
+          <a:lstStyle/>
+          <a:p>
+            <a:r>
+              <a:rPr lang="ja-JP" altLang="en-JP" sz="3800"/>
+              <a:t>どんな条件</a:t>
+            </a:r>
+            <a:r>
+              <a:rPr lang="ja-JP" altLang="en-US" sz="3800"/>
+              <a:t>が物件価格に影響を与えそうか仮説を立て、分析を行ってください</a:t>
+            </a:r>
+            <a:endParaRPr lang="en-US" altLang="ja-JP" sz="3800" dirty="0"/>
+          </a:p>
+          <a:p>
+            <a:pPr lvl="1"/>
+            <a:r>
+              <a:rPr lang="ja-JP" altLang="en-US" sz="3600"/>
+              <a:t>分析結果のスクリーンショットを提出</a:t>
+            </a:r>
+            <a:endParaRPr lang="en-US" altLang="ja-JP" sz="3600" dirty="0"/>
+          </a:p>
+        </p:txBody>
+      </p:sp>
+      <p:sp>
+        <p:nvSpPr>
+          <p:cNvPr id="14" name="Footer Placeholder 13">
+            <a:extLst>
+              <a:ext uri="{FF2B5EF4-FFF2-40B4-BE49-F238E27FC236}">
+                <a16:creationId xmlns:a16="http://schemas.microsoft.com/office/drawing/2014/main" id="{6848FA93-3DF9-3B45-9537-C5287D7DA562}"/>
+              </a:ext>
+            </a:extLst>
+          </p:cNvPr>
+          <p:cNvSpPr>
+            <a:spLocks noGrp="1"/>
+          </p:cNvSpPr>
+          <p:nvPr>
+            <p:ph type="ftr" sz="quarter" idx="11"/>
+          </p:nvPr>
+        </p:nvSpPr>
+        <p:spPr>
+          <a:xfrm>
+            <a:off x="10680700" y="9621838"/>
+            <a:ext cx="6172200" cy="547687"/>
+          </a:xfrm>
+        </p:spPr>
+        <p:txBody>
+          <a:bodyPr/>
+          <a:lstStyle/>
+          <a:p>
+            <a:r>
+              <a:rPr kumimoji="1" lang="en-US" altLang="ja-JP"/>
+              <a:t>@Takato Matsumoto, 2020</a:t>
+            </a:r>
+            <a:endParaRPr kumimoji="1" lang="ja-JP" altLang="en-US" dirty="0"/>
+          </a:p>
+        </p:txBody>
+      </p:sp>
+      <p:sp>
+        <p:nvSpPr>
+          <p:cNvPr id="2" name="Slide Number Placeholder 1">
+            <a:extLst>
+              <a:ext uri="{FF2B5EF4-FFF2-40B4-BE49-F238E27FC236}">
+                <a16:creationId xmlns:a16="http://schemas.microsoft.com/office/drawing/2014/main" id="{B69F2656-8F29-EE4B-917C-8F1AB2BEBCB9}"/>
+              </a:ext>
+            </a:extLst>
+          </p:cNvPr>
+          <p:cNvSpPr>
+            <a:spLocks noGrp="1"/>
+          </p:cNvSpPr>
+          <p:nvPr>
+            <p:ph type="sldNum" sz="quarter" idx="10"/>
+          </p:nvPr>
+        </p:nvSpPr>
+        <p:spPr/>
+        <p:txBody>
+          <a:bodyPr/>
+          <a:lstStyle/>
+          <a:p>
+            <a:fld id="{D28C7C6D-0F52-4FBA-8358-35C6083C2133}" type="slidenum">
+              <a:rPr kumimoji="1" lang="ja-JP" altLang="en-US" smtClean="0"/>
+              <a:pPr/>
+              <a:t>16</a:t>
+            </a:fld>
+            <a:endParaRPr kumimoji="1" lang="ja-JP" altLang="en-US"/>
+          </a:p>
+        </p:txBody>
+      </p:sp>
+    </p:spTree>
+    <p:extLst>
+      <p:ext uri="{BB962C8B-B14F-4D97-AF65-F5344CB8AC3E}">
+        <p14:creationId xmlns:p14="http://schemas.microsoft.com/office/powerpoint/2010/main" val="288316181"/>
+      </p:ext>
+    </p:extLst>
+  </p:cSld>
+  <p:clrMapOvr>
+    <a:masterClrMapping/>
+  </p:clrMapOvr>
+</p:sld>
+</file>
+
 <file path=ppt/slides/slide2.xml><?xml version="1.0" encoding="utf-8"?>
 <p:sld xmlns:a="http://schemas.openxmlformats.org/drawingml/2006/main" xmlns:r="http://schemas.openxmlformats.org/officeDocument/2006/relationships" xmlns:p="http://schemas.openxmlformats.org/presentationml/2006/main">
   <p:cSld>
